--- a/documentation/20231114_stemo_midterm.pptx
+++ b/documentation/20231114_stemo_midterm.pptx
@@ -6,7 +6,7 @@
     <p:sldMasterId id="2147483710" r:id="rId2"/>
   </p:sldMasterIdLst>
   <p:notesMasterIdLst>
-    <p:notesMasterId r:id="rId21"/>
+    <p:notesMasterId r:id="rId20"/>
   </p:notesMasterIdLst>
   <p:sldIdLst>
     <p:sldId id="358" r:id="rId3"/>
@@ -16,17 +16,16 @@
     <p:sldId id="392" r:id="rId7"/>
     <p:sldId id="393" r:id="rId8"/>
     <p:sldId id="394" r:id="rId9"/>
-    <p:sldId id="395" r:id="rId10"/>
-    <p:sldId id="379" r:id="rId11"/>
-    <p:sldId id="396" r:id="rId12"/>
-    <p:sldId id="397" r:id="rId13"/>
-    <p:sldId id="398" r:id="rId14"/>
-    <p:sldId id="399" r:id="rId15"/>
-    <p:sldId id="382" r:id="rId16"/>
-    <p:sldId id="401" r:id="rId17"/>
-    <p:sldId id="381" r:id="rId18"/>
-    <p:sldId id="384" r:id="rId19"/>
-    <p:sldId id="385" r:id="rId20"/>
+    <p:sldId id="379" r:id="rId10"/>
+    <p:sldId id="396" r:id="rId11"/>
+    <p:sldId id="397" r:id="rId12"/>
+    <p:sldId id="398" r:id="rId13"/>
+    <p:sldId id="399" r:id="rId14"/>
+    <p:sldId id="382" r:id="rId15"/>
+    <p:sldId id="401" r:id="rId16"/>
+    <p:sldId id="385" r:id="rId17"/>
+    <p:sldId id="402" r:id="rId18"/>
+    <p:sldId id="403" r:id="rId19"/>
   </p:sldIdLst>
   <p:sldSz cx="12192000" cy="6858000"/>
   <p:notesSz cx="6858000" cy="9144000"/>
@@ -145,7 +144,6 @@
             <p14:sldId id="392"/>
             <p14:sldId id="393"/>
             <p14:sldId id="394"/>
-            <p14:sldId id="395"/>
           </p14:sldIdLst>
         </p14:section>
         <p14:section name="Restorer" id="{46E0EEE1-22A7-1043-AEEE-78E3553A5D01}">
@@ -165,9 +163,9 @@
         </p14:section>
         <p14:section name="Detector" id="{AAFADF46-FE1B-2547-88FA-33C245810C2D}">
           <p14:sldIdLst>
-            <p14:sldId id="381"/>
-            <p14:sldId id="384"/>
             <p14:sldId id="385"/>
+            <p14:sldId id="402"/>
+            <p14:sldId id="403"/>
           </p14:sldIdLst>
         </p14:section>
       </p14:sectionLst>
@@ -2316,7 +2314,7 @@
           <a:p>
             <a:fld id="{00A6180F-3EA1-4748-B4F4-956BB5176995}" type="datetimeFigureOut">
               <a:rPr lang="de-DE" smtClean="0"/>
-              <a:t>11.12.2023</a:t>
+              <a:t>12.12.2023</a:t>
             </a:fld>
             <a:endParaRPr lang="de-DE"/>
           </a:p>
@@ -3152,91 +3150,7 @@
           <a:p>
             <a:fld id="{F13C3961-1900-1342-BF9B-82C3215CD312}" type="slidenum">
               <a:rPr lang="de-DE" smtClean="0"/>
-              <a:t>8</a:t>
-            </a:fld>
-            <a:endParaRPr lang="de-DE"/>
-          </a:p>
-        </p:txBody>
-      </p:sp>
-    </p:spTree>
-    <p:extLst>
-      <p:ext uri="{BB962C8B-B14F-4D97-AF65-F5344CB8AC3E}">
-        <p14:creationId xmlns:p14="http://schemas.microsoft.com/office/powerpoint/2010/main" val="1278587676"/>
-      </p:ext>
-    </p:extLst>
-  </p:cSld>
-  <p:clrMapOvr>
-    <a:masterClrMapping/>
-  </p:clrMapOvr>
-</p:notes>
-</file>
-
-<file path=ppt/notesSlides/notesSlide8.xml><?xml version="1.0" encoding="utf-8"?>
-<p:notes xmlns:a="http://schemas.openxmlformats.org/drawingml/2006/main" xmlns:r="http://schemas.openxmlformats.org/officeDocument/2006/relationships" xmlns:p="http://schemas.openxmlformats.org/presentationml/2006/main">
-  <p:cSld>
-    <p:spTree>
-      <p:nvGrpSpPr>
-        <p:cNvPr id="1" name=""/>
-        <p:cNvGrpSpPr/>
-        <p:nvPr/>
-      </p:nvGrpSpPr>
-      <p:grpSpPr>
-        <a:xfrm>
-          <a:off x="0" y="0"/>
-          <a:ext cx="0" cy="0"/>
-          <a:chOff x="0" y="0"/>
-          <a:chExt cx="0" cy="0"/>
-        </a:xfrm>
-      </p:grpSpPr>
-      <p:sp>
-        <p:nvSpPr>
-          <p:cNvPr id="2" name="Folienbildplatzhalter 1"/>
-          <p:cNvSpPr>
-            <a:spLocks noGrp="1" noRot="1" noChangeAspect="1"/>
-          </p:cNvSpPr>
-          <p:nvPr>
-            <p:ph type="sldImg"/>
-          </p:nvPr>
-        </p:nvSpPr>
-        <p:spPr/>
-      </p:sp>
-      <p:sp>
-        <p:nvSpPr>
-          <p:cNvPr id="3" name="Notizenplatzhalter 2"/>
-          <p:cNvSpPr>
-            <a:spLocks noGrp="1"/>
-          </p:cNvSpPr>
-          <p:nvPr>
-            <p:ph type="body" idx="1"/>
-          </p:nvPr>
-        </p:nvSpPr>
-        <p:spPr/>
-        <p:txBody>
-          <a:bodyPr/>
-          <a:lstStyle/>
-          <a:p>
-            <a:endParaRPr lang="de-DE" dirty="0"/>
-          </a:p>
-        </p:txBody>
-      </p:sp>
-      <p:sp>
-        <p:nvSpPr>
-          <p:cNvPr id="4" name="Foliennummernplatzhalter 3"/>
-          <p:cNvSpPr>
-            <a:spLocks noGrp="1"/>
-          </p:cNvSpPr>
-          <p:nvPr>
-            <p:ph type="sldNum" sz="quarter" idx="5"/>
-          </p:nvPr>
-        </p:nvSpPr>
-        <p:spPr/>
-        <p:txBody>
-          <a:bodyPr/>
-          <a:lstStyle/>
-          <a:p>
-            <a:fld id="{F13C3961-1900-1342-BF9B-82C3215CD312}" type="slidenum">
-              <a:rPr lang="de-DE" smtClean="0"/>
-              <a:t>15</a:t>
+              <a:t>14</a:t>
             </a:fld>
             <a:endParaRPr lang="de-DE"/>
           </a:p>
@@ -6610,7 +6524,7 @@
                 <a:tabLst/>
                 <a:defRPr/>
               </a:pPr>
-              <a:t>11. Dezember 2023</a:t>
+              <a:t>12. Dezember 2023</a:t>
             </a:fld>
             <a:endParaRPr lang="de-DE" sz="1200" dirty="0">
               <a:solidFill>
@@ -7081,7 +6995,7 @@
                 <a:tabLst/>
                 <a:defRPr/>
               </a:pPr>
-              <a:t>11. Dezember 2023</a:t>
+              <a:t>12. Dezember 2023</a:t>
             </a:fld>
             <a:endParaRPr lang="de-DE" sz="1400" dirty="0">
               <a:solidFill>
@@ -7135,540 +7049,6 @@
 </file>
 
 <file path=ppt/slides/slide10.xml><?xml version="1.0" encoding="utf-8"?>
-<p:sld xmlns:a="http://schemas.openxmlformats.org/drawingml/2006/main" xmlns:r="http://schemas.openxmlformats.org/officeDocument/2006/relationships" xmlns:p="http://schemas.openxmlformats.org/presentationml/2006/main">
-  <p:cSld>
-    <p:spTree>
-      <p:nvGrpSpPr>
-        <p:cNvPr id="1" name=""/>
-        <p:cNvGrpSpPr/>
-        <p:nvPr/>
-      </p:nvGrpSpPr>
-      <p:grpSpPr>
-        <a:xfrm>
-          <a:off x="0" y="0"/>
-          <a:ext cx="0" cy="0"/>
-          <a:chOff x="0" y="0"/>
-          <a:chExt cx="0" cy="0"/>
-        </a:xfrm>
-      </p:grpSpPr>
-      <p:sp>
-        <p:nvSpPr>
-          <p:cNvPr id="4" name="Textplatzhalter 3">
-            <a:extLst>
-              <a:ext uri="{FF2B5EF4-FFF2-40B4-BE49-F238E27FC236}">
-                <a16:creationId xmlns:a16="http://schemas.microsoft.com/office/drawing/2014/main" id="{1DDBDE21-4AC1-EB4D-9875-252AE5A899AE}"/>
-              </a:ext>
-            </a:extLst>
-          </p:cNvPr>
-          <p:cNvSpPr>
-            <a:spLocks noGrp="1"/>
-          </p:cNvSpPr>
-          <p:nvPr>
-            <p:ph type="body" sz="quarter" idx="14"/>
-          </p:nvPr>
-        </p:nvSpPr>
-        <p:spPr/>
-        <p:txBody>
-          <a:bodyPr/>
-          <a:lstStyle/>
-          <a:p>
-            <a:r>
-              <a:rPr lang="de-DE" dirty="0" err="1"/>
-              <a:t>Restorer</a:t>
-            </a:r>
-            <a:endParaRPr lang="de-DE" dirty="0"/>
-          </a:p>
-        </p:txBody>
-      </p:sp>
-      <p:sp>
-        <p:nvSpPr>
-          <p:cNvPr id="2" name="Rechteck 1">
-            <a:extLst>
-              <a:ext uri="{FF2B5EF4-FFF2-40B4-BE49-F238E27FC236}">
-                <a16:creationId xmlns:a16="http://schemas.microsoft.com/office/drawing/2014/main" id="{EDCDC795-29C0-66CC-D5DD-8F33A26445F1}"/>
-              </a:ext>
-            </a:extLst>
-          </p:cNvPr>
-          <p:cNvSpPr/>
-          <p:nvPr/>
-        </p:nvSpPr>
-        <p:spPr>
-          <a:xfrm>
-            <a:off x="555867" y="4940556"/>
-            <a:ext cx="1470267" cy="717437"/>
-          </a:xfrm>
-          <a:prstGeom prst="rect">
-            <a:avLst/>
-          </a:prstGeom>
-        </p:spPr>
-        <p:style>
-          <a:lnRef idx="2">
-            <a:schemeClr val="accent1">
-              <a:shade val="15000"/>
-            </a:schemeClr>
-          </a:lnRef>
-          <a:fillRef idx="1">
-            <a:schemeClr val="accent1"/>
-          </a:fillRef>
-          <a:effectRef idx="0">
-            <a:schemeClr val="accent1"/>
-          </a:effectRef>
-          <a:fontRef idx="minor">
-            <a:schemeClr val="lt1"/>
-          </a:fontRef>
-        </p:style>
-        <p:txBody>
-          <a:bodyPr rtlCol="0" anchor="ctr"/>
-          <a:lstStyle/>
-          <a:p>
-            <a:pPr algn="ctr"/>
-            <a:r>
-              <a:rPr lang="de-DE" dirty="0"/>
-              <a:t>Input</a:t>
-            </a:r>
-          </a:p>
-        </p:txBody>
-      </p:sp>
-      <p:sp>
-        <p:nvSpPr>
-          <p:cNvPr id="3" name="Rechteck 2">
-            <a:extLst>
-              <a:ext uri="{FF2B5EF4-FFF2-40B4-BE49-F238E27FC236}">
-                <a16:creationId xmlns:a16="http://schemas.microsoft.com/office/drawing/2014/main" id="{DE96BA9B-9CA0-B6FA-D782-7ECFAAB88EAE}"/>
-              </a:ext>
-            </a:extLst>
-          </p:cNvPr>
-          <p:cNvSpPr/>
-          <p:nvPr/>
-        </p:nvSpPr>
-        <p:spPr>
-          <a:xfrm>
-            <a:off x="2026134" y="4115056"/>
-            <a:ext cx="1470267" cy="717437"/>
-          </a:xfrm>
-          <a:prstGeom prst="rect">
-            <a:avLst/>
-          </a:prstGeom>
-        </p:spPr>
-        <p:style>
-          <a:lnRef idx="2">
-            <a:schemeClr val="accent1">
-              <a:shade val="15000"/>
-            </a:schemeClr>
-          </a:lnRef>
-          <a:fillRef idx="1">
-            <a:schemeClr val="accent1"/>
-          </a:fillRef>
-          <a:effectRef idx="0">
-            <a:schemeClr val="accent1"/>
-          </a:effectRef>
-          <a:fontRef idx="minor">
-            <a:schemeClr val="lt1"/>
-          </a:fontRef>
-        </p:style>
-        <p:txBody>
-          <a:bodyPr rtlCol="0" anchor="ctr"/>
-          <a:lstStyle/>
-          <a:p>
-            <a:pPr algn="ctr"/>
-            <a:r>
-              <a:rPr lang="de-DE" dirty="0" err="1"/>
-              <a:t>Restoring</a:t>
-            </a:r>
-            <a:endParaRPr lang="de-DE" dirty="0"/>
-          </a:p>
-        </p:txBody>
-      </p:sp>
-      <p:cxnSp>
-        <p:nvCxnSpPr>
-          <p:cNvPr id="10" name="Verbinder: gewinkelt 9">
-            <a:extLst>
-              <a:ext uri="{FF2B5EF4-FFF2-40B4-BE49-F238E27FC236}">
-                <a16:creationId xmlns:a16="http://schemas.microsoft.com/office/drawing/2014/main" id="{7233A5F4-4007-202D-6660-FDEEF21C24FC}"/>
-              </a:ext>
-            </a:extLst>
-          </p:cNvPr>
-          <p:cNvCxnSpPr>
-            <a:stCxn id="2" idx="0"/>
-            <a:endCxn id="3" idx="1"/>
-          </p:cNvCxnSpPr>
-          <p:nvPr/>
-        </p:nvCxnSpPr>
-        <p:spPr>
-          <a:xfrm rot="5400000" flipH="1" flipV="1">
-            <a:off x="1425177" y="4339600"/>
-            <a:ext cx="466781" cy="735133"/>
-          </a:xfrm>
-          <a:prstGeom prst="bentConnector2">
-            <a:avLst/>
-          </a:prstGeom>
-          <a:ln>
-            <a:tailEnd type="triangle"/>
-          </a:ln>
-        </p:spPr>
-        <p:style>
-          <a:lnRef idx="1">
-            <a:schemeClr val="accent1"/>
-          </a:lnRef>
-          <a:fillRef idx="0">
-            <a:schemeClr val="accent1"/>
-          </a:fillRef>
-          <a:effectRef idx="0">
-            <a:schemeClr val="accent1"/>
-          </a:effectRef>
-          <a:fontRef idx="minor">
-            <a:schemeClr val="tx1"/>
-          </a:fontRef>
-        </p:style>
-      </p:cxnSp>
-      <p:grpSp>
-        <p:nvGrpSpPr>
-          <p:cNvPr id="22" name="Gruppieren 21">
-            <a:extLst>
-              <a:ext uri="{FF2B5EF4-FFF2-40B4-BE49-F238E27FC236}">
-                <a16:creationId xmlns:a16="http://schemas.microsoft.com/office/drawing/2014/main" id="{C6750FF8-9BC5-17FE-FEBA-4ABB65B96887}"/>
-              </a:ext>
-            </a:extLst>
-          </p:cNvPr>
-          <p:cNvGrpSpPr/>
-          <p:nvPr/>
-        </p:nvGrpSpPr>
-        <p:grpSpPr>
-          <a:xfrm>
-            <a:off x="3496401" y="4111943"/>
-            <a:ext cx="2545121" cy="711459"/>
-            <a:chOff x="616261" y="3352483"/>
-            <a:chExt cx="9105588" cy="572242"/>
-          </a:xfrm>
-        </p:grpSpPr>
-        <p:sp>
-          <p:nvSpPr>
-            <p:cNvPr id="23" name="Rechteck: obere Ecken abgerundet 22">
-              <a:extLst>
-                <a:ext uri="{FF2B5EF4-FFF2-40B4-BE49-F238E27FC236}">
-                  <a16:creationId xmlns:a16="http://schemas.microsoft.com/office/drawing/2014/main" id="{3487088E-B273-24DC-4E51-8CA9B87070A4}"/>
-                </a:ext>
-              </a:extLst>
-            </p:cNvPr>
-            <p:cNvSpPr/>
-            <p:nvPr/>
-          </p:nvSpPr>
-          <p:spPr>
-            <a:xfrm rot="5400000">
-              <a:off x="4882934" y="-914190"/>
-              <a:ext cx="572242" cy="9105588"/>
-            </a:xfrm>
-            <a:prstGeom prst="round2SameRect">
-              <a:avLst/>
-            </a:prstGeom>
-            <a:solidFill>
-              <a:srgbClr val="C30D1E">
-                <a:lumMod val="20000"/>
-                <a:lumOff val="80000"/>
-                <a:alpha val="90000"/>
-              </a:srgbClr>
-            </a:solidFill>
-            <a:ln w="12700" cap="flat" cmpd="sng" algn="ctr">
-              <a:solidFill>
-                <a:srgbClr val="C30D1E">
-                  <a:hueOff val="0"/>
-                  <a:satOff val="0"/>
-                  <a:lumOff val="0"/>
-                  <a:alphaOff val="0"/>
-                </a:srgbClr>
-              </a:solidFill>
-              <a:prstDash val="solid"/>
-              <a:miter lim="800000"/>
-            </a:ln>
-            <a:effectLst/>
-          </p:spPr>
-          <p:style>
-            <a:lnRef idx="2">
-              <a:scrgbClr r="0" g="0" b="0"/>
-            </a:lnRef>
-            <a:fillRef idx="1">
-              <a:scrgbClr r="0" g="0" b="0"/>
-            </a:fillRef>
-            <a:effectRef idx="0">
-              <a:scrgbClr r="0" g="0" b="0"/>
-            </a:effectRef>
-            <a:fontRef idx="minor">
-              <a:schemeClr val="dk1">
-                <a:hueOff val="0"/>
-                <a:satOff val="0"/>
-                <a:lumOff val="0"/>
-                <a:alphaOff val="0"/>
-              </a:schemeClr>
-            </a:fontRef>
-          </p:style>
-          <p:txBody>
-            <a:bodyPr/>
-            <a:lstStyle/>
-            <a:p>
-              <a:endParaRPr lang="de-DE"/>
-            </a:p>
-          </p:txBody>
-        </p:sp>
-        <p:sp>
-          <p:nvSpPr>
-            <p:cNvPr id="24" name="Rechteck: obere Ecken abgerundet 4">
-              <a:extLst>
-                <a:ext uri="{FF2B5EF4-FFF2-40B4-BE49-F238E27FC236}">
-                  <a16:creationId xmlns:a16="http://schemas.microsoft.com/office/drawing/2014/main" id="{F8D30C20-B263-1ECB-D7FB-ABD9B8819C71}"/>
-                </a:ext>
-              </a:extLst>
-            </p:cNvPr>
-            <p:cNvSpPr txBox="1"/>
-            <p:nvPr/>
-          </p:nvSpPr>
-          <p:spPr>
-            <a:xfrm>
-              <a:off x="616262" y="3380417"/>
-              <a:ext cx="9077653" cy="516372"/>
-            </a:xfrm>
-            <a:prstGeom prst="rect">
-              <a:avLst/>
-            </a:prstGeom>
-          </p:spPr>
-          <p:style>
-            <a:lnRef idx="0">
-              <a:scrgbClr r="0" g="0" b="0"/>
-            </a:lnRef>
-            <a:fillRef idx="0">
-              <a:scrgbClr r="0" g="0" b="0"/>
-            </a:fillRef>
-            <a:effectRef idx="0">
-              <a:scrgbClr r="0" g="0" b="0"/>
-            </a:effectRef>
-            <a:fontRef idx="minor">
-              <a:schemeClr val="dk1">
-                <a:hueOff val="0"/>
-                <a:satOff val="0"/>
-                <a:lumOff val="0"/>
-                <a:alphaOff val="0"/>
-              </a:schemeClr>
-            </a:fontRef>
-          </p:style>
-          <p:txBody>
-            <a:bodyPr spcFirstLastPara="0" vert="horz" wrap="square" lIns="99568" tIns="8890" rIns="8890" bIns="8890" numCol="1" spcCol="1270" anchor="ctr" anchorCtr="0">
-              <a:noAutofit/>
-            </a:bodyPr>
-            <a:lstStyle/>
-            <a:p>
-              <a:pPr marL="114300" lvl="1" indent="-114300" algn="l" defTabSz="622300">
-                <a:lnSpc>
-                  <a:spcPct val="90000"/>
-                </a:lnSpc>
-                <a:spcBef>
-                  <a:spcPct val="0"/>
-                </a:spcBef>
-                <a:spcAft>
-                  <a:spcPct val="15000"/>
-                </a:spcAft>
-                <a:buFont typeface="Arial" panose="020B0604020202020204" pitchFamily="34" charset="0"/>
-                <a:buChar char="•"/>
-              </a:pPr>
-              <a:r>
-                <a:rPr lang="en-DE" sz="1400" kern="1200" dirty="0">
-                  <a:solidFill>
-                    <a:srgbClr val="434343">
-                      <a:hueOff val="0"/>
-                      <a:satOff val="0"/>
-                      <a:lumOff val="0"/>
-                      <a:alphaOff val="0"/>
-                    </a:srgbClr>
-                  </a:solidFill>
-                  <a:latin typeface="Arial" panose="020B0604020202020204" pitchFamily="34" charset="0"/>
-                  <a:ea typeface="+mn-ea"/>
-                  <a:cs typeface="Arial" panose="020B0604020202020204" pitchFamily="34" charset="0"/>
-                </a:rPr>
-                <a:t>News feed with hidden message</a:t>
-              </a:r>
-            </a:p>
-          </p:txBody>
-        </p:sp>
-      </p:grpSp>
-      <p:grpSp>
-        <p:nvGrpSpPr>
-          <p:cNvPr id="25" name="Gruppieren 24">
-            <a:extLst>
-              <a:ext uri="{FF2B5EF4-FFF2-40B4-BE49-F238E27FC236}">
-                <a16:creationId xmlns:a16="http://schemas.microsoft.com/office/drawing/2014/main" id="{113A8280-F3C0-3D81-77EF-F9736DF03FE1}"/>
-              </a:ext>
-            </a:extLst>
-          </p:cNvPr>
-          <p:cNvGrpSpPr/>
-          <p:nvPr/>
-        </p:nvGrpSpPr>
-        <p:grpSpPr>
-          <a:xfrm>
-            <a:off x="2026868" y="4946533"/>
-            <a:ext cx="2536099" cy="711460"/>
-            <a:chOff x="616261" y="2592181"/>
-            <a:chExt cx="9105588" cy="572242"/>
-          </a:xfrm>
-        </p:grpSpPr>
-        <p:sp>
-          <p:nvSpPr>
-            <p:cNvPr id="26" name="Rechteck: obere Ecken abgerundet 25">
-              <a:extLst>
-                <a:ext uri="{FF2B5EF4-FFF2-40B4-BE49-F238E27FC236}">
-                  <a16:creationId xmlns:a16="http://schemas.microsoft.com/office/drawing/2014/main" id="{49F826AB-F22C-860D-CFDC-09A26EF288CE}"/>
-                </a:ext>
-              </a:extLst>
-            </p:cNvPr>
-            <p:cNvSpPr/>
-            <p:nvPr/>
-          </p:nvSpPr>
-          <p:spPr>
-            <a:xfrm rot="5400000">
-              <a:off x="4882934" y="-1674492"/>
-              <a:ext cx="572242" cy="9105588"/>
-            </a:xfrm>
-            <a:prstGeom prst="round2SameRect">
-              <a:avLst/>
-            </a:prstGeom>
-            <a:solidFill>
-              <a:srgbClr val="C30D1E">
-                <a:lumMod val="20000"/>
-                <a:lumOff val="80000"/>
-                <a:alpha val="90000"/>
-              </a:srgbClr>
-            </a:solidFill>
-            <a:ln w="12700" cap="flat" cmpd="sng" algn="ctr">
-              <a:solidFill>
-                <a:srgbClr val="C30D1E">
-                  <a:hueOff val="0"/>
-                  <a:satOff val="0"/>
-                  <a:lumOff val="0"/>
-                  <a:alphaOff val="0"/>
-                </a:srgbClr>
-              </a:solidFill>
-              <a:prstDash val="solid"/>
-              <a:miter lim="800000"/>
-            </a:ln>
-            <a:effectLst/>
-          </p:spPr>
-          <p:style>
-            <a:lnRef idx="2">
-              <a:scrgbClr r="0" g="0" b="0"/>
-            </a:lnRef>
-            <a:fillRef idx="1">
-              <a:scrgbClr r="0" g="0" b="0"/>
-            </a:fillRef>
-            <a:effectRef idx="0">
-              <a:scrgbClr r="0" g="0" b="0"/>
-            </a:effectRef>
-            <a:fontRef idx="minor">
-              <a:schemeClr val="dk1">
-                <a:hueOff val="0"/>
-                <a:satOff val="0"/>
-                <a:lumOff val="0"/>
-                <a:alphaOff val="0"/>
-              </a:schemeClr>
-            </a:fontRef>
-          </p:style>
-          <p:txBody>
-            <a:bodyPr/>
-            <a:lstStyle/>
-            <a:p>
-              <a:endParaRPr lang="de-DE"/>
-            </a:p>
-          </p:txBody>
-        </p:sp>
-        <p:sp>
-          <p:nvSpPr>
-            <p:cNvPr id="27" name="Rechteck: obere Ecken abgerundet 4">
-              <a:extLst>
-                <a:ext uri="{FF2B5EF4-FFF2-40B4-BE49-F238E27FC236}">
-                  <a16:creationId xmlns:a16="http://schemas.microsoft.com/office/drawing/2014/main" id="{A7321AA4-1C23-6FC4-0FB7-96E9674E445A}"/>
-                </a:ext>
-              </a:extLst>
-            </p:cNvPr>
-            <p:cNvSpPr txBox="1"/>
-            <p:nvPr/>
-          </p:nvSpPr>
-          <p:spPr>
-            <a:xfrm>
-              <a:off x="616262" y="2620115"/>
-              <a:ext cx="9077653" cy="516372"/>
-            </a:xfrm>
-            <a:prstGeom prst="rect">
-              <a:avLst/>
-            </a:prstGeom>
-          </p:spPr>
-          <p:style>
-            <a:lnRef idx="0">
-              <a:scrgbClr r="0" g="0" b="0"/>
-            </a:lnRef>
-            <a:fillRef idx="0">
-              <a:scrgbClr r="0" g="0" b="0"/>
-            </a:fillRef>
-            <a:effectRef idx="0">
-              <a:scrgbClr r="0" g="0" b="0"/>
-            </a:effectRef>
-            <a:fontRef idx="minor">
-              <a:schemeClr val="dk1">
-                <a:hueOff val="0"/>
-                <a:satOff val="0"/>
-                <a:lumOff val="0"/>
-                <a:alphaOff val="0"/>
-              </a:schemeClr>
-            </a:fontRef>
-          </p:style>
-          <p:txBody>
-            <a:bodyPr spcFirstLastPara="0" vert="horz" wrap="square" lIns="99568" tIns="8890" rIns="8890" bIns="8890" numCol="1" spcCol="1270" anchor="ctr" anchorCtr="0">
-              <a:noAutofit/>
-            </a:bodyPr>
-            <a:lstStyle/>
-            <a:p>
-              <a:pPr marL="114300" lvl="1" indent="-114300" algn="l" defTabSz="622300">
-                <a:lnSpc>
-                  <a:spcPct val="90000"/>
-                </a:lnSpc>
-                <a:spcBef>
-                  <a:spcPct val="0"/>
-                </a:spcBef>
-                <a:spcAft>
-                  <a:spcPct val="15000"/>
-                </a:spcAft>
-                <a:buFont typeface="Arial" panose="020B0604020202020204" pitchFamily="34" charset="0"/>
-                <a:buChar char="•"/>
-              </a:pPr>
-              <a:r>
-                <a:rPr lang="en-DE" sz="1400" kern="1200" dirty="0">
-                  <a:solidFill>
-                    <a:srgbClr val="434343">
-                      <a:hueOff val="0"/>
-                      <a:satOff val="0"/>
-                      <a:lumOff val="0"/>
-                      <a:alphaOff val="0"/>
-                    </a:srgbClr>
-                  </a:solidFill>
-                  <a:latin typeface="Arial" panose="020B0604020202020204" pitchFamily="34" charset="0"/>
-                  <a:ea typeface="+mn-ea"/>
-                  <a:cs typeface="Arial" panose="020B0604020202020204" pitchFamily="34" charset="0"/>
-                </a:rPr>
-                <a:t>Hide secret in articles</a:t>
-              </a:r>
-            </a:p>
-          </p:txBody>
-        </p:sp>
-      </p:grpSp>
-    </p:spTree>
-    <p:extLst>
-      <p:ext uri="{BB962C8B-B14F-4D97-AF65-F5344CB8AC3E}">
-        <p14:creationId xmlns:p14="http://schemas.microsoft.com/office/powerpoint/2010/main" val="1106828226"/>
-      </p:ext>
-    </p:extLst>
-  </p:cSld>
-  <p:clrMapOvr>
-    <a:masterClrMapping/>
-  </p:clrMapOvr>
-</p:sld>
-</file>
-
-<file path=ppt/slides/slide11.xml><?xml version="1.0" encoding="utf-8"?>
 <p:sld xmlns:a="http://schemas.openxmlformats.org/drawingml/2006/main" xmlns:r="http://schemas.openxmlformats.org/officeDocument/2006/relationships" xmlns:p="http://schemas.openxmlformats.org/presentationml/2006/main">
   <p:cSld>
     <p:spTree>
@@ -8475,7 +7855,7 @@
 </p:sld>
 </file>
 
-<file path=ppt/slides/slide12.xml><?xml version="1.0" encoding="utf-8"?>
+<file path=ppt/slides/slide11.xml><?xml version="1.0" encoding="utf-8"?>
 <p:sld xmlns:a="http://schemas.openxmlformats.org/drawingml/2006/main" xmlns:r="http://schemas.openxmlformats.org/officeDocument/2006/relationships" xmlns:p="http://schemas.openxmlformats.org/presentationml/2006/main">
   <p:cSld>
     <p:spTree>
@@ -9541,7 +8921,7 @@
 </p:sld>
 </file>
 
-<file path=ppt/slides/slide13.xml><?xml version="1.0" encoding="utf-8"?>
+<file path=ppt/slides/slide12.xml><?xml version="1.0" encoding="utf-8"?>
 <p:sld xmlns:a="http://schemas.openxmlformats.org/drawingml/2006/main" xmlns:r="http://schemas.openxmlformats.org/officeDocument/2006/relationships" xmlns:p="http://schemas.openxmlformats.org/presentationml/2006/main">
   <p:cSld>
     <p:spTree>
@@ -10975,7 +10355,7 @@
 </p:sld>
 </file>
 
-<file path=ppt/slides/slide14.xml><?xml version="1.0" encoding="utf-8"?>
+<file path=ppt/slides/slide13.xml><?xml version="1.0" encoding="utf-8"?>
 <p:sld xmlns:a="http://schemas.openxmlformats.org/drawingml/2006/main" xmlns:r="http://schemas.openxmlformats.org/officeDocument/2006/relationships" xmlns:p="http://schemas.openxmlformats.org/presentationml/2006/main" show="0">
   <p:cSld>
     <p:spTree>
@@ -12506,7 +11886,7 @@
 </p:sld>
 </file>
 
-<file path=ppt/slides/slide15.xml><?xml version="1.0" encoding="utf-8"?>
+<file path=ppt/slides/slide14.xml><?xml version="1.0" encoding="utf-8"?>
 <p:sld xmlns:a="http://schemas.openxmlformats.org/drawingml/2006/main" xmlns:r="http://schemas.openxmlformats.org/officeDocument/2006/relationships" xmlns:p="http://schemas.openxmlformats.org/presentationml/2006/main" show="0">
   <p:cSld>
     <p:spTree>
@@ -12846,7 +12226,7 @@
 </p:sld>
 </file>
 
-<file path=ppt/slides/slide16.xml><?xml version="1.0" encoding="utf-8"?>
+<file path=ppt/slides/slide15.xml><?xml version="1.0" encoding="utf-8"?>
 <p:sld xmlns:a="http://schemas.openxmlformats.org/drawingml/2006/main" xmlns:r="http://schemas.openxmlformats.org/officeDocument/2006/relationships" xmlns:p="http://schemas.openxmlformats.org/presentationml/2006/main">
   <p:cSld>
     <p:spTree>
@@ -13016,11 +12396,11 @@
             </a:pPr>
             <a:r>
               <a:rPr lang="de-DE" sz="1400" dirty="0"/>
-              <a:t>Hard-</a:t>
+              <a:t>Threshold-</a:t>
             </a:r>
             <a:r>
               <a:rPr lang="de-DE" sz="1400" dirty="0" err="1"/>
-              <a:t>coded</a:t>
+              <a:t>based</a:t>
             </a:r>
             <a:r>
               <a:rPr lang="de-DE" sz="1400" dirty="0"/>
@@ -13028,31 +12408,7 @@
             </a:r>
             <a:r>
               <a:rPr lang="de-DE" sz="1400" dirty="0" err="1"/>
-              <a:t>thresholds</a:t>
-            </a:r>
-            <a:r>
-              <a:rPr lang="de-DE" sz="1400" dirty="0"/>
-              <a:t> </a:t>
-            </a:r>
-            <a:r>
-              <a:rPr lang="de-DE" sz="1400" dirty="0" err="1"/>
-              <a:t>for</a:t>
-            </a:r>
-            <a:r>
-              <a:rPr lang="de-DE" sz="1400" dirty="0"/>
-              <a:t> </a:t>
-            </a:r>
-            <a:r>
-              <a:rPr lang="de-DE" sz="1400" dirty="0" err="1"/>
               <a:t>decision</a:t>
-            </a:r>
-            <a:r>
-              <a:rPr lang="de-DE" sz="1400" dirty="0"/>
-              <a:t> </a:t>
-            </a:r>
-            <a:r>
-              <a:rPr lang="de-DE" sz="1400" dirty="0" err="1"/>
-              <a:t>making</a:t>
             </a:r>
             <a:endParaRPr lang="de-DE" sz="1400" dirty="0"/>
           </a:p>
@@ -13115,7 +12471,649 @@
     </p:spTree>
     <p:extLst>
       <p:ext uri="{BB962C8B-B14F-4D97-AF65-F5344CB8AC3E}">
-        <p14:creationId xmlns:p14="http://schemas.microsoft.com/office/powerpoint/2010/main" val="2176244174"/>
+        <p14:creationId xmlns:p14="http://schemas.microsoft.com/office/powerpoint/2010/main" val="1061408635"/>
+      </p:ext>
+    </p:extLst>
+  </p:cSld>
+  <p:clrMapOvr>
+    <a:masterClrMapping/>
+  </p:clrMapOvr>
+</p:sld>
+</file>
+
+<file path=ppt/slides/slide16.xml><?xml version="1.0" encoding="utf-8"?>
+<p:sld xmlns:a="http://schemas.openxmlformats.org/drawingml/2006/main" xmlns:r="http://schemas.openxmlformats.org/officeDocument/2006/relationships" xmlns:p="http://schemas.openxmlformats.org/presentationml/2006/main">
+  <p:cSld>
+    <p:spTree>
+      <p:nvGrpSpPr>
+        <p:cNvPr id="1" name=""/>
+        <p:cNvGrpSpPr/>
+        <p:nvPr/>
+      </p:nvGrpSpPr>
+      <p:grpSpPr>
+        <a:xfrm>
+          <a:off x="0" y="0"/>
+          <a:ext cx="0" cy="0"/>
+          <a:chOff x="0" y="0"/>
+          <a:chExt cx="0" cy="0"/>
+        </a:xfrm>
+      </p:grpSpPr>
+      <p:sp>
+        <p:nvSpPr>
+          <p:cNvPr id="4" name="Text Placeholder 3">
+            <a:extLst>
+              <a:ext uri="{FF2B5EF4-FFF2-40B4-BE49-F238E27FC236}">
+                <a16:creationId xmlns:a16="http://schemas.microsoft.com/office/drawing/2014/main" id="{418A14FA-B203-44DE-74D3-3C1D79865EA0}"/>
+              </a:ext>
+            </a:extLst>
+          </p:cNvPr>
+          <p:cNvSpPr>
+            <a:spLocks noGrp="1"/>
+          </p:cNvSpPr>
+          <p:nvPr>
+            <p:ph type="body" sz="quarter" idx="14"/>
+          </p:nvPr>
+        </p:nvSpPr>
+        <p:spPr/>
+        <p:txBody>
+          <a:bodyPr/>
+          <a:lstStyle/>
+          <a:p>
+            <a:r>
+              <a:rPr lang="en-DE" dirty="0"/>
+              <a:t>Detector</a:t>
+            </a:r>
+          </a:p>
+        </p:txBody>
+      </p:sp>
+      <p:sp>
+        <p:nvSpPr>
+          <p:cNvPr id="2" name="Rechteck 1">
+            <a:extLst>
+              <a:ext uri="{FF2B5EF4-FFF2-40B4-BE49-F238E27FC236}">
+                <a16:creationId xmlns:a16="http://schemas.microsoft.com/office/drawing/2014/main" id="{6A1B376E-2A02-AFAC-002A-A0AEBC509E87}"/>
+              </a:ext>
+            </a:extLst>
+          </p:cNvPr>
+          <p:cNvSpPr/>
+          <p:nvPr/>
+        </p:nvSpPr>
+        <p:spPr>
+          <a:xfrm>
+            <a:off x="555867" y="1439642"/>
+            <a:ext cx="4193932" cy="717437"/>
+          </a:xfrm>
+          <a:prstGeom prst="rect">
+            <a:avLst/>
+          </a:prstGeom>
+        </p:spPr>
+        <p:style>
+          <a:lnRef idx="2">
+            <a:schemeClr val="accent1">
+              <a:shade val="15000"/>
+            </a:schemeClr>
+          </a:lnRef>
+          <a:fillRef idx="1">
+            <a:schemeClr val="accent1"/>
+          </a:fillRef>
+          <a:effectRef idx="0">
+            <a:schemeClr val="accent1"/>
+          </a:effectRef>
+          <a:fontRef idx="minor">
+            <a:schemeClr val="lt1"/>
+          </a:fontRef>
+        </p:style>
+        <p:txBody>
+          <a:bodyPr rtlCol="0" anchor="ctr"/>
+          <a:lstStyle/>
+          <a:p>
+            <a:pPr lvl="0" algn="ctr"/>
+            <a:r>
+              <a:rPr lang="en-DE" sz="2000" dirty="0">
+                <a:latin typeface="Arial" panose="020B0604020202020204" pitchFamily="34" charset="0"/>
+                <a:cs typeface="Arial" panose="020B0604020202020204" pitchFamily="34" charset="0"/>
+              </a:rPr>
+              <a:t>1. Rule-based Detector</a:t>
+            </a:r>
+          </a:p>
+        </p:txBody>
+      </p:sp>
+      <p:sp>
+        <p:nvSpPr>
+          <p:cNvPr id="3" name="Rechteck 2">
+            <a:extLst>
+              <a:ext uri="{FF2B5EF4-FFF2-40B4-BE49-F238E27FC236}">
+                <a16:creationId xmlns:a16="http://schemas.microsoft.com/office/drawing/2014/main" id="{B0019D32-2911-3657-EAC3-D9DACB58B29B}"/>
+              </a:ext>
+            </a:extLst>
+          </p:cNvPr>
+          <p:cNvSpPr/>
+          <p:nvPr/>
+        </p:nvSpPr>
+        <p:spPr>
+          <a:xfrm>
+            <a:off x="555867" y="3841491"/>
+            <a:ext cx="4193933" cy="717437"/>
+          </a:xfrm>
+          <a:prstGeom prst="rect">
+            <a:avLst/>
+          </a:prstGeom>
+        </p:spPr>
+        <p:style>
+          <a:lnRef idx="2">
+            <a:schemeClr val="accent1">
+              <a:shade val="15000"/>
+            </a:schemeClr>
+          </a:lnRef>
+          <a:fillRef idx="1">
+            <a:schemeClr val="accent1"/>
+          </a:fillRef>
+          <a:effectRef idx="0">
+            <a:schemeClr val="accent1"/>
+          </a:effectRef>
+          <a:fontRef idx="minor">
+            <a:schemeClr val="lt1"/>
+          </a:fontRef>
+        </p:style>
+        <p:txBody>
+          <a:bodyPr rtlCol="0" anchor="ctr"/>
+          <a:lstStyle/>
+          <a:p>
+            <a:pPr algn="ctr"/>
+            <a:r>
+              <a:rPr lang="de-DE" sz="2000" dirty="0"/>
+              <a:t>2. LLM-Property </a:t>
+            </a:r>
+            <a:r>
+              <a:rPr lang="de-DE" sz="2000" dirty="0" err="1"/>
+              <a:t>based</a:t>
+            </a:r>
+            <a:r>
+              <a:rPr lang="de-DE" sz="2000" dirty="0"/>
+              <a:t> </a:t>
+            </a:r>
+            <a:r>
+              <a:rPr lang="de-DE" sz="2000" dirty="0" err="1"/>
+              <a:t>Detector</a:t>
+            </a:r>
+            <a:endParaRPr lang="de-DE" sz="2000" dirty="0"/>
+          </a:p>
+        </p:txBody>
+      </p:sp>
+      <p:cxnSp>
+        <p:nvCxnSpPr>
+          <p:cNvPr id="13" name="Gerader Verbinder 12">
+            <a:extLst>
+              <a:ext uri="{FF2B5EF4-FFF2-40B4-BE49-F238E27FC236}">
+                <a16:creationId xmlns:a16="http://schemas.microsoft.com/office/drawing/2014/main" id="{70FAA7C1-4C9B-2CA1-F093-75273F3DC0AE}"/>
+              </a:ext>
+            </a:extLst>
+          </p:cNvPr>
+          <p:cNvCxnSpPr>
+            <a:stCxn id="3" idx="3"/>
+          </p:cNvCxnSpPr>
+          <p:nvPr/>
+        </p:nvCxnSpPr>
+        <p:spPr>
+          <a:xfrm flipV="1">
+            <a:off x="4749800" y="4200209"/>
+            <a:ext cx="1047992" cy="1"/>
+          </a:xfrm>
+          <a:prstGeom prst="line">
+            <a:avLst/>
+          </a:prstGeom>
+        </p:spPr>
+        <p:style>
+          <a:lnRef idx="1">
+            <a:schemeClr val="accent1"/>
+          </a:lnRef>
+          <a:fillRef idx="0">
+            <a:schemeClr val="accent1"/>
+          </a:fillRef>
+          <a:effectRef idx="0">
+            <a:schemeClr val="accent1"/>
+          </a:effectRef>
+          <a:fontRef idx="minor">
+            <a:schemeClr val="tx1"/>
+          </a:fontRef>
+        </p:style>
+      </p:cxnSp>
+      <p:cxnSp>
+        <p:nvCxnSpPr>
+          <p:cNvPr id="14" name="Gerader Verbinder 13">
+            <a:extLst>
+              <a:ext uri="{FF2B5EF4-FFF2-40B4-BE49-F238E27FC236}">
+                <a16:creationId xmlns:a16="http://schemas.microsoft.com/office/drawing/2014/main" id="{C12CB6DF-C062-5705-A642-01B3459A92C5}"/>
+              </a:ext>
+            </a:extLst>
+          </p:cNvPr>
+          <p:cNvCxnSpPr>
+            <a:cxnSpLocks/>
+            <a:stCxn id="2" idx="3"/>
+          </p:cNvCxnSpPr>
+          <p:nvPr/>
+        </p:nvCxnSpPr>
+        <p:spPr>
+          <a:xfrm>
+            <a:off x="4749799" y="1798361"/>
+            <a:ext cx="1047993" cy="0"/>
+          </a:xfrm>
+          <a:prstGeom prst="line">
+            <a:avLst/>
+          </a:prstGeom>
+        </p:spPr>
+        <p:style>
+          <a:lnRef idx="1">
+            <a:schemeClr val="accent1"/>
+          </a:lnRef>
+          <a:fillRef idx="0">
+            <a:schemeClr val="accent1"/>
+          </a:fillRef>
+          <a:effectRef idx="0">
+            <a:schemeClr val="accent1"/>
+          </a:effectRef>
+          <a:fontRef idx="minor">
+            <a:schemeClr val="tx1"/>
+          </a:fontRef>
+        </p:style>
+      </p:cxnSp>
+      <p:cxnSp>
+        <p:nvCxnSpPr>
+          <p:cNvPr id="19" name="Gerader Verbinder 18">
+            <a:extLst>
+              <a:ext uri="{FF2B5EF4-FFF2-40B4-BE49-F238E27FC236}">
+                <a16:creationId xmlns:a16="http://schemas.microsoft.com/office/drawing/2014/main" id="{F0372849-9C58-DBD5-E7D1-1889865ADDE4}"/>
+              </a:ext>
+            </a:extLst>
+          </p:cNvPr>
+          <p:cNvCxnSpPr/>
+          <p:nvPr/>
+        </p:nvCxnSpPr>
+        <p:spPr>
+          <a:xfrm>
+            <a:off x="5797792" y="1798361"/>
+            <a:ext cx="0" cy="2401849"/>
+          </a:xfrm>
+          <a:prstGeom prst="line">
+            <a:avLst/>
+          </a:prstGeom>
+        </p:spPr>
+        <p:style>
+          <a:lnRef idx="1">
+            <a:schemeClr val="accent1"/>
+          </a:lnRef>
+          <a:fillRef idx="0">
+            <a:schemeClr val="accent1"/>
+          </a:fillRef>
+          <a:effectRef idx="0">
+            <a:schemeClr val="accent1"/>
+          </a:effectRef>
+          <a:fontRef idx="minor">
+            <a:schemeClr val="tx1"/>
+          </a:fontRef>
+        </p:style>
+      </p:cxnSp>
+      <p:sp>
+        <p:nvSpPr>
+          <p:cNvPr id="21" name="Textfeld 20">
+            <a:extLst>
+              <a:ext uri="{FF2B5EF4-FFF2-40B4-BE49-F238E27FC236}">
+                <a16:creationId xmlns:a16="http://schemas.microsoft.com/office/drawing/2014/main" id="{B61CAF2D-5DC6-842E-6730-9C04A8729B1D}"/>
+              </a:ext>
+            </a:extLst>
+          </p:cNvPr>
+          <p:cNvSpPr txBox="1"/>
+          <p:nvPr/>
+        </p:nvSpPr>
+        <p:spPr>
+          <a:xfrm>
+            <a:off x="523567" y="2208030"/>
+            <a:ext cx="4226233" cy="523220"/>
+          </a:xfrm>
+          <a:prstGeom prst="rect">
+            <a:avLst/>
+          </a:prstGeom>
+          <a:noFill/>
+        </p:spPr>
+        <p:txBody>
+          <a:bodyPr wrap="square">
+            <a:spAutoFit/>
+          </a:bodyPr>
+          <a:lstStyle/>
+          <a:p>
+            <a:pPr marL="285750" lvl="0" indent="-285750">
+              <a:buFont typeface="Arial" panose="020B0604020202020204" pitchFamily="34" charset="0"/>
+              <a:buChar char="•"/>
+            </a:pPr>
+            <a:r>
+              <a:rPr lang="de-DE" sz="1400" dirty="0"/>
+              <a:t>Simple </a:t>
+            </a:r>
+            <a:r>
+              <a:rPr lang="de-DE" sz="1400" dirty="0" err="1"/>
+              <a:t>rule-based</a:t>
+            </a:r>
+            <a:r>
+              <a:rPr lang="de-DE" sz="1400" dirty="0"/>
+              <a:t> </a:t>
+            </a:r>
+            <a:r>
+              <a:rPr lang="de-DE" sz="1400" dirty="0" err="1"/>
+              <a:t>analysis</a:t>
+            </a:r>
+            <a:r>
+              <a:rPr lang="de-DE" sz="1400" dirty="0"/>
+              <a:t> of </a:t>
+            </a:r>
+            <a:r>
+              <a:rPr lang="de-DE" sz="1400" dirty="0" err="1"/>
+              <a:t>linguistic</a:t>
+            </a:r>
+            <a:r>
+              <a:rPr lang="de-DE" sz="1400" dirty="0"/>
+              <a:t> </a:t>
+            </a:r>
+            <a:r>
+              <a:rPr lang="de-DE" sz="1400" dirty="0" err="1"/>
+              <a:t>properties</a:t>
+            </a:r>
+            <a:endParaRPr lang="de-DE" sz="1400" dirty="0"/>
+          </a:p>
+          <a:p>
+            <a:pPr marL="285750" lvl="0" indent="-285750">
+              <a:buFont typeface="Arial" panose="020B0604020202020204" pitchFamily="34" charset="0"/>
+              <a:buChar char="•"/>
+            </a:pPr>
+            <a:r>
+              <a:rPr lang="de-DE" sz="1400" dirty="0"/>
+              <a:t>Threshold-</a:t>
+            </a:r>
+            <a:r>
+              <a:rPr lang="de-DE" sz="1400" dirty="0" err="1"/>
+              <a:t>based</a:t>
+            </a:r>
+            <a:r>
+              <a:rPr lang="de-DE" sz="1400" dirty="0"/>
+              <a:t> </a:t>
+            </a:r>
+            <a:r>
+              <a:rPr lang="de-DE" sz="1400" dirty="0" err="1"/>
+              <a:t>decision</a:t>
+            </a:r>
+            <a:endParaRPr lang="de-DE" sz="1400" dirty="0"/>
+          </a:p>
+        </p:txBody>
+      </p:sp>
+      <p:sp>
+        <p:nvSpPr>
+          <p:cNvPr id="24" name="Rechteck 23">
+            <a:extLst>
+              <a:ext uri="{FF2B5EF4-FFF2-40B4-BE49-F238E27FC236}">
+                <a16:creationId xmlns:a16="http://schemas.microsoft.com/office/drawing/2014/main" id="{D41F6B30-8AB9-3575-3765-87757EBD9A97}"/>
+              </a:ext>
+            </a:extLst>
+          </p:cNvPr>
+          <p:cNvSpPr/>
+          <p:nvPr/>
+        </p:nvSpPr>
+        <p:spPr>
+          <a:xfrm>
+            <a:off x="555867" y="4565360"/>
+            <a:ext cx="4193930" cy="1052858"/>
+          </a:xfrm>
+          <a:prstGeom prst="rect">
+            <a:avLst/>
+          </a:prstGeom>
+          <a:noFill/>
+          <a:ln w="9525" cap="flat" cmpd="sng" algn="ctr">
+            <a:solidFill>
+              <a:schemeClr val="accent1"/>
+            </a:solidFill>
+            <a:prstDash val="solid"/>
+            <a:round/>
+            <a:headEnd type="none" w="med" len="med"/>
+            <a:tailEnd type="none" w="med" len="med"/>
+          </a:ln>
+        </p:spPr>
+        <p:style>
+          <a:lnRef idx="0">
+            <a:scrgbClr r="0" g="0" b="0"/>
+          </a:lnRef>
+          <a:fillRef idx="0">
+            <a:scrgbClr r="0" g="0" b="0"/>
+          </a:fillRef>
+          <a:effectRef idx="0">
+            <a:scrgbClr r="0" g="0" b="0"/>
+          </a:effectRef>
+          <a:fontRef idx="minor">
+            <a:schemeClr val="accent1"/>
+          </a:fontRef>
+        </p:style>
+        <p:txBody>
+          <a:bodyPr rtlCol="0" anchor="ctr"/>
+          <a:lstStyle/>
+          <a:p>
+            <a:pPr algn="ctr"/>
+            <a:endParaRPr lang="de-DE"/>
+          </a:p>
+        </p:txBody>
+      </p:sp>
+      <p:sp>
+        <p:nvSpPr>
+          <p:cNvPr id="27" name="Textfeld 26">
+            <a:extLst>
+              <a:ext uri="{FF2B5EF4-FFF2-40B4-BE49-F238E27FC236}">
+                <a16:creationId xmlns:a16="http://schemas.microsoft.com/office/drawing/2014/main" id="{EE4D4090-F7CF-A69B-FAD5-993520AB6607}"/>
+              </a:ext>
+            </a:extLst>
+          </p:cNvPr>
+          <p:cNvSpPr txBox="1"/>
+          <p:nvPr/>
+        </p:nvSpPr>
+        <p:spPr>
+          <a:xfrm>
+            <a:off x="555867" y="4635008"/>
+            <a:ext cx="4226233" cy="954107"/>
+          </a:xfrm>
+          <a:prstGeom prst="rect">
+            <a:avLst/>
+          </a:prstGeom>
+          <a:noFill/>
+        </p:spPr>
+        <p:txBody>
+          <a:bodyPr wrap="square" rtlCol="0">
+            <a:spAutoFit/>
+          </a:bodyPr>
+          <a:lstStyle/>
+          <a:p>
+            <a:pPr marL="285750" indent="-285750">
+              <a:buFont typeface="Arial" panose="020B0604020202020204" pitchFamily="34" charset="0"/>
+              <a:buChar char="•"/>
+            </a:pPr>
+            <a:r>
+              <a:rPr lang="de-DE" sz="1400" dirty="0"/>
+              <a:t>Input </a:t>
+            </a:r>
+            <a:r>
+              <a:rPr lang="de-DE" sz="1400" dirty="0" err="1"/>
+              <a:t>newspaper</a:t>
+            </a:r>
+            <a:r>
+              <a:rPr lang="de-DE" sz="1400" dirty="0"/>
+              <a:t> </a:t>
+            </a:r>
+            <a:r>
+              <a:rPr lang="de-DE" sz="1400" dirty="0" err="1"/>
+              <a:t>article</a:t>
+            </a:r>
+            <a:r>
+              <a:rPr lang="de-DE" sz="1400" dirty="0"/>
+              <a:t> </a:t>
+            </a:r>
+            <a:r>
+              <a:rPr lang="de-DE" sz="1400" dirty="0" err="1"/>
+              <a:t>gets</a:t>
+            </a:r>
+            <a:r>
+              <a:rPr lang="de-DE" sz="1400" dirty="0"/>
+              <a:t> </a:t>
+            </a:r>
+            <a:r>
+              <a:rPr lang="de-DE" sz="1400" dirty="0" err="1"/>
+              <a:t>tokenized</a:t>
+            </a:r>
+            <a:r>
+              <a:rPr lang="de-DE" sz="1400" dirty="0"/>
+              <a:t> and </a:t>
+            </a:r>
+            <a:r>
+              <a:rPr lang="de-DE" sz="1400" dirty="0" err="1"/>
+              <a:t>evaluated</a:t>
+            </a:r>
+            <a:r>
+              <a:rPr lang="de-DE" sz="1400" dirty="0"/>
+              <a:t> in </a:t>
+            </a:r>
+            <a:r>
+              <a:rPr lang="de-DE" sz="1400" dirty="0" err="1"/>
+              <a:t>llama</a:t>
+            </a:r>
+            <a:r>
+              <a:rPr lang="de-DE" sz="1400" dirty="0"/>
+              <a:t> </a:t>
+            </a:r>
+            <a:r>
+              <a:rPr lang="de-DE" sz="1400" dirty="0" err="1"/>
+              <a:t>llm</a:t>
+            </a:r>
+            <a:endParaRPr lang="de-DE" sz="1400" dirty="0"/>
+          </a:p>
+          <a:p>
+            <a:pPr marL="285750" indent="-285750">
+              <a:buFont typeface="Arial" panose="020B0604020202020204" pitchFamily="34" charset="0"/>
+              <a:buChar char="•"/>
+            </a:pPr>
+            <a:r>
+              <a:rPr lang="de-DE" sz="1400" dirty="0"/>
+              <a:t>Threshold-</a:t>
+            </a:r>
+            <a:r>
+              <a:rPr lang="de-DE" sz="1400" dirty="0" err="1"/>
+              <a:t>based</a:t>
+            </a:r>
+            <a:r>
+              <a:rPr lang="de-DE" sz="1400" dirty="0"/>
+              <a:t> </a:t>
+            </a:r>
+            <a:r>
+              <a:rPr lang="de-DE" sz="1400" dirty="0" err="1"/>
+              <a:t>decision</a:t>
+            </a:r>
+            <a:r>
+              <a:rPr lang="de-DE" sz="1400" dirty="0"/>
+              <a:t> </a:t>
+            </a:r>
+            <a:r>
+              <a:rPr lang="de-DE" sz="1400" dirty="0" err="1"/>
+              <a:t>considering</a:t>
+            </a:r>
+            <a:r>
+              <a:rPr lang="de-DE" sz="1400" dirty="0"/>
+              <a:t> </a:t>
+            </a:r>
+            <a:r>
+              <a:rPr lang="de-DE" sz="1400" dirty="0" err="1"/>
+              <a:t>statistical</a:t>
+            </a:r>
+            <a:r>
+              <a:rPr lang="de-DE" sz="1400" dirty="0"/>
+              <a:t> </a:t>
+            </a:r>
+            <a:r>
+              <a:rPr lang="de-DE" sz="1400" dirty="0" err="1"/>
+              <a:t>properties</a:t>
+            </a:r>
+            <a:r>
+              <a:rPr lang="de-DE" sz="1400" dirty="0"/>
+              <a:t> of </a:t>
+            </a:r>
+            <a:r>
+              <a:rPr lang="de-DE" sz="1400" dirty="0" err="1"/>
+              <a:t>text</a:t>
+            </a:r>
+            <a:r>
+              <a:rPr lang="de-DE" sz="1400" dirty="0"/>
+              <a:t> (e.g. </a:t>
+            </a:r>
+            <a:r>
+              <a:rPr lang="de-DE" sz="1400" dirty="0" err="1"/>
+              <a:t>DetectGPT</a:t>
+            </a:r>
+            <a:r>
+              <a:rPr lang="de-DE" sz="1400" dirty="0"/>
+              <a:t>)</a:t>
+            </a:r>
+          </a:p>
+        </p:txBody>
+      </p:sp>
+      <p:sp>
+        <p:nvSpPr>
+          <p:cNvPr id="28" name="Rechteck 27">
+            <a:extLst>
+              <a:ext uri="{FF2B5EF4-FFF2-40B4-BE49-F238E27FC236}">
+                <a16:creationId xmlns:a16="http://schemas.microsoft.com/office/drawing/2014/main" id="{F672DA89-08FF-AF98-E625-7F3EB66FB7CF}"/>
+              </a:ext>
+            </a:extLst>
+          </p:cNvPr>
+          <p:cNvSpPr/>
+          <p:nvPr/>
+        </p:nvSpPr>
+        <p:spPr>
+          <a:xfrm>
+            <a:off x="555867" y="2163511"/>
+            <a:ext cx="4193930" cy="1052858"/>
+          </a:xfrm>
+          <a:prstGeom prst="rect">
+            <a:avLst/>
+          </a:prstGeom>
+          <a:noFill/>
+          <a:ln w="9525" cap="flat" cmpd="sng" algn="ctr">
+            <a:solidFill>
+              <a:schemeClr val="accent1"/>
+            </a:solidFill>
+            <a:prstDash val="solid"/>
+            <a:round/>
+            <a:headEnd type="none" w="med" len="med"/>
+            <a:tailEnd type="none" w="med" len="med"/>
+          </a:ln>
+        </p:spPr>
+        <p:style>
+          <a:lnRef idx="0">
+            <a:scrgbClr r="0" g="0" b="0"/>
+          </a:lnRef>
+          <a:fillRef idx="0">
+            <a:scrgbClr r="0" g="0" b="0"/>
+          </a:fillRef>
+          <a:effectRef idx="0">
+            <a:scrgbClr r="0" g="0" b="0"/>
+          </a:effectRef>
+          <a:fontRef idx="minor">
+            <a:schemeClr val="accent1"/>
+          </a:fontRef>
+        </p:style>
+        <p:txBody>
+          <a:bodyPr rtlCol="0" anchor="ctr"/>
+          <a:lstStyle/>
+          <a:p>
+            <a:pPr algn="ctr"/>
+            <a:endParaRPr lang="de-DE"/>
+          </a:p>
+        </p:txBody>
+      </p:sp>
+    </p:spTree>
+    <p:extLst>
+      <p:ext uri="{BB962C8B-B14F-4D97-AF65-F5344CB8AC3E}">
+        <p14:creationId xmlns:p14="http://schemas.microsoft.com/office/powerpoint/2010/main" val="3126867424"/>
       </p:ext>
     </p:extLst>
   </p:cSld>
@@ -13286,6 +13284,252 @@
       </p:sp>
       <p:sp>
         <p:nvSpPr>
+          <p:cNvPr id="6" name="Rechteck 5">
+            <a:extLst>
+              <a:ext uri="{FF2B5EF4-FFF2-40B4-BE49-F238E27FC236}">
+                <a16:creationId xmlns:a16="http://schemas.microsoft.com/office/drawing/2014/main" id="{8537FC70-B2DD-5887-052F-77ABF6A9D78B}"/>
+              </a:ext>
+            </a:extLst>
+          </p:cNvPr>
+          <p:cNvSpPr/>
+          <p:nvPr/>
+        </p:nvSpPr>
+        <p:spPr>
+          <a:xfrm>
+            <a:off x="7041273" y="2305910"/>
+            <a:ext cx="4155954" cy="717437"/>
+          </a:xfrm>
+          <a:prstGeom prst="rect">
+            <a:avLst/>
+          </a:prstGeom>
+        </p:spPr>
+        <p:style>
+          <a:lnRef idx="2">
+            <a:schemeClr val="accent1">
+              <a:shade val="15000"/>
+            </a:schemeClr>
+          </a:lnRef>
+          <a:fillRef idx="1">
+            <a:schemeClr val="accent1"/>
+          </a:fillRef>
+          <a:effectRef idx="0">
+            <a:schemeClr val="accent1"/>
+          </a:effectRef>
+          <a:fontRef idx="minor">
+            <a:schemeClr val="lt1"/>
+          </a:fontRef>
+        </p:style>
+        <p:txBody>
+          <a:bodyPr rtlCol="0" anchor="ctr"/>
+          <a:lstStyle/>
+          <a:p>
+            <a:pPr lvl="0" algn="ctr"/>
+            <a:r>
+              <a:rPr lang="de-DE" sz="2000" dirty="0">
+                <a:latin typeface="Arial" panose="020B0604020202020204" pitchFamily="34" charset="0"/>
+                <a:cs typeface="Arial" panose="020B0604020202020204" pitchFamily="34" charset="0"/>
+              </a:rPr>
+              <a:t>3</a:t>
+            </a:r>
+            <a:r>
+              <a:rPr lang="en-DE" sz="2000" dirty="0">
+                <a:latin typeface="Arial" panose="020B0604020202020204" pitchFamily="34" charset="0"/>
+                <a:cs typeface="Arial" panose="020B0604020202020204" pitchFamily="34" charset="0"/>
+              </a:rPr>
+              <a:t>. </a:t>
+            </a:r>
+            <a:r>
+              <a:rPr lang="de-DE" sz="2000" dirty="0">
+                <a:latin typeface="Arial" panose="020B0604020202020204" pitchFamily="34" charset="0"/>
+                <a:cs typeface="Arial" panose="020B0604020202020204" pitchFamily="34" charset="0"/>
+              </a:rPr>
+              <a:t>ML-</a:t>
+            </a:r>
+            <a:r>
+              <a:rPr lang="de-DE" sz="2000" dirty="0" err="1">
+                <a:latin typeface="Arial" panose="020B0604020202020204" pitchFamily="34" charset="0"/>
+                <a:cs typeface="Arial" panose="020B0604020202020204" pitchFamily="34" charset="0"/>
+              </a:rPr>
+              <a:t>based</a:t>
+            </a:r>
+            <a:r>
+              <a:rPr lang="de-DE" sz="2000" dirty="0">
+                <a:latin typeface="Arial" panose="020B0604020202020204" pitchFamily="34" charset="0"/>
+                <a:cs typeface="Arial" panose="020B0604020202020204" pitchFamily="34" charset="0"/>
+              </a:rPr>
+              <a:t> </a:t>
+            </a:r>
+            <a:r>
+              <a:rPr lang="de-DE" sz="2000" dirty="0" err="1">
+                <a:latin typeface="Arial" panose="020B0604020202020204" pitchFamily="34" charset="0"/>
+                <a:cs typeface="Arial" panose="020B0604020202020204" pitchFamily="34" charset="0"/>
+              </a:rPr>
+              <a:t>Detector</a:t>
+            </a:r>
+            <a:endParaRPr lang="en-DE" sz="2000" dirty="0">
+              <a:latin typeface="Arial" panose="020B0604020202020204" pitchFamily="34" charset="0"/>
+              <a:cs typeface="Arial" panose="020B0604020202020204" pitchFamily="34" charset="0"/>
+            </a:endParaRPr>
+          </a:p>
+        </p:txBody>
+      </p:sp>
+      <p:cxnSp>
+        <p:nvCxnSpPr>
+          <p:cNvPr id="8" name="Gerade Verbindung mit Pfeil 7">
+            <a:extLst>
+              <a:ext uri="{FF2B5EF4-FFF2-40B4-BE49-F238E27FC236}">
+                <a16:creationId xmlns:a16="http://schemas.microsoft.com/office/drawing/2014/main" id="{6765141F-BE77-0C08-50D4-E5378C6BCEC9}"/>
+              </a:ext>
+            </a:extLst>
+          </p:cNvPr>
+          <p:cNvCxnSpPr>
+            <a:cxnSpLocks/>
+            <a:endCxn id="6" idx="1"/>
+          </p:cNvCxnSpPr>
+          <p:nvPr/>
+        </p:nvCxnSpPr>
+        <p:spPr>
+          <a:xfrm>
+            <a:off x="5797792" y="2664628"/>
+            <a:ext cx="1243481" cy="1"/>
+          </a:xfrm>
+          <a:prstGeom prst="straightConnector1">
+            <a:avLst/>
+          </a:prstGeom>
+          <a:ln>
+            <a:tailEnd type="triangle"/>
+          </a:ln>
+        </p:spPr>
+        <p:style>
+          <a:lnRef idx="1">
+            <a:schemeClr val="accent1"/>
+          </a:lnRef>
+          <a:fillRef idx="0">
+            <a:schemeClr val="accent1"/>
+          </a:fillRef>
+          <a:effectRef idx="0">
+            <a:schemeClr val="accent1"/>
+          </a:effectRef>
+          <a:fontRef idx="minor">
+            <a:schemeClr val="tx1"/>
+          </a:fontRef>
+        </p:style>
+      </p:cxnSp>
+      <p:cxnSp>
+        <p:nvCxnSpPr>
+          <p:cNvPr id="13" name="Gerader Verbinder 12">
+            <a:extLst>
+              <a:ext uri="{FF2B5EF4-FFF2-40B4-BE49-F238E27FC236}">
+                <a16:creationId xmlns:a16="http://schemas.microsoft.com/office/drawing/2014/main" id="{70FAA7C1-4C9B-2CA1-F093-75273F3DC0AE}"/>
+              </a:ext>
+            </a:extLst>
+          </p:cNvPr>
+          <p:cNvCxnSpPr>
+            <a:stCxn id="3" idx="3"/>
+          </p:cNvCxnSpPr>
+          <p:nvPr/>
+        </p:nvCxnSpPr>
+        <p:spPr>
+          <a:xfrm flipV="1">
+            <a:off x="4749800" y="4200209"/>
+            <a:ext cx="1047992" cy="1"/>
+          </a:xfrm>
+          <a:prstGeom prst="line">
+            <a:avLst/>
+          </a:prstGeom>
+        </p:spPr>
+        <p:style>
+          <a:lnRef idx="1">
+            <a:schemeClr val="accent1"/>
+          </a:lnRef>
+          <a:fillRef idx="0">
+            <a:schemeClr val="accent1"/>
+          </a:fillRef>
+          <a:effectRef idx="0">
+            <a:schemeClr val="accent1"/>
+          </a:effectRef>
+          <a:fontRef idx="minor">
+            <a:schemeClr val="tx1"/>
+          </a:fontRef>
+        </p:style>
+      </p:cxnSp>
+      <p:cxnSp>
+        <p:nvCxnSpPr>
+          <p:cNvPr id="14" name="Gerader Verbinder 13">
+            <a:extLst>
+              <a:ext uri="{FF2B5EF4-FFF2-40B4-BE49-F238E27FC236}">
+                <a16:creationId xmlns:a16="http://schemas.microsoft.com/office/drawing/2014/main" id="{C12CB6DF-C062-5705-A642-01B3459A92C5}"/>
+              </a:ext>
+            </a:extLst>
+          </p:cNvPr>
+          <p:cNvCxnSpPr>
+            <a:cxnSpLocks/>
+            <a:stCxn id="2" idx="3"/>
+          </p:cNvCxnSpPr>
+          <p:nvPr/>
+        </p:nvCxnSpPr>
+        <p:spPr>
+          <a:xfrm>
+            <a:off x="4749799" y="1798361"/>
+            <a:ext cx="1047993" cy="0"/>
+          </a:xfrm>
+          <a:prstGeom prst="line">
+            <a:avLst/>
+          </a:prstGeom>
+        </p:spPr>
+        <p:style>
+          <a:lnRef idx="1">
+            <a:schemeClr val="accent1"/>
+          </a:lnRef>
+          <a:fillRef idx="0">
+            <a:schemeClr val="accent1"/>
+          </a:fillRef>
+          <a:effectRef idx="0">
+            <a:schemeClr val="accent1"/>
+          </a:effectRef>
+          <a:fontRef idx="minor">
+            <a:schemeClr val="tx1"/>
+          </a:fontRef>
+        </p:style>
+      </p:cxnSp>
+      <p:cxnSp>
+        <p:nvCxnSpPr>
+          <p:cNvPr id="19" name="Gerader Verbinder 18">
+            <a:extLst>
+              <a:ext uri="{FF2B5EF4-FFF2-40B4-BE49-F238E27FC236}">
+                <a16:creationId xmlns:a16="http://schemas.microsoft.com/office/drawing/2014/main" id="{F0372849-9C58-DBD5-E7D1-1889865ADDE4}"/>
+              </a:ext>
+            </a:extLst>
+          </p:cNvPr>
+          <p:cNvCxnSpPr/>
+          <p:nvPr/>
+        </p:nvCxnSpPr>
+        <p:spPr>
+          <a:xfrm>
+            <a:off x="5797792" y="1798361"/>
+            <a:ext cx="0" cy="2401849"/>
+          </a:xfrm>
+          <a:prstGeom prst="line">
+            <a:avLst/>
+          </a:prstGeom>
+        </p:spPr>
+        <p:style>
+          <a:lnRef idx="1">
+            <a:schemeClr val="accent1"/>
+          </a:lnRef>
+          <a:fillRef idx="0">
+            <a:schemeClr val="accent1"/>
+          </a:fillRef>
+          <a:effectRef idx="0">
+            <a:schemeClr val="accent1"/>
+          </a:effectRef>
+          <a:fontRef idx="minor">
+            <a:schemeClr val="tx1"/>
+          </a:fontRef>
+        </p:style>
+      </p:cxnSp>
+      <p:sp>
+        <p:nvSpPr>
           <p:cNvPr id="21" name="Textfeld 20">
             <a:extLst>
               <a:ext uri="{FF2B5EF4-FFF2-40B4-BE49-F238E27FC236}">
@@ -13357,11 +13601,11 @@
             </a:pPr>
             <a:r>
               <a:rPr lang="de-DE" sz="1400" dirty="0"/>
-              <a:t>Hard-</a:t>
+              <a:t>Threshold-</a:t>
             </a:r>
             <a:r>
               <a:rPr lang="de-DE" sz="1400" dirty="0" err="1"/>
-              <a:t>coded</a:t>
+              <a:t>based</a:t>
             </a:r>
             <a:r>
               <a:rPr lang="de-DE" sz="1400" dirty="0"/>
@@ -13369,7 +13613,114 @@
             </a:r>
             <a:r>
               <a:rPr lang="de-DE" sz="1400" dirty="0" err="1"/>
-              <a:t>thresholds</a:t>
+              <a:t>decision</a:t>
+            </a:r>
+            <a:endParaRPr lang="de-DE" sz="1400" dirty="0"/>
+          </a:p>
+        </p:txBody>
+      </p:sp>
+      <p:sp>
+        <p:nvSpPr>
+          <p:cNvPr id="23" name="Textfeld 22">
+            <a:extLst>
+              <a:ext uri="{FF2B5EF4-FFF2-40B4-BE49-F238E27FC236}">
+                <a16:creationId xmlns:a16="http://schemas.microsoft.com/office/drawing/2014/main" id="{4FE90E56-9FD7-E597-3301-58B14B2626CF}"/>
+              </a:ext>
+            </a:extLst>
+          </p:cNvPr>
+          <p:cNvSpPr txBox="1"/>
+          <p:nvPr/>
+        </p:nvSpPr>
+        <p:spPr>
+          <a:xfrm>
+            <a:off x="7041273" y="3023347"/>
+            <a:ext cx="4226232" cy="2246769"/>
+          </a:xfrm>
+          <a:prstGeom prst="rect">
+            <a:avLst/>
+          </a:prstGeom>
+          <a:noFill/>
+        </p:spPr>
+        <p:txBody>
+          <a:bodyPr wrap="square">
+            <a:spAutoFit/>
+          </a:bodyPr>
+          <a:lstStyle/>
+          <a:p>
+            <a:pPr marL="285750" lvl="0" indent="-285750">
+              <a:buFont typeface="Arial" panose="020B0604020202020204" pitchFamily="34" charset="0"/>
+              <a:buChar char="•"/>
+            </a:pPr>
+            <a:r>
+              <a:rPr lang="de-DE" sz="1400" b="1" dirty="0"/>
+              <a:t>Features</a:t>
+            </a:r>
+          </a:p>
+          <a:p>
+            <a:pPr marL="742950" lvl="1" indent="-285750">
+              <a:buFont typeface="Arial" panose="020B0604020202020204" pitchFamily="34" charset="0"/>
+              <a:buChar char="•"/>
+            </a:pPr>
+            <a:r>
+              <a:rPr lang="de-DE" sz="1400" b="1" dirty="0" err="1"/>
+              <a:t>statistical</a:t>
+            </a:r>
+            <a:r>
+              <a:rPr lang="de-DE" sz="1400" b="1" dirty="0"/>
+              <a:t> </a:t>
+            </a:r>
+            <a:r>
+              <a:rPr lang="de-DE" sz="1400" b="1" dirty="0" err="1"/>
+              <a:t>properties</a:t>
+            </a:r>
+            <a:endParaRPr lang="de-DE" sz="1400" b="1" dirty="0"/>
+          </a:p>
+          <a:p>
+            <a:pPr marL="1200150" lvl="2" indent="-285750">
+              <a:buFont typeface="Arial" panose="020B0604020202020204" pitchFamily="34" charset="0"/>
+              <a:buChar char="•"/>
+            </a:pPr>
+            <a:r>
+              <a:rPr lang="de-DE" sz="1400" dirty="0" err="1"/>
+              <a:t>Avg</a:t>
+            </a:r>
+            <a:r>
+              <a:rPr lang="de-DE" sz="1400" dirty="0"/>
+              <a:t> Token </a:t>
+            </a:r>
+            <a:r>
+              <a:rPr lang="de-DE" sz="1400" dirty="0" err="1"/>
+              <a:t>Probability</a:t>
+            </a:r>
+            <a:endParaRPr lang="de-DE" sz="1400" dirty="0"/>
+          </a:p>
+          <a:p>
+            <a:pPr marL="742950" lvl="1" indent="-285750">
+              <a:buFont typeface="Arial" panose="020B0604020202020204" pitchFamily="34" charset="0"/>
+              <a:buChar char="•"/>
+            </a:pPr>
+            <a:r>
+              <a:rPr lang="de-DE" sz="1400" b="1" dirty="0" err="1"/>
+              <a:t>linguistic</a:t>
+            </a:r>
+            <a:r>
+              <a:rPr lang="de-DE" sz="1400" b="1" dirty="0"/>
+              <a:t> </a:t>
+            </a:r>
+            <a:r>
+              <a:rPr lang="de-DE" sz="1400" b="1" dirty="0" err="1"/>
+              <a:t>properties</a:t>
+            </a:r>
+            <a:endParaRPr lang="de-DE" sz="1400" b="1" dirty="0"/>
+          </a:p>
+          <a:p>
+            <a:pPr marL="1200150" lvl="2" indent="-285750">
+              <a:buFont typeface="Arial" panose="020B0604020202020204" pitchFamily="34" charset="0"/>
+              <a:buChar char="•"/>
+            </a:pPr>
+            <a:r>
+              <a:rPr lang="de-DE" sz="1400" dirty="0" err="1"/>
+              <a:t>Avg</a:t>
             </a:r>
             <a:r>
               <a:rPr lang="de-DE" sz="1400" dirty="0"/>
@@ -13377,7 +13728,7 @@
             </a:r>
             <a:r>
               <a:rPr lang="de-DE" sz="1400" dirty="0" err="1"/>
-              <a:t>for</a:t>
+              <a:t>sentence</a:t>
             </a:r>
             <a:r>
               <a:rPr lang="de-DE" sz="1400" dirty="0"/>
@@ -13385,7 +13736,15 @@
             </a:r>
             <a:r>
               <a:rPr lang="de-DE" sz="1400" dirty="0" err="1"/>
-              <a:t>decision</a:t>
+              <a:t>length</a:t>
+            </a:r>
+            <a:r>
+              <a:rPr lang="de-DE" sz="1400" dirty="0"/>
+              <a:t>, </a:t>
+            </a:r>
+            <a:r>
+              <a:rPr lang="de-DE" sz="1400" dirty="0" err="1"/>
+              <a:t>vocabulary</a:t>
             </a:r>
             <a:r>
               <a:rPr lang="de-DE" sz="1400" dirty="0"/>
@@ -13393,9 +13752,87 @@
             </a:r>
             <a:r>
               <a:rPr lang="de-DE" sz="1400" dirty="0" err="1"/>
-              <a:t>making</a:t>
+              <a:t>richness</a:t>
+            </a:r>
+            <a:r>
+              <a:rPr lang="de-DE" sz="1400" dirty="0"/>
+              <a:t>, </a:t>
+            </a:r>
+            <a:r>
+              <a:rPr lang="de-DE" sz="1400" dirty="0" err="1"/>
+              <a:t>flesch</a:t>
+            </a:r>
+            <a:r>
+              <a:rPr lang="de-DE" sz="1400" dirty="0"/>
+              <a:t> score, </a:t>
+            </a:r>
+            <a:r>
+              <a:rPr lang="de-DE" sz="1400" dirty="0" err="1"/>
+              <a:t>entropy</a:t>
+            </a:r>
+            <a:r>
+              <a:rPr lang="de-DE" sz="1400" dirty="0"/>
+              <a:t>, </a:t>
+            </a:r>
+            <a:r>
+              <a:rPr lang="de-DE" sz="1400" dirty="0" err="1"/>
+              <a:t>sentiment</a:t>
+            </a:r>
+            <a:r>
+              <a:rPr lang="de-DE" sz="1400" dirty="0"/>
+              <a:t>, </a:t>
+            </a:r>
+            <a:r>
+              <a:rPr lang="de-DE" sz="1400" dirty="0" err="1"/>
+              <a:t>repetition</a:t>
+            </a:r>
+            <a:r>
+              <a:rPr lang="de-DE" sz="1400" dirty="0"/>
+              <a:t> </a:t>
+            </a:r>
+            <a:r>
+              <a:rPr lang="de-DE" sz="1400" dirty="0" err="1"/>
+              <a:t>patterns</a:t>
             </a:r>
             <a:endParaRPr lang="de-DE" sz="1400" dirty="0"/>
+          </a:p>
+          <a:p>
+            <a:pPr marL="285750" lvl="0" indent="-285750">
+              <a:buFont typeface="Arial" panose="020B0604020202020204" pitchFamily="34" charset="0"/>
+              <a:buChar char="•"/>
+            </a:pPr>
+            <a:r>
+              <a:rPr lang="de-DE" sz="1400" b="1" dirty="0"/>
+              <a:t>Possible ML </a:t>
+            </a:r>
+            <a:r>
+              <a:rPr lang="de-DE" sz="1400" b="1" dirty="0" err="1"/>
+              <a:t>algorithms</a:t>
+            </a:r>
+            <a:r>
+              <a:rPr lang="de-DE" sz="1400" b="1" dirty="0"/>
+              <a:t>:</a:t>
+            </a:r>
+          </a:p>
+          <a:p>
+            <a:pPr marL="742950" lvl="1" indent="-285750">
+              <a:buFont typeface="Arial" panose="020B0604020202020204" pitchFamily="34" charset="0"/>
+              <a:buChar char="•"/>
+            </a:pPr>
+            <a:r>
+              <a:rPr lang="de-DE" sz="1400" dirty="0"/>
+              <a:t>SVM</a:t>
+            </a:r>
+          </a:p>
+          <a:p>
+            <a:pPr marL="742950" lvl="1" indent="-285750">
+              <a:buFont typeface="Arial" panose="020B0604020202020204" pitchFamily="34" charset="0"/>
+              <a:buChar char="•"/>
+            </a:pPr>
+            <a:r>
+              <a:rPr lang="de-DE" sz="1400" dirty="0"/>
+              <a:t>RFC</a:t>
+            </a:r>
           </a:p>
         </p:txBody>
       </p:sp>
@@ -13455,6 +13892,60 @@
       </p:sp>
       <p:sp>
         <p:nvSpPr>
+          <p:cNvPr id="25" name="Rechteck 24">
+            <a:extLst>
+              <a:ext uri="{FF2B5EF4-FFF2-40B4-BE49-F238E27FC236}">
+                <a16:creationId xmlns:a16="http://schemas.microsoft.com/office/drawing/2014/main" id="{B1B26B5A-9FC3-E60A-892A-BC79ED2ACB5E}"/>
+              </a:ext>
+            </a:extLst>
+          </p:cNvPr>
+          <p:cNvSpPr/>
+          <p:nvPr/>
+        </p:nvSpPr>
+        <p:spPr>
+          <a:xfrm>
+            <a:off x="7041273" y="3023347"/>
+            <a:ext cx="4155954" cy="2246769"/>
+          </a:xfrm>
+          <a:prstGeom prst="rect">
+            <a:avLst/>
+          </a:prstGeom>
+          <a:noFill/>
+          <a:ln w="9525" cap="flat" cmpd="sng" algn="ctr">
+            <a:solidFill>
+              <a:schemeClr val="accent1"/>
+            </a:solidFill>
+            <a:prstDash val="solid"/>
+            <a:round/>
+            <a:headEnd type="none" w="med" len="med"/>
+            <a:tailEnd type="none" w="med" len="med"/>
+          </a:ln>
+        </p:spPr>
+        <p:style>
+          <a:lnRef idx="0">
+            <a:scrgbClr r="0" g="0" b="0"/>
+          </a:lnRef>
+          <a:fillRef idx="0">
+            <a:scrgbClr r="0" g="0" b="0"/>
+          </a:fillRef>
+          <a:effectRef idx="0">
+            <a:scrgbClr r="0" g="0" b="0"/>
+          </a:effectRef>
+          <a:fontRef idx="minor">
+            <a:schemeClr val="accent1"/>
+          </a:fontRef>
+        </p:style>
+        <p:txBody>
+          <a:bodyPr rtlCol="0" anchor="ctr"/>
+          <a:lstStyle/>
+          <a:p>
+            <a:pPr algn="ctr"/>
+            <a:endParaRPr lang="de-DE"/>
+          </a:p>
+        </p:txBody>
+      </p:sp>
+      <p:sp>
+        <p:nvSpPr>
           <p:cNvPr id="27" name="Textfeld 26">
             <a:extLst>
               <a:ext uri="{FF2B5EF4-FFF2-40B4-BE49-F238E27FC236}">
@@ -13549,8 +14040,12 @@
               <a:buChar char="•"/>
             </a:pPr>
             <a:r>
+              <a:rPr lang="de-DE" sz="1400" dirty="0"/>
+              <a:t>Threshold-</a:t>
+            </a:r>
+            <a:r>
               <a:rPr lang="de-DE" sz="1400" dirty="0" err="1"/>
-              <a:t>Decision</a:t>
+              <a:t>based</a:t>
             </a:r>
             <a:r>
               <a:rPr lang="de-DE" sz="1400" dirty="0"/>
@@ -13558,11 +14053,19 @@
             </a:r>
             <a:r>
               <a:rPr lang="de-DE" sz="1400" dirty="0" err="1"/>
-              <a:t>based</a:t>
+              <a:t>decision</a:t>
             </a:r>
             <a:r>
               <a:rPr lang="de-DE" sz="1400" dirty="0"/>
-              <a:t> on </a:t>
+              <a:t> </a:t>
+            </a:r>
+            <a:r>
+              <a:rPr lang="de-DE" sz="1400" dirty="0" err="1"/>
+              <a:t>considering</a:t>
+            </a:r>
+            <a:r>
+              <a:rPr lang="de-DE" sz="1400" dirty="0"/>
+              <a:t> </a:t>
             </a:r>
             <a:r>
               <a:rPr lang="de-DE" sz="1400" dirty="0" err="1"/>
@@ -13656,990 +14159,7 @@
     </p:spTree>
     <p:extLst>
       <p:ext uri="{BB962C8B-B14F-4D97-AF65-F5344CB8AC3E}">
-        <p14:creationId xmlns:p14="http://schemas.microsoft.com/office/powerpoint/2010/main" val="2078701294"/>
-      </p:ext>
-    </p:extLst>
-  </p:cSld>
-  <p:clrMapOvr>
-    <a:masterClrMapping/>
-  </p:clrMapOvr>
-</p:sld>
-</file>
-
-<file path=ppt/slides/slide18.xml><?xml version="1.0" encoding="utf-8"?>
-<p:sld xmlns:a="http://schemas.openxmlformats.org/drawingml/2006/main" xmlns:r="http://schemas.openxmlformats.org/officeDocument/2006/relationships" xmlns:p="http://schemas.openxmlformats.org/presentationml/2006/main">
-  <p:cSld>
-    <p:spTree>
-      <p:nvGrpSpPr>
-        <p:cNvPr id="1" name=""/>
-        <p:cNvGrpSpPr/>
-        <p:nvPr/>
-      </p:nvGrpSpPr>
-      <p:grpSpPr>
-        <a:xfrm>
-          <a:off x="0" y="0"/>
-          <a:ext cx="0" cy="0"/>
-          <a:chOff x="0" y="0"/>
-          <a:chExt cx="0" cy="0"/>
-        </a:xfrm>
-      </p:grpSpPr>
-      <p:sp>
-        <p:nvSpPr>
-          <p:cNvPr id="4" name="Text Placeholder 3">
-            <a:extLst>
-              <a:ext uri="{FF2B5EF4-FFF2-40B4-BE49-F238E27FC236}">
-                <a16:creationId xmlns:a16="http://schemas.microsoft.com/office/drawing/2014/main" id="{418A14FA-B203-44DE-74D3-3C1D79865EA0}"/>
-              </a:ext>
-            </a:extLst>
-          </p:cNvPr>
-          <p:cNvSpPr>
-            <a:spLocks noGrp="1"/>
-          </p:cNvSpPr>
-          <p:nvPr>
-            <p:ph type="body" sz="quarter" idx="14"/>
-          </p:nvPr>
-        </p:nvSpPr>
-        <p:spPr/>
-        <p:txBody>
-          <a:bodyPr/>
-          <a:lstStyle/>
-          <a:p>
-            <a:r>
-              <a:rPr lang="en-DE" dirty="0"/>
-              <a:t>Detector</a:t>
-            </a:r>
-          </a:p>
-        </p:txBody>
-      </p:sp>
-      <p:sp>
-        <p:nvSpPr>
-          <p:cNvPr id="2" name="Rechteck 1">
-            <a:extLst>
-              <a:ext uri="{FF2B5EF4-FFF2-40B4-BE49-F238E27FC236}">
-                <a16:creationId xmlns:a16="http://schemas.microsoft.com/office/drawing/2014/main" id="{6A1B376E-2A02-AFAC-002A-A0AEBC509E87}"/>
-              </a:ext>
-            </a:extLst>
-          </p:cNvPr>
-          <p:cNvSpPr/>
-          <p:nvPr/>
-        </p:nvSpPr>
-        <p:spPr>
-          <a:xfrm>
-            <a:off x="555867" y="1439642"/>
-            <a:ext cx="4193932" cy="717437"/>
-          </a:xfrm>
-          <a:prstGeom prst="rect">
-            <a:avLst/>
-          </a:prstGeom>
-        </p:spPr>
-        <p:style>
-          <a:lnRef idx="2">
-            <a:schemeClr val="accent1">
-              <a:shade val="15000"/>
-            </a:schemeClr>
-          </a:lnRef>
-          <a:fillRef idx="1">
-            <a:schemeClr val="accent1"/>
-          </a:fillRef>
-          <a:effectRef idx="0">
-            <a:schemeClr val="accent1"/>
-          </a:effectRef>
-          <a:fontRef idx="minor">
-            <a:schemeClr val="lt1"/>
-          </a:fontRef>
-        </p:style>
-        <p:txBody>
-          <a:bodyPr rtlCol="0" anchor="ctr"/>
-          <a:lstStyle/>
-          <a:p>
-            <a:pPr lvl="0" algn="ctr"/>
-            <a:r>
-              <a:rPr lang="en-DE" sz="2000" dirty="0">
-                <a:latin typeface="Arial" panose="020B0604020202020204" pitchFamily="34" charset="0"/>
-                <a:cs typeface="Arial" panose="020B0604020202020204" pitchFamily="34" charset="0"/>
-              </a:rPr>
-              <a:t>1. Rule-based Detector</a:t>
-            </a:r>
-          </a:p>
-        </p:txBody>
-      </p:sp>
-      <p:sp>
-        <p:nvSpPr>
-          <p:cNvPr id="3" name="Rechteck 2">
-            <a:extLst>
-              <a:ext uri="{FF2B5EF4-FFF2-40B4-BE49-F238E27FC236}">
-                <a16:creationId xmlns:a16="http://schemas.microsoft.com/office/drawing/2014/main" id="{B0019D32-2911-3657-EAC3-D9DACB58B29B}"/>
-              </a:ext>
-            </a:extLst>
-          </p:cNvPr>
-          <p:cNvSpPr/>
-          <p:nvPr/>
-        </p:nvSpPr>
-        <p:spPr>
-          <a:xfrm>
-            <a:off x="555867" y="3841491"/>
-            <a:ext cx="4193933" cy="717437"/>
-          </a:xfrm>
-          <a:prstGeom prst="rect">
-            <a:avLst/>
-          </a:prstGeom>
-        </p:spPr>
-        <p:style>
-          <a:lnRef idx="2">
-            <a:schemeClr val="accent1">
-              <a:shade val="15000"/>
-            </a:schemeClr>
-          </a:lnRef>
-          <a:fillRef idx="1">
-            <a:schemeClr val="accent1"/>
-          </a:fillRef>
-          <a:effectRef idx="0">
-            <a:schemeClr val="accent1"/>
-          </a:effectRef>
-          <a:fontRef idx="minor">
-            <a:schemeClr val="lt1"/>
-          </a:fontRef>
-        </p:style>
-        <p:txBody>
-          <a:bodyPr rtlCol="0" anchor="ctr"/>
-          <a:lstStyle/>
-          <a:p>
-            <a:pPr algn="ctr"/>
-            <a:r>
-              <a:rPr lang="de-DE" sz="2000" dirty="0"/>
-              <a:t>2. LLM-Property </a:t>
-            </a:r>
-            <a:r>
-              <a:rPr lang="de-DE" sz="2000" dirty="0" err="1"/>
-              <a:t>based</a:t>
-            </a:r>
-            <a:r>
-              <a:rPr lang="de-DE" sz="2000" dirty="0"/>
-              <a:t> </a:t>
-            </a:r>
-            <a:r>
-              <a:rPr lang="de-DE" sz="2000" dirty="0" err="1"/>
-              <a:t>Detector</a:t>
-            </a:r>
-            <a:endParaRPr lang="de-DE" sz="2000" dirty="0"/>
-          </a:p>
-        </p:txBody>
-      </p:sp>
-      <p:sp>
-        <p:nvSpPr>
-          <p:cNvPr id="6" name="Rechteck 5">
-            <a:extLst>
-              <a:ext uri="{FF2B5EF4-FFF2-40B4-BE49-F238E27FC236}">
-                <a16:creationId xmlns:a16="http://schemas.microsoft.com/office/drawing/2014/main" id="{8537FC70-B2DD-5887-052F-77ABF6A9D78B}"/>
-              </a:ext>
-            </a:extLst>
-          </p:cNvPr>
-          <p:cNvSpPr/>
-          <p:nvPr/>
-        </p:nvSpPr>
-        <p:spPr>
-          <a:xfrm>
-            <a:off x="7041273" y="2626042"/>
-            <a:ext cx="4155954" cy="717437"/>
-          </a:xfrm>
-          <a:prstGeom prst="rect">
-            <a:avLst/>
-          </a:prstGeom>
-        </p:spPr>
-        <p:style>
-          <a:lnRef idx="2">
-            <a:schemeClr val="accent1">
-              <a:shade val="15000"/>
-            </a:schemeClr>
-          </a:lnRef>
-          <a:fillRef idx="1">
-            <a:schemeClr val="accent1"/>
-          </a:fillRef>
-          <a:effectRef idx="0">
-            <a:schemeClr val="accent1"/>
-          </a:effectRef>
-          <a:fontRef idx="minor">
-            <a:schemeClr val="lt1"/>
-          </a:fontRef>
-        </p:style>
-        <p:txBody>
-          <a:bodyPr rtlCol="0" anchor="ctr"/>
-          <a:lstStyle/>
-          <a:p>
-            <a:pPr lvl="0" algn="ctr"/>
-            <a:r>
-              <a:rPr lang="de-DE" sz="2000" dirty="0">
-                <a:latin typeface="Arial" panose="020B0604020202020204" pitchFamily="34" charset="0"/>
-                <a:cs typeface="Arial" panose="020B0604020202020204" pitchFamily="34" charset="0"/>
-              </a:rPr>
-              <a:t>3</a:t>
-            </a:r>
-            <a:r>
-              <a:rPr lang="en-DE" sz="2000" dirty="0">
-                <a:latin typeface="Arial" panose="020B0604020202020204" pitchFamily="34" charset="0"/>
-                <a:cs typeface="Arial" panose="020B0604020202020204" pitchFamily="34" charset="0"/>
-              </a:rPr>
-              <a:t>. </a:t>
-            </a:r>
-            <a:r>
-              <a:rPr lang="de-DE" sz="2000" dirty="0">
-                <a:latin typeface="Arial" panose="020B0604020202020204" pitchFamily="34" charset="0"/>
-                <a:cs typeface="Arial" panose="020B0604020202020204" pitchFamily="34" charset="0"/>
-              </a:rPr>
-              <a:t>ML-</a:t>
-            </a:r>
-            <a:r>
-              <a:rPr lang="de-DE" sz="2000" dirty="0" err="1">
-                <a:latin typeface="Arial" panose="020B0604020202020204" pitchFamily="34" charset="0"/>
-                <a:cs typeface="Arial" panose="020B0604020202020204" pitchFamily="34" charset="0"/>
-              </a:rPr>
-              <a:t>based</a:t>
-            </a:r>
-            <a:r>
-              <a:rPr lang="de-DE" sz="2000" dirty="0">
-                <a:latin typeface="Arial" panose="020B0604020202020204" pitchFamily="34" charset="0"/>
-                <a:cs typeface="Arial" panose="020B0604020202020204" pitchFamily="34" charset="0"/>
-              </a:rPr>
-              <a:t> </a:t>
-            </a:r>
-            <a:r>
-              <a:rPr lang="de-DE" sz="2000" dirty="0" err="1">
-                <a:latin typeface="Arial" panose="020B0604020202020204" pitchFamily="34" charset="0"/>
-                <a:cs typeface="Arial" panose="020B0604020202020204" pitchFamily="34" charset="0"/>
-              </a:rPr>
-              <a:t>Detector</a:t>
-            </a:r>
-            <a:endParaRPr lang="en-DE" sz="2000" dirty="0">
-              <a:latin typeface="Arial" panose="020B0604020202020204" pitchFamily="34" charset="0"/>
-              <a:cs typeface="Arial" panose="020B0604020202020204" pitchFamily="34" charset="0"/>
-            </a:endParaRPr>
-          </a:p>
-        </p:txBody>
-      </p:sp>
-      <p:cxnSp>
-        <p:nvCxnSpPr>
-          <p:cNvPr id="8" name="Gerade Verbindung mit Pfeil 7">
-            <a:extLst>
-              <a:ext uri="{FF2B5EF4-FFF2-40B4-BE49-F238E27FC236}">
-                <a16:creationId xmlns:a16="http://schemas.microsoft.com/office/drawing/2014/main" id="{6765141F-BE77-0C08-50D4-E5378C6BCEC9}"/>
-              </a:ext>
-            </a:extLst>
-          </p:cNvPr>
-          <p:cNvCxnSpPr>
-            <a:cxnSpLocks/>
-            <a:endCxn id="6" idx="1"/>
-          </p:cNvCxnSpPr>
-          <p:nvPr/>
-        </p:nvCxnSpPr>
-        <p:spPr>
-          <a:xfrm>
-            <a:off x="5797792" y="2984760"/>
-            <a:ext cx="1243481" cy="1"/>
-          </a:xfrm>
-          <a:prstGeom prst="straightConnector1">
-            <a:avLst/>
-          </a:prstGeom>
-          <a:ln>
-            <a:tailEnd type="triangle"/>
-          </a:ln>
-        </p:spPr>
-        <p:style>
-          <a:lnRef idx="1">
-            <a:schemeClr val="accent1"/>
-          </a:lnRef>
-          <a:fillRef idx="0">
-            <a:schemeClr val="accent1"/>
-          </a:fillRef>
-          <a:effectRef idx="0">
-            <a:schemeClr val="accent1"/>
-          </a:effectRef>
-          <a:fontRef idx="minor">
-            <a:schemeClr val="tx1"/>
-          </a:fontRef>
-        </p:style>
-      </p:cxnSp>
-      <p:cxnSp>
-        <p:nvCxnSpPr>
-          <p:cNvPr id="13" name="Gerader Verbinder 12">
-            <a:extLst>
-              <a:ext uri="{FF2B5EF4-FFF2-40B4-BE49-F238E27FC236}">
-                <a16:creationId xmlns:a16="http://schemas.microsoft.com/office/drawing/2014/main" id="{70FAA7C1-4C9B-2CA1-F093-75273F3DC0AE}"/>
-              </a:ext>
-            </a:extLst>
-          </p:cNvPr>
-          <p:cNvCxnSpPr>
-            <a:stCxn id="3" idx="3"/>
-          </p:cNvCxnSpPr>
-          <p:nvPr/>
-        </p:nvCxnSpPr>
-        <p:spPr>
-          <a:xfrm flipV="1">
-            <a:off x="4749800" y="4200209"/>
-            <a:ext cx="1047992" cy="1"/>
-          </a:xfrm>
-          <a:prstGeom prst="line">
-            <a:avLst/>
-          </a:prstGeom>
-        </p:spPr>
-        <p:style>
-          <a:lnRef idx="1">
-            <a:schemeClr val="accent1"/>
-          </a:lnRef>
-          <a:fillRef idx="0">
-            <a:schemeClr val="accent1"/>
-          </a:fillRef>
-          <a:effectRef idx="0">
-            <a:schemeClr val="accent1"/>
-          </a:effectRef>
-          <a:fontRef idx="minor">
-            <a:schemeClr val="tx1"/>
-          </a:fontRef>
-        </p:style>
-      </p:cxnSp>
-      <p:cxnSp>
-        <p:nvCxnSpPr>
-          <p:cNvPr id="14" name="Gerader Verbinder 13">
-            <a:extLst>
-              <a:ext uri="{FF2B5EF4-FFF2-40B4-BE49-F238E27FC236}">
-                <a16:creationId xmlns:a16="http://schemas.microsoft.com/office/drawing/2014/main" id="{C12CB6DF-C062-5705-A642-01B3459A92C5}"/>
-              </a:ext>
-            </a:extLst>
-          </p:cNvPr>
-          <p:cNvCxnSpPr>
-            <a:cxnSpLocks/>
-            <a:stCxn id="2" idx="3"/>
-          </p:cNvCxnSpPr>
-          <p:nvPr/>
-        </p:nvCxnSpPr>
-        <p:spPr>
-          <a:xfrm>
-            <a:off x="4749799" y="1798361"/>
-            <a:ext cx="1047993" cy="0"/>
-          </a:xfrm>
-          <a:prstGeom prst="line">
-            <a:avLst/>
-          </a:prstGeom>
-        </p:spPr>
-        <p:style>
-          <a:lnRef idx="1">
-            <a:schemeClr val="accent1"/>
-          </a:lnRef>
-          <a:fillRef idx="0">
-            <a:schemeClr val="accent1"/>
-          </a:fillRef>
-          <a:effectRef idx="0">
-            <a:schemeClr val="accent1"/>
-          </a:effectRef>
-          <a:fontRef idx="minor">
-            <a:schemeClr val="tx1"/>
-          </a:fontRef>
-        </p:style>
-      </p:cxnSp>
-      <p:cxnSp>
-        <p:nvCxnSpPr>
-          <p:cNvPr id="19" name="Gerader Verbinder 18">
-            <a:extLst>
-              <a:ext uri="{FF2B5EF4-FFF2-40B4-BE49-F238E27FC236}">
-                <a16:creationId xmlns:a16="http://schemas.microsoft.com/office/drawing/2014/main" id="{F0372849-9C58-DBD5-E7D1-1889865ADDE4}"/>
-              </a:ext>
-            </a:extLst>
-          </p:cNvPr>
-          <p:cNvCxnSpPr/>
-          <p:nvPr/>
-        </p:nvCxnSpPr>
-        <p:spPr>
-          <a:xfrm>
-            <a:off x="5797792" y="1798361"/>
-            <a:ext cx="0" cy="2401849"/>
-          </a:xfrm>
-          <a:prstGeom prst="line">
-            <a:avLst/>
-          </a:prstGeom>
-        </p:spPr>
-        <p:style>
-          <a:lnRef idx="1">
-            <a:schemeClr val="accent1"/>
-          </a:lnRef>
-          <a:fillRef idx="0">
-            <a:schemeClr val="accent1"/>
-          </a:fillRef>
-          <a:effectRef idx="0">
-            <a:schemeClr val="accent1"/>
-          </a:effectRef>
-          <a:fontRef idx="minor">
-            <a:schemeClr val="tx1"/>
-          </a:fontRef>
-        </p:style>
-      </p:cxnSp>
-      <p:sp>
-        <p:nvSpPr>
-          <p:cNvPr id="21" name="Textfeld 20">
-            <a:extLst>
-              <a:ext uri="{FF2B5EF4-FFF2-40B4-BE49-F238E27FC236}">
-                <a16:creationId xmlns:a16="http://schemas.microsoft.com/office/drawing/2014/main" id="{B61CAF2D-5DC6-842E-6730-9C04A8729B1D}"/>
-              </a:ext>
-            </a:extLst>
-          </p:cNvPr>
-          <p:cNvSpPr txBox="1"/>
-          <p:nvPr/>
-        </p:nvSpPr>
-        <p:spPr>
-          <a:xfrm>
-            <a:off x="523567" y="2208030"/>
-            <a:ext cx="4226233" cy="523220"/>
-          </a:xfrm>
-          <a:prstGeom prst="rect">
-            <a:avLst/>
-          </a:prstGeom>
-          <a:noFill/>
-        </p:spPr>
-        <p:txBody>
-          <a:bodyPr wrap="square">
-            <a:spAutoFit/>
-          </a:bodyPr>
-          <a:lstStyle/>
-          <a:p>
-            <a:pPr marL="285750" lvl="0" indent="-285750">
-              <a:buFont typeface="Arial" panose="020B0604020202020204" pitchFamily="34" charset="0"/>
-              <a:buChar char="•"/>
-            </a:pPr>
-            <a:r>
-              <a:rPr lang="de-DE" sz="1400" dirty="0"/>
-              <a:t>Simple </a:t>
-            </a:r>
-            <a:r>
-              <a:rPr lang="de-DE" sz="1400" dirty="0" err="1"/>
-              <a:t>rule-based</a:t>
-            </a:r>
-            <a:r>
-              <a:rPr lang="de-DE" sz="1400" dirty="0"/>
-              <a:t> </a:t>
-            </a:r>
-            <a:r>
-              <a:rPr lang="de-DE" sz="1400" dirty="0" err="1"/>
-              <a:t>analysis</a:t>
-            </a:r>
-            <a:r>
-              <a:rPr lang="de-DE" sz="1400" dirty="0"/>
-              <a:t> of </a:t>
-            </a:r>
-            <a:r>
-              <a:rPr lang="de-DE" sz="1400" dirty="0" err="1"/>
-              <a:t>linguistic</a:t>
-            </a:r>
-            <a:r>
-              <a:rPr lang="de-DE" sz="1400" dirty="0"/>
-              <a:t> </a:t>
-            </a:r>
-            <a:r>
-              <a:rPr lang="de-DE" sz="1400" dirty="0" err="1"/>
-              <a:t>properties</a:t>
-            </a:r>
-            <a:endParaRPr lang="de-DE" sz="1400" dirty="0"/>
-          </a:p>
-          <a:p>
-            <a:pPr marL="285750" lvl="0" indent="-285750">
-              <a:buFont typeface="Arial" panose="020B0604020202020204" pitchFamily="34" charset="0"/>
-              <a:buChar char="•"/>
-            </a:pPr>
-            <a:r>
-              <a:rPr lang="de-DE" sz="1400" dirty="0"/>
-              <a:t>Threshold-</a:t>
-            </a:r>
-            <a:r>
-              <a:rPr lang="de-DE" sz="1400" dirty="0" err="1"/>
-              <a:t>based</a:t>
-            </a:r>
-            <a:r>
-              <a:rPr lang="de-DE" sz="1400" dirty="0"/>
-              <a:t> </a:t>
-            </a:r>
-            <a:r>
-              <a:rPr lang="de-DE" sz="1400" dirty="0" err="1"/>
-              <a:t>decision</a:t>
-            </a:r>
-            <a:endParaRPr lang="de-DE" sz="1400" dirty="0"/>
-          </a:p>
-        </p:txBody>
-      </p:sp>
-      <p:sp>
-        <p:nvSpPr>
-          <p:cNvPr id="23" name="Textfeld 22">
-            <a:extLst>
-              <a:ext uri="{FF2B5EF4-FFF2-40B4-BE49-F238E27FC236}">
-                <a16:creationId xmlns:a16="http://schemas.microsoft.com/office/drawing/2014/main" id="{4FE90E56-9FD7-E597-3301-58B14B2626CF}"/>
-              </a:ext>
-            </a:extLst>
-          </p:cNvPr>
-          <p:cNvSpPr txBox="1"/>
-          <p:nvPr/>
-        </p:nvSpPr>
-        <p:spPr>
-          <a:xfrm>
-            <a:off x="7041273" y="3426292"/>
-            <a:ext cx="4226232" cy="1815882"/>
-          </a:xfrm>
-          <a:prstGeom prst="rect">
-            <a:avLst/>
-          </a:prstGeom>
-          <a:noFill/>
-        </p:spPr>
-        <p:txBody>
-          <a:bodyPr wrap="square">
-            <a:spAutoFit/>
-          </a:bodyPr>
-          <a:lstStyle/>
-          <a:p>
-            <a:pPr marL="285750" lvl="0" indent="-285750">
-              <a:buFont typeface="Arial" panose="020B0604020202020204" pitchFamily="34" charset="0"/>
-              <a:buChar char="•"/>
-            </a:pPr>
-            <a:r>
-              <a:rPr lang="de-DE" sz="1400" b="1" dirty="0"/>
-              <a:t>Features</a:t>
-            </a:r>
-          </a:p>
-          <a:p>
-            <a:pPr marL="742950" lvl="1" indent="-285750">
-              <a:buFont typeface="Arial" panose="020B0604020202020204" pitchFamily="34" charset="0"/>
-              <a:buChar char="•"/>
-            </a:pPr>
-            <a:r>
-              <a:rPr lang="de-DE" sz="1400" dirty="0" err="1"/>
-              <a:t>statistical</a:t>
-            </a:r>
-            <a:r>
-              <a:rPr lang="de-DE" sz="1400" dirty="0"/>
-              <a:t> </a:t>
-            </a:r>
-            <a:r>
-              <a:rPr lang="de-DE" sz="1400" dirty="0" err="1"/>
-              <a:t>properties</a:t>
-            </a:r>
-            <a:r>
-              <a:rPr lang="de-DE" sz="1400" dirty="0"/>
-              <a:t> of </a:t>
-            </a:r>
-            <a:r>
-              <a:rPr lang="de-DE" sz="1400" dirty="0" err="1"/>
-              <a:t>tokenized</a:t>
-            </a:r>
-            <a:r>
-              <a:rPr lang="de-DE" sz="1400" dirty="0"/>
-              <a:t> and </a:t>
-            </a:r>
-            <a:r>
-              <a:rPr lang="de-DE" sz="1400" dirty="0" err="1"/>
-              <a:t>evaluated</a:t>
-            </a:r>
-            <a:r>
-              <a:rPr lang="de-DE" sz="1400" dirty="0"/>
-              <a:t> </a:t>
-            </a:r>
-            <a:r>
-              <a:rPr lang="de-DE" sz="1400" dirty="0" err="1"/>
-              <a:t>text</a:t>
-            </a:r>
-            <a:endParaRPr lang="de-DE" sz="1400" dirty="0"/>
-          </a:p>
-          <a:p>
-            <a:pPr marL="742950" lvl="1" indent="-285750">
-              <a:buFont typeface="Arial" panose="020B0604020202020204" pitchFamily="34" charset="0"/>
-              <a:buChar char="•"/>
-            </a:pPr>
-            <a:r>
-              <a:rPr lang="de-DE" sz="1400" dirty="0" err="1"/>
-              <a:t>pinguistic</a:t>
-            </a:r>
-            <a:r>
-              <a:rPr lang="de-DE" sz="1400" dirty="0"/>
-              <a:t> </a:t>
-            </a:r>
-            <a:r>
-              <a:rPr lang="de-DE" sz="1400" dirty="0" err="1"/>
-              <a:t>properties</a:t>
-            </a:r>
-            <a:r>
-              <a:rPr lang="de-DE" sz="1400" dirty="0"/>
-              <a:t> of </a:t>
-            </a:r>
-            <a:r>
-              <a:rPr lang="de-DE" sz="1400" dirty="0" err="1"/>
-              <a:t>text</a:t>
-            </a:r>
-            <a:endParaRPr lang="de-DE" sz="1400" dirty="0"/>
-          </a:p>
-          <a:p>
-            <a:pPr marL="742950" lvl="1" indent="-285750">
-              <a:buFont typeface="Arial" panose="020B0604020202020204" pitchFamily="34" charset="0"/>
-              <a:buChar char="•"/>
-            </a:pPr>
-            <a:endParaRPr lang="de-DE" sz="1400" dirty="0"/>
-          </a:p>
-          <a:p>
-            <a:pPr marL="285750" lvl="0" indent="-285750">
-              <a:buFont typeface="Arial" panose="020B0604020202020204" pitchFamily="34" charset="0"/>
-              <a:buChar char="•"/>
-            </a:pPr>
-            <a:r>
-              <a:rPr lang="de-DE" sz="1400" b="1" dirty="0"/>
-              <a:t>Possible ML </a:t>
-            </a:r>
-            <a:r>
-              <a:rPr lang="de-DE" sz="1400" b="1" dirty="0" err="1"/>
-              <a:t>algorithms</a:t>
-            </a:r>
-            <a:r>
-              <a:rPr lang="de-DE" sz="1400" b="1" dirty="0"/>
-              <a:t>:</a:t>
-            </a:r>
-          </a:p>
-          <a:p>
-            <a:pPr marL="742950" lvl="1" indent="-285750">
-              <a:buFont typeface="Arial" panose="020B0604020202020204" pitchFamily="34" charset="0"/>
-              <a:buChar char="•"/>
-            </a:pPr>
-            <a:r>
-              <a:rPr lang="de-DE" sz="1400" dirty="0"/>
-              <a:t>SVM</a:t>
-            </a:r>
-          </a:p>
-          <a:p>
-            <a:pPr marL="742950" lvl="1" indent="-285750">
-              <a:buFont typeface="Arial" panose="020B0604020202020204" pitchFamily="34" charset="0"/>
-              <a:buChar char="•"/>
-            </a:pPr>
-            <a:r>
-              <a:rPr lang="de-DE" sz="1400" dirty="0"/>
-              <a:t>RFC</a:t>
-            </a:r>
-          </a:p>
-        </p:txBody>
-      </p:sp>
-      <p:sp>
-        <p:nvSpPr>
-          <p:cNvPr id="24" name="Rechteck 23">
-            <a:extLst>
-              <a:ext uri="{FF2B5EF4-FFF2-40B4-BE49-F238E27FC236}">
-                <a16:creationId xmlns:a16="http://schemas.microsoft.com/office/drawing/2014/main" id="{D41F6B30-8AB9-3575-3765-87757EBD9A97}"/>
-              </a:ext>
-            </a:extLst>
-          </p:cNvPr>
-          <p:cNvSpPr/>
-          <p:nvPr/>
-        </p:nvSpPr>
-        <p:spPr>
-          <a:xfrm>
-            <a:off x="555867" y="4565360"/>
-            <a:ext cx="4193930" cy="1052858"/>
-          </a:xfrm>
-          <a:prstGeom prst="rect">
-            <a:avLst/>
-          </a:prstGeom>
-          <a:noFill/>
-          <a:ln w="9525" cap="flat" cmpd="sng" algn="ctr">
-            <a:solidFill>
-              <a:schemeClr val="accent1"/>
-            </a:solidFill>
-            <a:prstDash val="solid"/>
-            <a:round/>
-            <a:headEnd type="none" w="med" len="med"/>
-            <a:tailEnd type="none" w="med" len="med"/>
-          </a:ln>
-        </p:spPr>
-        <p:style>
-          <a:lnRef idx="0">
-            <a:scrgbClr r="0" g="0" b="0"/>
-          </a:lnRef>
-          <a:fillRef idx="0">
-            <a:scrgbClr r="0" g="0" b="0"/>
-          </a:fillRef>
-          <a:effectRef idx="0">
-            <a:scrgbClr r="0" g="0" b="0"/>
-          </a:effectRef>
-          <a:fontRef idx="minor">
-            <a:schemeClr val="accent1"/>
-          </a:fontRef>
-        </p:style>
-        <p:txBody>
-          <a:bodyPr rtlCol="0" anchor="ctr"/>
-          <a:lstStyle/>
-          <a:p>
-            <a:pPr algn="ctr"/>
-            <a:endParaRPr lang="de-DE"/>
-          </a:p>
-        </p:txBody>
-      </p:sp>
-      <p:sp>
-        <p:nvSpPr>
-          <p:cNvPr id="25" name="Rechteck 24">
-            <a:extLst>
-              <a:ext uri="{FF2B5EF4-FFF2-40B4-BE49-F238E27FC236}">
-                <a16:creationId xmlns:a16="http://schemas.microsoft.com/office/drawing/2014/main" id="{B1B26B5A-9FC3-E60A-892A-BC79ED2ACB5E}"/>
-              </a:ext>
-            </a:extLst>
-          </p:cNvPr>
-          <p:cNvSpPr/>
-          <p:nvPr/>
-        </p:nvSpPr>
-        <p:spPr>
-          <a:xfrm>
-            <a:off x="7041272" y="3343478"/>
-            <a:ext cx="4155954" cy="1898695"/>
-          </a:xfrm>
-          <a:prstGeom prst="rect">
-            <a:avLst/>
-          </a:prstGeom>
-          <a:noFill/>
-          <a:ln w="9525" cap="flat" cmpd="sng" algn="ctr">
-            <a:solidFill>
-              <a:schemeClr val="accent1"/>
-            </a:solidFill>
-            <a:prstDash val="solid"/>
-            <a:round/>
-            <a:headEnd type="none" w="med" len="med"/>
-            <a:tailEnd type="none" w="med" len="med"/>
-          </a:ln>
-        </p:spPr>
-        <p:style>
-          <a:lnRef idx="0">
-            <a:scrgbClr r="0" g="0" b="0"/>
-          </a:lnRef>
-          <a:fillRef idx="0">
-            <a:scrgbClr r="0" g="0" b="0"/>
-          </a:fillRef>
-          <a:effectRef idx="0">
-            <a:scrgbClr r="0" g="0" b="0"/>
-          </a:effectRef>
-          <a:fontRef idx="minor">
-            <a:schemeClr val="accent1"/>
-          </a:fontRef>
-        </p:style>
-        <p:txBody>
-          <a:bodyPr rtlCol="0" anchor="ctr"/>
-          <a:lstStyle/>
-          <a:p>
-            <a:pPr algn="ctr"/>
-            <a:endParaRPr lang="de-DE"/>
-          </a:p>
-        </p:txBody>
-      </p:sp>
-      <p:sp>
-        <p:nvSpPr>
-          <p:cNvPr id="27" name="Textfeld 26">
-            <a:extLst>
-              <a:ext uri="{FF2B5EF4-FFF2-40B4-BE49-F238E27FC236}">
-                <a16:creationId xmlns:a16="http://schemas.microsoft.com/office/drawing/2014/main" id="{EE4D4090-F7CF-A69B-FAD5-993520AB6607}"/>
-              </a:ext>
-            </a:extLst>
-          </p:cNvPr>
-          <p:cNvSpPr txBox="1"/>
-          <p:nvPr/>
-        </p:nvSpPr>
-        <p:spPr>
-          <a:xfrm>
-            <a:off x="555867" y="4635008"/>
-            <a:ext cx="4226233" cy="954107"/>
-          </a:xfrm>
-          <a:prstGeom prst="rect">
-            <a:avLst/>
-          </a:prstGeom>
-          <a:noFill/>
-        </p:spPr>
-        <p:txBody>
-          <a:bodyPr wrap="square" rtlCol="0">
-            <a:spAutoFit/>
-          </a:bodyPr>
-          <a:lstStyle/>
-          <a:p>
-            <a:pPr marL="285750" indent="-285750">
-              <a:buFont typeface="Arial" panose="020B0604020202020204" pitchFamily="34" charset="0"/>
-              <a:buChar char="•"/>
-            </a:pPr>
-            <a:r>
-              <a:rPr lang="de-DE" sz="1400" dirty="0"/>
-              <a:t>Input </a:t>
-            </a:r>
-            <a:r>
-              <a:rPr lang="de-DE" sz="1400" dirty="0" err="1"/>
-              <a:t>newspaper</a:t>
-            </a:r>
-            <a:r>
-              <a:rPr lang="de-DE" sz="1400" dirty="0"/>
-              <a:t> </a:t>
-            </a:r>
-            <a:r>
-              <a:rPr lang="de-DE" sz="1400" dirty="0" err="1"/>
-              <a:t>article</a:t>
-            </a:r>
-            <a:r>
-              <a:rPr lang="de-DE" sz="1400" dirty="0"/>
-              <a:t> </a:t>
-            </a:r>
-            <a:r>
-              <a:rPr lang="de-DE" sz="1400" dirty="0" err="1"/>
-              <a:t>gets</a:t>
-            </a:r>
-            <a:r>
-              <a:rPr lang="de-DE" sz="1400" dirty="0"/>
-              <a:t> </a:t>
-            </a:r>
-            <a:r>
-              <a:rPr lang="de-DE" sz="1400" dirty="0" err="1"/>
-              <a:t>tokenized</a:t>
-            </a:r>
-            <a:r>
-              <a:rPr lang="de-DE" sz="1400" dirty="0"/>
-              <a:t> and </a:t>
-            </a:r>
-            <a:r>
-              <a:rPr lang="de-DE" sz="1400" dirty="0" err="1"/>
-              <a:t>evaluated</a:t>
-            </a:r>
-            <a:r>
-              <a:rPr lang="de-DE" sz="1400" dirty="0"/>
-              <a:t> in </a:t>
-            </a:r>
-            <a:r>
-              <a:rPr lang="de-DE" sz="1400" dirty="0" err="1"/>
-              <a:t>llama</a:t>
-            </a:r>
-            <a:r>
-              <a:rPr lang="de-DE" sz="1400" dirty="0"/>
-              <a:t> </a:t>
-            </a:r>
-            <a:r>
-              <a:rPr lang="de-DE" sz="1400" dirty="0" err="1"/>
-              <a:t>llm</a:t>
-            </a:r>
-            <a:endParaRPr lang="de-DE" sz="1400" dirty="0"/>
-          </a:p>
-          <a:p>
-            <a:pPr marL="285750" indent="-285750">
-              <a:buFont typeface="Arial" panose="020B0604020202020204" pitchFamily="34" charset="0"/>
-              <a:buChar char="•"/>
-            </a:pPr>
-            <a:r>
-              <a:rPr lang="de-DE" sz="1400" dirty="0"/>
-              <a:t>Threshold-</a:t>
-            </a:r>
-            <a:r>
-              <a:rPr lang="de-DE" sz="1400" dirty="0" err="1"/>
-              <a:t>based</a:t>
-            </a:r>
-            <a:r>
-              <a:rPr lang="de-DE" sz="1400" dirty="0"/>
-              <a:t> </a:t>
-            </a:r>
-            <a:r>
-              <a:rPr lang="de-DE" sz="1400" dirty="0" err="1"/>
-              <a:t>decision</a:t>
-            </a:r>
-            <a:r>
-              <a:rPr lang="de-DE" sz="1400" dirty="0"/>
-              <a:t> </a:t>
-            </a:r>
-            <a:r>
-              <a:rPr lang="de-DE" sz="1400" dirty="0" err="1"/>
-              <a:t>considering</a:t>
-            </a:r>
-            <a:r>
-              <a:rPr lang="de-DE" sz="1400" dirty="0"/>
-              <a:t> </a:t>
-            </a:r>
-            <a:r>
-              <a:rPr lang="de-DE" sz="1400" dirty="0" err="1"/>
-              <a:t>statistical</a:t>
-            </a:r>
-            <a:r>
-              <a:rPr lang="de-DE" sz="1400" dirty="0"/>
-              <a:t> </a:t>
-            </a:r>
-            <a:r>
-              <a:rPr lang="de-DE" sz="1400" dirty="0" err="1"/>
-              <a:t>properties</a:t>
-            </a:r>
-            <a:r>
-              <a:rPr lang="de-DE" sz="1400" dirty="0"/>
-              <a:t> of </a:t>
-            </a:r>
-            <a:r>
-              <a:rPr lang="de-DE" sz="1400" dirty="0" err="1"/>
-              <a:t>text</a:t>
-            </a:r>
-            <a:r>
-              <a:rPr lang="de-DE" sz="1400" dirty="0"/>
-              <a:t> (e.g. </a:t>
-            </a:r>
-            <a:r>
-              <a:rPr lang="de-DE" sz="1400" dirty="0" err="1"/>
-              <a:t>DetectGPT</a:t>
-            </a:r>
-            <a:r>
-              <a:rPr lang="de-DE" sz="1400" dirty="0"/>
-              <a:t>)</a:t>
-            </a:r>
-          </a:p>
-        </p:txBody>
-      </p:sp>
-      <p:sp>
-        <p:nvSpPr>
-          <p:cNvPr id="28" name="Rechteck 27">
-            <a:extLst>
-              <a:ext uri="{FF2B5EF4-FFF2-40B4-BE49-F238E27FC236}">
-                <a16:creationId xmlns:a16="http://schemas.microsoft.com/office/drawing/2014/main" id="{F672DA89-08FF-AF98-E625-7F3EB66FB7CF}"/>
-              </a:ext>
-            </a:extLst>
-          </p:cNvPr>
-          <p:cNvSpPr/>
-          <p:nvPr/>
-        </p:nvSpPr>
-        <p:spPr>
-          <a:xfrm>
-            <a:off x="555867" y="2163511"/>
-            <a:ext cx="4193930" cy="1052858"/>
-          </a:xfrm>
-          <a:prstGeom prst="rect">
-            <a:avLst/>
-          </a:prstGeom>
-          <a:noFill/>
-          <a:ln w="9525" cap="flat" cmpd="sng" algn="ctr">
-            <a:solidFill>
-              <a:schemeClr val="accent1"/>
-            </a:solidFill>
-            <a:prstDash val="solid"/>
-            <a:round/>
-            <a:headEnd type="none" w="med" len="med"/>
-            <a:tailEnd type="none" w="med" len="med"/>
-          </a:ln>
-        </p:spPr>
-        <p:style>
-          <a:lnRef idx="0">
-            <a:scrgbClr r="0" g="0" b="0"/>
-          </a:lnRef>
-          <a:fillRef idx="0">
-            <a:scrgbClr r="0" g="0" b="0"/>
-          </a:fillRef>
-          <a:effectRef idx="0">
-            <a:scrgbClr r="0" g="0" b="0"/>
-          </a:effectRef>
-          <a:fontRef idx="minor">
-            <a:schemeClr val="accent1"/>
-          </a:fontRef>
-        </p:style>
-        <p:txBody>
-          <a:bodyPr rtlCol="0" anchor="ctr"/>
-          <a:lstStyle/>
-          <a:p>
-            <a:pPr algn="ctr"/>
-            <a:endParaRPr lang="de-DE"/>
-          </a:p>
-        </p:txBody>
-      </p:sp>
-    </p:spTree>
-    <p:extLst>
-      <p:ext uri="{BB962C8B-B14F-4D97-AF65-F5344CB8AC3E}">
-        <p14:creationId xmlns:p14="http://schemas.microsoft.com/office/powerpoint/2010/main" val="1061408635"/>
+        <p14:creationId xmlns:p14="http://schemas.microsoft.com/office/powerpoint/2010/main" val="3856148721"/>
       </p:ext>
     </p:extLst>
   </p:cSld>
@@ -19510,1452 +19030,6 @@
           <a:p>
             <a:r>
               <a:rPr lang="de-DE" dirty="0" err="1"/>
-              <a:t>Hider</a:t>
-            </a:r>
-            <a:endParaRPr lang="de-DE" dirty="0"/>
-          </a:p>
-        </p:txBody>
-      </p:sp>
-      <p:sp>
-        <p:nvSpPr>
-          <p:cNvPr id="8" name="Rechteck 7">
-            <a:extLst>
-              <a:ext uri="{FF2B5EF4-FFF2-40B4-BE49-F238E27FC236}">
-                <a16:creationId xmlns:a16="http://schemas.microsoft.com/office/drawing/2014/main" id="{490BBB1F-1E87-E2B7-E0E1-0DCDC828621B}"/>
-              </a:ext>
-            </a:extLst>
-          </p:cNvPr>
-          <p:cNvSpPr/>
-          <p:nvPr/>
-        </p:nvSpPr>
-        <p:spPr>
-          <a:xfrm>
-            <a:off x="555867" y="1422400"/>
-            <a:ext cx="1361833" cy="717437"/>
-          </a:xfrm>
-          <a:prstGeom prst="rect">
-            <a:avLst/>
-          </a:prstGeom>
-        </p:spPr>
-        <p:style>
-          <a:lnRef idx="2">
-            <a:schemeClr val="accent1">
-              <a:shade val="15000"/>
-            </a:schemeClr>
-          </a:lnRef>
-          <a:fillRef idx="1">
-            <a:schemeClr val="accent1"/>
-          </a:fillRef>
-          <a:effectRef idx="0">
-            <a:schemeClr val="accent1"/>
-          </a:effectRef>
-          <a:fontRef idx="minor">
-            <a:schemeClr val="lt1"/>
-          </a:fontRef>
-        </p:style>
-        <p:txBody>
-          <a:bodyPr rtlCol="0" anchor="ctr"/>
-          <a:lstStyle/>
-          <a:p>
-            <a:pPr algn="ctr"/>
-            <a:r>
-              <a:rPr lang="de-DE" dirty="0"/>
-              <a:t>Input</a:t>
-            </a:r>
-          </a:p>
-        </p:txBody>
-      </p:sp>
-      <p:sp>
-        <p:nvSpPr>
-          <p:cNvPr id="9" name="Rechteck 8">
-            <a:extLst>
-              <a:ext uri="{FF2B5EF4-FFF2-40B4-BE49-F238E27FC236}">
-                <a16:creationId xmlns:a16="http://schemas.microsoft.com/office/drawing/2014/main" id="{8AF37519-61E9-1618-945E-ED2D752A1884}"/>
-              </a:ext>
-            </a:extLst>
-          </p:cNvPr>
-          <p:cNvSpPr/>
-          <p:nvPr/>
-        </p:nvSpPr>
-        <p:spPr>
-          <a:xfrm>
-            <a:off x="1917700" y="2292237"/>
-            <a:ext cx="1361833" cy="717437"/>
-          </a:xfrm>
-          <a:prstGeom prst="rect">
-            <a:avLst/>
-          </a:prstGeom>
-        </p:spPr>
-        <p:style>
-          <a:lnRef idx="2">
-            <a:schemeClr val="accent1">
-              <a:shade val="15000"/>
-            </a:schemeClr>
-          </a:lnRef>
-          <a:fillRef idx="1">
-            <a:schemeClr val="accent1"/>
-          </a:fillRef>
-          <a:effectRef idx="0">
-            <a:schemeClr val="accent1"/>
-          </a:effectRef>
-          <a:fontRef idx="minor">
-            <a:schemeClr val="lt1"/>
-          </a:fontRef>
-        </p:style>
-        <p:txBody>
-          <a:bodyPr rtlCol="0" anchor="ctr"/>
-          <a:lstStyle/>
-          <a:p>
-            <a:pPr algn="ctr"/>
-            <a:r>
-              <a:rPr lang="de-DE" dirty="0"/>
-              <a:t>Encoding</a:t>
-            </a:r>
-          </a:p>
-        </p:txBody>
-      </p:sp>
-      <p:sp>
-        <p:nvSpPr>
-          <p:cNvPr id="10" name="Rechteck 9">
-            <a:extLst>
-              <a:ext uri="{FF2B5EF4-FFF2-40B4-BE49-F238E27FC236}">
-                <a16:creationId xmlns:a16="http://schemas.microsoft.com/office/drawing/2014/main" id="{6B441ACC-BA29-84AF-CBE2-B4ED9AFCAB37}"/>
-              </a:ext>
-            </a:extLst>
-          </p:cNvPr>
-          <p:cNvSpPr/>
-          <p:nvPr/>
-        </p:nvSpPr>
-        <p:spPr>
-          <a:xfrm>
-            <a:off x="3274649" y="3130890"/>
-            <a:ext cx="1361833" cy="717437"/>
-          </a:xfrm>
-          <a:prstGeom prst="rect">
-            <a:avLst/>
-          </a:prstGeom>
-        </p:spPr>
-        <p:style>
-          <a:lnRef idx="2">
-            <a:schemeClr val="accent1">
-              <a:shade val="15000"/>
-            </a:schemeClr>
-          </a:lnRef>
-          <a:fillRef idx="1">
-            <a:schemeClr val="accent1"/>
-          </a:fillRef>
-          <a:effectRef idx="0">
-            <a:schemeClr val="accent1"/>
-          </a:effectRef>
-          <a:fontRef idx="minor">
-            <a:schemeClr val="lt1"/>
-          </a:fontRef>
-        </p:style>
-        <p:txBody>
-          <a:bodyPr rtlCol="0" anchor="ctr"/>
-          <a:lstStyle/>
-          <a:p>
-            <a:pPr algn="ctr"/>
-            <a:r>
-              <a:rPr lang="de-DE" sz="1700" dirty="0" err="1"/>
-              <a:t>Compression</a:t>
-            </a:r>
-            <a:endParaRPr lang="de-DE" sz="1700" dirty="0"/>
-          </a:p>
-        </p:txBody>
-      </p:sp>
-      <p:sp>
-        <p:nvSpPr>
-          <p:cNvPr id="11" name="Rechteck 10">
-            <a:extLst>
-              <a:ext uri="{FF2B5EF4-FFF2-40B4-BE49-F238E27FC236}">
-                <a16:creationId xmlns:a16="http://schemas.microsoft.com/office/drawing/2014/main" id="{B092D8BB-5BFE-6560-0FA7-8D520C01C7D7}"/>
-              </a:ext>
-            </a:extLst>
-          </p:cNvPr>
-          <p:cNvSpPr/>
-          <p:nvPr/>
-        </p:nvSpPr>
-        <p:spPr>
-          <a:xfrm>
-            <a:off x="4636482" y="4005146"/>
-            <a:ext cx="1361833" cy="717437"/>
-          </a:xfrm>
-          <a:prstGeom prst="rect">
-            <a:avLst/>
-          </a:prstGeom>
-        </p:spPr>
-        <p:style>
-          <a:lnRef idx="2">
-            <a:schemeClr val="accent1">
-              <a:shade val="15000"/>
-            </a:schemeClr>
-          </a:lnRef>
-          <a:fillRef idx="1">
-            <a:schemeClr val="accent1"/>
-          </a:fillRef>
-          <a:effectRef idx="0">
-            <a:schemeClr val="accent1"/>
-          </a:effectRef>
-          <a:fontRef idx="minor">
-            <a:schemeClr val="lt1"/>
-          </a:fontRef>
-        </p:style>
-        <p:txBody>
-          <a:bodyPr rtlCol="0" anchor="ctr"/>
-          <a:lstStyle/>
-          <a:p>
-            <a:pPr algn="ctr"/>
-            <a:r>
-              <a:rPr lang="de-DE" sz="1700" dirty="0" err="1"/>
-              <a:t>Hiding</a:t>
-            </a:r>
-            <a:endParaRPr lang="de-DE" sz="1700" dirty="0"/>
-          </a:p>
-        </p:txBody>
-      </p:sp>
-      <p:sp>
-        <p:nvSpPr>
-          <p:cNvPr id="12" name="Rechteck 11">
-            <a:extLst>
-              <a:ext uri="{FF2B5EF4-FFF2-40B4-BE49-F238E27FC236}">
-                <a16:creationId xmlns:a16="http://schemas.microsoft.com/office/drawing/2014/main" id="{2A55D2E7-2B8A-46BD-D4FF-7E5C50163E39}"/>
-              </a:ext>
-            </a:extLst>
-          </p:cNvPr>
-          <p:cNvSpPr/>
-          <p:nvPr/>
-        </p:nvSpPr>
-        <p:spPr>
-          <a:xfrm>
-            <a:off x="5998315" y="4866929"/>
-            <a:ext cx="1361833" cy="717437"/>
-          </a:xfrm>
-          <a:prstGeom prst="rect">
-            <a:avLst/>
-          </a:prstGeom>
-        </p:spPr>
-        <p:style>
-          <a:lnRef idx="2">
-            <a:schemeClr val="accent1">
-              <a:shade val="15000"/>
-            </a:schemeClr>
-          </a:lnRef>
-          <a:fillRef idx="1">
-            <a:schemeClr val="accent1"/>
-          </a:fillRef>
-          <a:effectRef idx="0">
-            <a:schemeClr val="accent1"/>
-          </a:effectRef>
-          <a:fontRef idx="minor">
-            <a:schemeClr val="lt1"/>
-          </a:fontRef>
-        </p:style>
-        <p:txBody>
-          <a:bodyPr rtlCol="0" anchor="ctr"/>
-          <a:lstStyle/>
-          <a:p>
-            <a:pPr algn="ctr"/>
-            <a:r>
-              <a:rPr lang="de-DE" sz="1700" dirty="0"/>
-              <a:t>Output</a:t>
-            </a:r>
-          </a:p>
-        </p:txBody>
-      </p:sp>
-      <p:cxnSp>
-        <p:nvCxnSpPr>
-          <p:cNvPr id="16" name="Verbinder: gewinkelt 15">
-            <a:extLst>
-              <a:ext uri="{FF2B5EF4-FFF2-40B4-BE49-F238E27FC236}">
-                <a16:creationId xmlns:a16="http://schemas.microsoft.com/office/drawing/2014/main" id="{FC32378F-E98A-60BD-CBAD-28B5F0B43F85}"/>
-              </a:ext>
-            </a:extLst>
-          </p:cNvPr>
-          <p:cNvCxnSpPr>
-            <a:cxnSpLocks/>
-            <a:stCxn id="8" idx="2"/>
-            <a:endCxn id="9" idx="1"/>
-          </p:cNvCxnSpPr>
-          <p:nvPr/>
-        </p:nvCxnSpPr>
-        <p:spPr>
-          <a:xfrm rot="16200000" flipH="1">
-            <a:off x="1321683" y="2054938"/>
-            <a:ext cx="511119" cy="680916"/>
-          </a:xfrm>
-          <a:prstGeom prst="bentConnector2">
-            <a:avLst/>
-          </a:prstGeom>
-          <a:ln>
-            <a:tailEnd type="triangle"/>
-          </a:ln>
-        </p:spPr>
-        <p:style>
-          <a:lnRef idx="1">
-            <a:schemeClr val="accent1"/>
-          </a:lnRef>
-          <a:fillRef idx="0">
-            <a:schemeClr val="accent1"/>
-          </a:fillRef>
-          <a:effectRef idx="0">
-            <a:schemeClr val="accent1"/>
-          </a:effectRef>
-          <a:fontRef idx="minor">
-            <a:schemeClr val="tx1"/>
-          </a:fontRef>
-        </p:style>
-      </p:cxnSp>
-      <p:cxnSp>
-        <p:nvCxnSpPr>
-          <p:cNvPr id="18" name="Verbinder: gewinkelt 17">
-            <a:extLst>
-              <a:ext uri="{FF2B5EF4-FFF2-40B4-BE49-F238E27FC236}">
-                <a16:creationId xmlns:a16="http://schemas.microsoft.com/office/drawing/2014/main" id="{6C6796B0-65A2-739F-B1D6-848E80CED4C1}"/>
-              </a:ext>
-            </a:extLst>
-          </p:cNvPr>
-          <p:cNvCxnSpPr>
-            <a:cxnSpLocks/>
-            <a:endCxn id="10" idx="1"/>
-          </p:cNvCxnSpPr>
-          <p:nvPr/>
-        </p:nvCxnSpPr>
-        <p:spPr>
-          <a:xfrm>
-            <a:off x="2539441" y="3025460"/>
-            <a:ext cx="735208" cy="464149"/>
-          </a:xfrm>
-          <a:prstGeom prst="bentConnector3">
-            <a:avLst>
-              <a:gd name="adj1" fmla="val 1633"/>
-            </a:avLst>
-          </a:prstGeom>
-          <a:ln>
-            <a:tailEnd type="triangle"/>
-          </a:ln>
-        </p:spPr>
-        <p:style>
-          <a:lnRef idx="1">
-            <a:schemeClr val="accent1"/>
-          </a:lnRef>
-          <a:fillRef idx="0">
-            <a:schemeClr val="accent1"/>
-          </a:fillRef>
-          <a:effectRef idx="0">
-            <a:schemeClr val="accent1"/>
-          </a:effectRef>
-          <a:fontRef idx="minor">
-            <a:schemeClr val="tx1"/>
-          </a:fontRef>
-        </p:style>
-      </p:cxnSp>
-      <p:cxnSp>
-        <p:nvCxnSpPr>
-          <p:cNvPr id="21" name="Verbinder: gewinkelt 20">
-            <a:extLst>
-              <a:ext uri="{FF2B5EF4-FFF2-40B4-BE49-F238E27FC236}">
-                <a16:creationId xmlns:a16="http://schemas.microsoft.com/office/drawing/2014/main" id="{1B549108-C27B-A3A1-39A0-F6F557B7B1FE}"/>
-              </a:ext>
-            </a:extLst>
-          </p:cNvPr>
-          <p:cNvCxnSpPr>
-            <a:cxnSpLocks/>
-          </p:cNvCxnSpPr>
-          <p:nvPr/>
-        </p:nvCxnSpPr>
-        <p:spPr>
-          <a:xfrm rot="16200000" flipH="1">
-            <a:off x="4017507" y="3767846"/>
-            <a:ext cx="511119" cy="680916"/>
-          </a:xfrm>
-          <a:prstGeom prst="bentConnector2">
-            <a:avLst/>
-          </a:prstGeom>
-          <a:ln>
-            <a:tailEnd type="triangle"/>
-          </a:ln>
-        </p:spPr>
-        <p:style>
-          <a:lnRef idx="1">
-            <a:schemeClr val="accent1"/>
-          </a:lnRef>
-          <a:fillRef idx="0">
-            <a:schemeClr val="accent1"/>
-          </a:fillRef>
-          <a:effectRef idx="0">
-            <a:schemeClr val="accent1"/>
-          </a:effectRef>
-          <a:fontRef idx="minor">
-            <a:schemeClr val="tx1"/>
-          </a:fontRef>
-        </p:style>
-      </p:cxnSp>
-      <p:cxnSp>
-        <p:nvCxnSpPr>
-          <p:cNvPr id="22" name="Verbinder: gewinkelt 21">
-            <a:extLst>
-              <a:ext uri="{FF2B5EF4-FFF2-40B4-BE49-F238E27FC236}">
-                <a16:creationId xmlns:a16="http://schemas.microsoft.com/office/drawing/2014/main" id="{272C536C-583F-7CC9-A739-795A22D06F6E}"/>
-              </a:ext>
-            </a:extLst>
-          </p:cNvPr>
-          <p:cNvCxnSpPr>
-            <a:cxnSpLocks/>
-            <a:stCxn id="11" idx="2"/>
-            <a:endCxn id="12" idx="1"/>
-          </p:cNvCxnSpPr>
-          <p:nvPr/>
-        </p:nvCxnSpPr>
-        <p:spPr>
-          <a:xfrm rot="16200000" flipH="1">
-            <a:off x="5406325" y="4633657"/>
-            <a:ext cx="503065" cy="680916"/>
-          </a:xfrm>
-          <a:prstGeom prst="bentConnector2">
-            <a:avLst/>
-          </a:prstGeom>
-          <a:ln>
-            <a:tailEnd type="triangle"/>
-          </a:ln>
-        </p:spPr>
-        <p:style>
-          <a:lnRef idx="1">
-            <a:schemeClr val="accent1"/>
-          </a:lnRef>
-          <a:fillRef idx="0">
-            <a:schemeClr val="accent1"/>
-          </a:fillRef>
-          <a:effectRef idx="0">
-            <a:schemeClr val="accent1"/>
-          </a:effectRef>
-          <a:fontRef idx="minor">
-            <a:schemeClr val="tx1"/>
-          </a:fontRef>
-        </p:style>
-      </p:cxnSp>
-      <p:grpSp>
-        <p:nvGrpSpPr>
-          <p:cNvPr id="25" name="Gruppieren 24">
-            <a:extLst>
-              <a:ext uri="{FF2B5EF4-FFF2-40B4-BE49-F238E27FC236}">
-                <a16:creationId xmlns:a16="http://schemas.microsoft.com/office/drawing/2014/main" id="{E08E521C-0B3C-F43E-7328-9250C4A3B67F}"/>
-              </a:ext>
-            </a:extLst>
-          </p:cNvPr>
-          <p:cNvGrpSpPr/>
-          <p:nvPr/>
-        </p:nvGrpSpPr>
-        <p:grpSpPr>
-          <a:xfrm>
-            <a:off x="1917701" y="1422400"/>
-            <a:ext cx="3964939" cy="717437"/>
-            <a:chOff x="616260" y="3047"/>
-            <a:chExt cx="6438423" cy="572242"/>
-          </a:xfrm>
-        </p:grpSpPr>
-        <p:sp>
-          <p:nvSpPr>
-            <p:cNvPr id="26" name="Rechteck: obere Ecken abgerundet 25">
-              <a:extLst>
-                <a:ext uri="{FF2B5EF4-FFF2-40B4-BE49-F238E27FC236}">
-                  <a16:creationId xmlns:a16="http://schemas.microsoft.com/office/drawing/2014/main" id="{4B6E64D3-4571-9380-CADB-1072FB82772D}"/>
-                </a:ext>
-              </a:extLst>
-            </p:cNvPr>
-            <p:cNvSpPr/>
-            <p:nvPr/>
-          </p:nvSpPr>
-          <p:spPr>
-            <a:xfrm rot="5400000">
-              <a:off x="3549351" y="-2930044"/>
-              <a:ext cx="572242" cy="6438423"/>
-            </a:xfrm>
-            <a:prstGeom prst="round2SameRect">
-              <a:avLst/>
-            </a:prstGeom>
-            <a:solidFill>
-              <a:schemeClr val="accent1">
-                <a:lumMod val="20000"/>
-                <a:lumOff val="80000"/>
-                <a:alpha val="90000"/>
-              </a:schemeClr>
-            </a:solidFill>
-          </p:spPr>
-          <p:style>
-            <a:lnRef idx="2">
-              <a:schemeClr val="accent1">
-                <a:hueOff val="0"/>
-                <a:satOff val="0"/>
-                <a:lumOff val="0"/>
-                <a:alphaOff val="0"/>
-              </a:schemeClr>
-            </a:lnRef>
-            <a:fillRef idx="1">
-              <a:scrgbClr r="0" g="0" b="0"/>
-            </a:fillRef>
-            <a:effectRef idx="0">
-              <a:schemeClr val="lt1">
-                <a:alpha val="90000"/>
-                <a:hueOff val="0"/>
-                <a:satOff val="0"/>
-                <a:lumOff val="0"/>
-                <a:alphaOff val="0"/>
-              </a:schemeClr>
-            </a:effectRef>
-            <a:fontRef idx="minor">
-              <a:schemeClr val="dk1">
-                <a:hueOff val="0"/>
-                <a:satOff val="0"/>
-                <a:lumOff val="0"/>
-                <a:alphaOff val="0"/>
-              </a:schemeClr>
-            </a:fontRef>
-          </p:style>
-          <p:txBody>
-            <a:bodyPr/>
-            <a:lstStyle/>
-            <a:p>
-              <a:endParaRPr lang="de-DE"/>
-            </a:p>
-          </p:txBody>
-        </p:sp>
-        <p:sp>
-          <p:nvSpPr>
-            <p:cNvPr id="27" name="Rechteck: obere Ecken abgerundet 4">
-              <a:extLst>
-                <a:ext uri="{FF2B5EF4-FFF2-40B4-BE49-F238E27FC236}">
-                  <a16:creationId xmlns:a16="http://schemas.microsoft.com/office/drawing/2014/main" id="{800F019D-C48D-A5B0-A66A-FF92C2EE9E25}"/>
-                </a:ext>
-              </a:extLst>
-            </p:cNvPr>
-            <p:cNvSpPr txBox="1"/>
-            <p:nvPr/>
-          </p:nvSpPr>
-          <p:spPr>
-            <a:xfrm>
-              <a:off x="616261" y="30981"/>
-              <a:ext cx="6410488" cy="516372"/>
-            </a:xfrm>
-            <a:prstGeom prst="rect">
-              <a:avLst/>
-            </a:prstGeom>
-          </p:spPr>
-          <p:style>
-            <a:lnRef idx="0">
-              <a:scrgbClr r="0" g="0" b="0"/>
-            </a:lnRef>
-            <a:fillRef idx="0">
-              <a:scrgbClr r="0" g="0" b="0"/>
-            </a:fillRef>
-            <a:effectRef idx="0">
-              <a:scrgbClr r="0" g="0" b="0"/>
-            </a:effectRef>
-            <a:fontRef idx="minor">
-              <a:schemeClr val="dk1">
-                <a:hueOff val="0"/>
-                <a:satOff val="0"/>
-                <a:lumOff val="0"/>
-                <a:alphaOff val="0"/>
-              </a:schemeClr>
-            </a:fontRef>
-          </p:style>
-          <p:txBody>
-            <a:bodyPr spcFirstLastPara="0" vert="horz" wrap="square" lIns="99568" tIns="8890" rIns="8890" bIns="8890" numCol="1" spcCol="1270" anchor="ctr" anchorCtr="0">
-              <a:noAutofit/>
-            </a:bodyPr>
-            <a:lstStyle/>
-            <a:p>
-              <a:pPr marL="114300" lvl="1" indent="-114300" algn="l" defTabSz="622300">
-                <a:lnSpc>
-                  <a:spcPct val="90000"/>
-                </a:lnSpc>
-                <a:spcBef>
-                  <a:spcPct val="0"/>
-                </a:spcBef>
-                <a:spcAft>
-                  <a:spcPct val="15000"/>
-                </a:spcAft>
-                <a:buChar char="•"/>
-              </a:pPr>
-              <a:r>
-                <a:rPr lang="de-DE" sz="1400" kern="1200" dirty="0">
-                  <a:latin typeface="Arial" panose="020B0604020202020204" pitchFamily="34" charset="0"/>
-                  <a:cs typeface="Arial" panose="020B0604020202020204" pitchFamily="34" charset="0"/>
-                </a:rPr>
-                <a:t>Secret </a:t>
-              </a:r>
-              <a:r>
-                <a:rPr lang="de-DE" sz="1400" kern="1200" dirty="0" err="1">
-                  <a:latin typeface="Arial" panose="020B0604020202020204" pitchFamily="34" charset="0"/>
-                  <a:cs typeface="Arial" panose="020B0604020202020204" pitchFamily="34" charset="0"/>
-                </a:rPr>
-                <a:t>message</a:t>
-              </a:r>
-              <a:r>
-                <a:rPr lang="de-DE" sz="1400" kern="1200" dirty="0">
-                  <a:latin typeface="Arial" panose="020B0604020202020204" pitchFamily="34" charset="0"/>
-                  <a:cs typeface="Arial" panose="020B0604020202020204" pitchFamily="34" charset="0"/>
-                </a:rPr>
-                <a:t> (e.g., „The </a:t>
-              </a:r>
-              <a:r>
-                <a:rPr lang="de-DE" sz="1400" kern="1200" dirty="0" err="1">
-                  <a:latin typeface="Arial" panose="020B0604020202020204" pitchFamily="34" charset="0"/>
-                  <a:cs typeface="Arial" panose="020B0604020202020204" pitchFamily="34" charset="0"/>
-                </a:rPr>
-                <a:t>cake</a:t>
-              </a:r>
-              <a:r>
-                <a:rPr lang="de-DE" sz="1400" kern="1200" dirty="0">
-                  <a:latin typeface="Arial" panose="020B0604020202020204" pitchFamily="34" charset="0"/>
-                  <a:cs typeface="Arial" panose="020B0604020202020204" pitchFamily="34" charset="0"/>
-                </a:rPr>
-                <a:t> </a:t>
-              </a:r>
-              <a:r>
-                <a:rPr lang="de-DE" sz="1400" kern="1200" dirty="0" err="1">
-                  <a:latin typeface="Arial" panose="020B0604020202020204" pitchFamily="34" charset="0"/>
-                  <a:cs typeface="Arial" panose="020B0604020202020204" pitchFamily="34" charset="0"/>
-                </a:rPr>
-                <a:t>is</a:t>
-              </a:r>
-              <a:r>
-                <a:rPr lang="de-DE" sz="1400" kern="1200" dirty="0">
-                  <a:latin typeface="Arial" panose="020B0604020202020204" pitchFamily="34" charset="0"/>
-                  <a:cs typeface="Arial" panose="020B0604020202020204" pitchFamily="34" charset="0"/>
-                </a:rPr>
-                <a:t> a </a:t>
-              </a:r>
-              <a:r>
-                <a:rPr lang="de-DE" sz="1400" kern="1200" dirty="0" err="1">
-                  <a:latin typeface="Arial" panose="020B0604020202020204" pitchFamily="34" charset="0"/>
-                  <a:cs typeface="Arial" panose="020B0604020202020204" pitchFamily="34" charset="0"/>
-                </a:rPr>
-                <a:t>lie</a:t>
-              </a:r>
-              <a:r>
-                <a:rPr lang="de-DE" sz="1400" kern="1200" dirty="0">
-                  <a:latin typeface="Arial" panose="020B0604020202020204" pitchFamily="34" charset="0"/>
-                  <a:cs typeface="Arial" panose="020B0604020202020204" pitchFamily="34" charset="0"/>
-                </a:rPr>
-                <a:t>“)</a:t>
-              </a:r>
-              <a:endParaRPr lang="en-DE" sz="1400" kern="1200" dirty="0">
-                <a:latin typeface="Arial" panose="020B0604020202020204" pitchFamily="34" charset="0"/>
-                <a:cs typeface="Arial" panose="020B0604020202020204" pitchFamily="34" charset="0"/>
-              </a:endParaRPr>
-            </a:p>
-            <a:p>
-              <a:pPr marL="114300" lvl="1" indent="-114300" algn="l" defTabSz="622300">
-                <a:lnSpc>
-                  <a:spcPct val="90000"/>
-                </a:lnSpc>
-                <a:spcBef>
-                  <a:spcPct val="0"/>
-                </a:spcBef>
-                <a:spcAft>
-                  <a:spcPct val="15000"/>
-                </a:spcAft>
-                <a:buChar char="•"/>
-              </a:pPr>
-              <a:r>
-                <a:rPr lang="en-DE" sz="1400" kern="1200" dirty="0">
-                  <a:latin typeface="Arial" panose="020B0604020202020204" pitchFamily="34" charset="0"/>
-                  <a:cs typeface="Arial" panose="020B0604020202020204" pitchFamily="34" charset="0"/>
-                </a:rPr>
-                <a:t>News feed containing 30 articles (~500 words each)</a:t>
-              </a:r>
-            </a:p>
-          </p:txBody>
-        </p:sp>
-      </p:grpSp>
-      <p:grpSp>
-        <p:nvGrpSpPr>
-          <p:cNvPr id="28" name="Gruppieren 27">
-            <a:extLst>
-              <a:ext uri="{FF2B5EF4-FFF2-40B4-BE49-F238E27FC236}">
-                <a16:creationId xmlns:a16="http://schemas.microsoft.com/office/drawing/2014/main" id="{06605541-1CAE-FAFB-8C62-6A695D645ACD}"/>
-              </a:ext>
-            </a:extLst>
-          </p:cNvPr>
-          <p:cNvGrpSpPr/>
-          <p:nvPr/>
-        </p:nvGrpSpPr>
-        <p:grpSpPr>
-          <a:xfrm>
-            <a:off x="3279535" y="2292236"/>
-            <a:ext cx="3555606" cy="717437"/>
-            <a:chOff x="616260" y="763349"/>
-            <a:chExt cx="6438423" cy="572242"/>
-          </a:xfrm>
-        </p:grpSpPr>
-        <p:sp>
-          <p:nvSpPr>
-            <p:cNvPr id="29" name="Rechteck: obere Ecken abgerundet 28">
-              <a:extLst>
-                <a:ext uri="{FF2B5EF4-FFF2-40B4-BE49-F238E27FC236}">
-                  <a16:creationId xmlns:a16="http://schemas.microsoft.com/office/drawing/2014/main" id="{C5A04D70-E2D8-4316-F1F3-F4C866521111}"/>
-                </a:ext>
-              </a:extLst>
-            </p:cNvPr>
-            <p:cNvSpPr/>
-            <p:nvPr/>
-          </p:nvSpPr>
-          <p:spPr>
-            <a:xfrm rot="5400000">
-              <a:off x="3549351" y="-2169742"/>
-              <a:ext cx="572242" cy="6438423"/>
-            </a:xfrm>
-            <a:prstGeom prst="round2SameRect">
-              <a:avLst/>
-            </a:prstGeom>
-            <a:solidFill>
-              <a:schemeClr val="accent1">
-                <a:lumMod val="20000"/>
-                <a:lumOff val="80000"/>
-                <a:alpha val="90000"/>
-              </a:schemeClr>
-            </a:solidFill>
-          </p:spPr>
-          <p:style>
-            <a:lnRef idx="2">
-              <a:schemeClr val="accent1">
-                <a:hueOff val="0"/>
-                <a:satOff val="0"/>
-                <a:lumOff val="0"/>
-                <a:alphaOff val="0"/>
-              </a:schemeClr>
-            </a:lnRef>
-            <a:fillRef idx="1">
-              <a:scrgbClr r="0" g="0" b="0"/>
-            </a:fillRef>
-            <a:effectRef idx="0">
-              <a:schemeClr val="lt1">
-                <a:alpha val="90000"/>
-                <a:hueOff val="0"/>
-                <a:satOff val="0"/>
-                <a:lumOff val="0"/>
-                <a:alphaOff val="0"/>
-              </a:schemeClr>
-            </a:effectRef>
-            <a:fontRef idx="minor">
-              <a:schemeClr val="dk1">
-                <a:hueOff val="0"/>
-                <a:satOff val="0"/>
-                <a:lumOff val="0"/>
-                <a:alphaOff val="0"/>
-              </a:schemeClr>
-            </a:fontRef>
-          </p:style>
-          <p:txBody>
-            <a:bodyPr/>
-            <a:lstStyle/>
-            <a:p>
-              <a:endParaRPr lang="de-DE"/>
-            </a:p>
-          </p:txBody>
-        </p:sp>
-        <p:sp>
-          <p:nvSpPr>
-            <p:cNvPr id="30" name="Rechteck: obere Ecken abgerundet 4">
-              <a:extLst>
-                <a:ext uri="{FF2B5EF4-FFF2-40B4-BE49-F238E27FC236}">
-                  <a16:creationId xmlns:a16="http://schemas.microsoft.com/office/drawing/2014/main" id="{DD860485-F639-CECA-FB05-A921C01B8388}"/>
-                </a:ext>
-              </a:extLst>
-            </p:cNvPr>
-            <p:cNvSpPr txBox="1"/>
-            <p:nvPr/>
-          </p:nvSpPr>
-          <p:spPr>
-            <a:xfrm>
-              <a:off x="616261" y="791283"/>
-              <a:ext cx="6410488" cy="516372"/>
-            </a:xfrm>
-            <a:prstGeom prst="rect">
-              <a:avLst/>
-            </a:prstGeom>
-          </p:spPr>
-          <p:style>
-            <a:lnRef idx="0">
-              <a:scrgbClr r="0" g="0" b="0"/>
-            </a:lnRef>
-            <a:fillRef idx="0">
-              <a:scrgbClr r="0" g="0" b="0"/>
-            </a:fillRef>
-            <a:effectRef idx="0">
-              <a:scrgbClr r="0" g="0" b="0"/>
-            </a:effectRef>
-            <a:fontRef idx="minor">
-              <a:schemeClr val="dk1">
-                <a:hueOff val="0"/>
-                <a:satOff val="0"/>
-                <a:lumOff val="0"/>
-                <a:alphaOff val="0"/>
-              </a:schemeClr>
-            </a:fontRef>
-          </p:style>
-          <p:txBody>
-            <a:bodyPr spcFirstLastPara="0" vert="horz" wrap="square" lIns="99568" tIns="8890" rIns="8890" bIns="8890" numCol="1" spcCol="1270" anchor="ctr" anchorCtr="0">
-              <a:noAutofit/>
-            </a:bodyPr>
-            <a:lstStyle/>
-            <a:p>
-              <a:pPr marL="114300" lvl="1" indent="-114300" algn="l" defTabSz="622300">
-                <a:lnSpc>
-                  <a:spcPct val="90000"/>
-                </a:lnSpc>
-                <a:spcBef>
-                  <a:spcPct val="0"/>
-                </a:spcBef>
-                <a:spcAft>
-                  <a:spcPct val="15000"/>
-                </a:spcAft>
-                <a:buChar char="•"/>
-              </a:pPr>
-              <a:r>
-                <a:rPr lang="en-DE" sz="1400" kern="1200" dirty="0">
-                  <a:latin typeface="Arial" panose="020B0604020202020204" pitchFamily="34" charset="0"/>
-                  <a:cs typeface="Arial" panose="020B0604020202020204" pitchFamily="34" charset="0"/>
-                </a:rPr>
-                <a:t>Binary encoding of the secret message (“</a:t>
-              </a:r>
-              <a:r>
-                <a:rPr lang="en-GB" sz="1400" kern="1200" dirty="0">
-                  <a:latin typeface="Arial" panose="020B0604020202020204" pitchFamily="34" charset="0"/>
-                  <a:cs typeface="Arial" panose="020B0604020202020204" pitchFamily="34" charset="0"/>
-                </a:rPr>
-                <a:t>01010100...00001010”)</a:t>
-              </a:r>
-              <a:endParaRPr lang="en-DE" sz="1400" kern="1200" dirty="0">
-                <a:latin typeface="Arial" panose="020B0604020202020204" pitchFamily="34" charset="0"/>
-                <a:cs typeface="Arial" panose="020B0604020202020204" pitchFamily="34" charset="0"/>
-              </a:endParaRPr>
-            </a:p>
-          </p:txBody>
-        </p:sp>
-      </p:grpSp>
-      <p:grpSp>
-        <p:nvGrpSpPr>
-          <p:cNvPr id="33" name="Gruppieren 32">
-            <a:extLst>
-              <a:ext uri="{FF2B5EF4-FFF2-40B4-BE49-F238E27FC236}">
-                <a16:creationId xmlns:a16="http://schemas.microsoft.com/office/drawing/2014/main" id="{C600E42A-8872-F5EC-7B78-91FB859435A7}"/>
-              </a:ext>
-            </a:extLst>
-          </p:cNvPr>
-          <p:cNvGrpSpPr/>
-          <p:nvPr/>
-        </p:nvGrpSpPr>
-        <p:grpSpPr>
-          <a:xfrm>
-            <a:off x="5998315" y="4005145"/>
-            <a:ext cx="3046625" cy="717437"/>
-            <a:chOff x="616260" y="2283954"/>
-            <a:chExt cx="6438423" cy="572242"/>
-          </a:xfrm>
-        </p:grpSpPr>
-        <p:sp>
-          <p:nvSpPr>
-            <p:cNvPr id="34" name="Rechteck: obere Ecken abgerundet 33">
-              <a:extLst>
-                <a:ext uri="{FF2B5EF4-FFF2-40B4-BE49-F238E27FC236}">
-                  <a16:creationId xmlns:a16="http://schemas.microsoft.com/office/drawing/2014/main" id="{D6732D2D-53F6-5B5C-6063-5BE58B2C16AC}"/>
-                </a:ext>
-              </a:extLst>
-            </p:cNvPr>
-            <p:cNvSpPr/>
-            <p:nvPr/>
-          </p:nvSpPr>
-          <p:spPr>
-            <a:xfrm rot="5400000">
-              <a:off x="3549351" y="-649137"/>
-              <a:ext cx="572242" cy="6438423"/>
-            </a:xfrm>
-            <a:prstGeom prst="round2SameRect">
-              <a:avLst/>
-            </a:prstGeom>
-            <a:solidFill>
-              <a:schemeClr val="accent1">
-                <a:lumMod val="20000"/>
-                <a:lumOff val="80000"/>
-                <a:alpha val="90000"/>
-              </a:schemeClr>
-            </a:solidFill>
-          </p:spPr>
-          <p:style>
-            <a:lnRef idx="2">
-              <a:schemeClr val="accent1">
-                <a:hueOff val="0"/>
-                <a:satOff val="0"/>
-                <a:lumOff val="0"/>
-                <a:alphaOff val="0"/>
-              </a:schemeClr>
-            </a:lnRef>
-            <a:fillRef idx="1">
-              <a:scrgbClr r="0" g="0" b="0"/>
-            </a:fillRef>
-            <a:effectRef idx="0">
-              <a:schemeClr val="lt1">
-                <a:alpha val="90000"/>
-                <a:hueOff val="0"/>
-                <a:satOff val="0"/>
-                <a:lumOff val="0"/>
-                <a:alphaOff val="0"/>
-              </a:schemeClr>
-            </a:effectRef>
-            <a:fontRef idx="minor">
-              <a:schemeClr val="dk1">
-                <a:hueOff val="0"/>
-                <a:satOff val="0"/>
-                <a:lumOff val="0"/>
-                <a:alphaOff val="0"/>
-              </a:schemeClr>
-            </a:fontRef>
-          </p:style>
-          <p:txBody>
-            <a:bodyPr/>
-            <a:lstStyle/>
-            <a:p>
-              <a:endParaRPr lang="de-DE"/>
-            </a:p>
-          </p:txBody>
-        </p:sp>
-        <p:sp>
-          <p:nvSpPr>
-            <p:cNvPr id="35" name="Rechteck: obere Ecken abgerundet 4">
-              <a:extLst>
-                <a:ext uri="{FF2B5EF4-FFF2-40B4-BE49-F238E27FC236}">
-                  <a16:creationId xmlns:a16="http://schemas.microsoft.com/office/drawing/2014/main" id="{1F274F86-A4A2-B3EF-6BC9-D56FBFC50A14}"/>
-                </a:ext>
-              </a:extLst>
-            </p:cNvPr>
-            <p:cNvSpPr txBox="1"/>
-            <p:nvPr/>
-          </p:nvSpPr>
-          <p:spPr>
-            <a:xfrm>
-              <a:off x="616261" y="2311888"/>
-              <a:ext cx="6410488" cy="516372"/>
-            </a:xfrm>
-            <a:prstGeom prst="rect">
-              <a:avLst/>
-            </a:prstGeom>
-          </p:spPr>
-          <p:style>
-            <a:lnRef idx="0">
-              <a:scrgbClr r="0" g="0" b="0"/>
-            </a:lnRef>
-            <a:fillRef idx="0">
-              <a:scrgbClr r="0" g="0" b="0"/>
-            </a:fillRef>
-            <a:effectRef idx="0">
-              <a:scrgbClr r="0" g="0" b="0"/>
-            </a:effectRef>
-            <a:fontRef idx="minor">
-              <a:schemeClr val="dk1">
-                <a:hueOff val="0"/>
-                <a:satOff val="0"/>
-                <a:lumOff val="0"/>
-                <a:alphaOff val="0"/>
-              </a:schemeClr>
-            </a:fontRef>
-          </p:style>
-          <p:txBody>
-            <a:bodyPr spcFirstLastPara="0" vert="horz" wrap="square" lIns="99568" tIns="8890" rIns="8890" bIns="8890" numCol="1" spcCol="1270" anchor="ctr" anchorCtr="0">
-              <a:noAutofit/>
-            </a:bodyPr>
-            <a:lstStyle/>
-            <a:p>
-              <a:pPr marL="114300" lvl="1" indent="-114300" algn="l" defTabSz="622300">
-                <a:lnSpc>
-                  <a:spcPct val="90000"/>
-                </a:lnSpc>
-                <a:spcBef>
-                  <a:spcPct val="0"/>
-                </a:spcBef>
-                <a:spcAft>
-                  <a:spcPct val="15000"/>
-                </a:spcAft>
-                <a:buChar char="•"/>
-              </a:pPr>
-              <a:r>
-                <a:rPr lang="en-DE" sz="1400" kern="1200" dirty="0">
-                  <a:latin typeface="Arial" panose="020B0604020202020204" pitchFamily="34" charset="0"/>
-                  <a:cs typeface="Arial" panose="020B0604020202020204" pitchFamily="34" charset="0"/>
-                </a:rPr>
-                <a:t>Hide compressed secret in articles</a:t>
-              </a:r>
-            </a:p>
-          </p:txBody>
-        </p:sp>
-      </p:grpSp>
-      <p:grpSp>
-        <p:nvGrpSpPr>
-          <p:cNvPr id="36" name="Gruppieren 35">
-            <a:extLst>
-              <a:ext uri="{FF2B5EF4-FFF2-40B4-BE49-F238E27FC236}">
-                <a16:creationId xmlns:a16="http://schemas.microsoft.com/office/drawing/2014/main" id="{3EDF77F6-C66B-3856-31C8-5E39335941C1}"/>
-              </a:ext>
-            </a:extLst>
-          </p:cNvPr>
-          <p:cNvGrpSpPr/>
-          <p:nvPr/>
-        </p:nvGrpSpPr>
-        <p:grpSpPr>
-          <a:xfrm>
-            <a:off x="4636481" y="3130890"/>
-            <a:ext cx="3433100" cy="717437"/>
-            <a:chOff x="616259" y="1514044"/>
-            <a:chExt cx="6438423" cy="582150"/>
-          </a:xfrm>
-        </p:grpSpPr>
-        <p:sp>
-          <p:nvSpPr>
-            <p:cNvPr id="37" name="Rechteck: obere Ecken abgerundet 36">
-              <a:extLst>
-                <a:ext uri="{FF2B5EF4-FFF2-40B4-BE49-F238E27FC236}">
-                  <a16:creationId xmlns:a16="http://schemas.microsoft.com/office/drawing/2014/main" id="{9DE3FF28-41D8-660E-B45E-FF8F6B87317C}"/>
-                </a:ext>
-              </a:extLst>
-            </p:cNvPr>
-            <p:cNvSpPr/>
-            <p:nvPr/>
-          </p:nvSpPr>
-          <p:spPr>
-            <a:xfrm rot="5400000">
-              <a:off x="3544396" y="-1414093"/>
-              <a:ext cx="582150" cy="6438423"/>
-            </a:xfrm>
-            <a:prstGeom prst="round2SameRect">
-              <a:avLst/>
-            </a:prstGeom>
-            <a:solidFill>
-              <a:schemeClr val="accent1">
-                <a:lumMod val="20000"/>
-                <a:lumOff val="80000"/>
-                <a:alpha val="90000"/>
-              </a:schemeClr>
-            </a:solidFill>
-          </p:spPr>
-          <p:style>
-            <a:lnRef idx="2">
-              <a:schemeClr val="accent1">
-                <a:hueOff val="0"/>
-                <a:satOff val="0"/>
-                <a:lumOff val="0"/>
-                <a:alphaOff val="0"/>
-              </a:schemeClr>
-            </a:lnRef>
-            <a:fillRef idx="1">
-              <a:scrgbClr r="0" g="0" b="0"/>
-            </a:fillRef>
-            <a:effectRef idx="0">
-              <a:schemeClr val="lt1">
-                <a:alpha val="90000"/>
-                <a:hueOff val="0"/>
-                <a:satOff val="0"/>
-                <a:lumOff val="0"/>
-                <a:alphaOff val="0"/>
-              </a:schemeClr>
-            </a:effectRef>
-            <a:fontRef idx="minor">
-              <a:schemeClr val="dk1">
-                <a:hueOff val="0"/>
-                <a:satOff val="0"/>
-                <a:lumOff val="0"/>
-                <a:alphaOff val="0"/>
-              </a:schemeClr>
-            </a:fontRef>
-          </p:style>
-          <p:txBody>
-            <a:bodyPr/>
-            <a:lstStyle/>
-            <a:p>
-              <a:endParaRPr lang="de-DE"/>
-            </a:p>
-          </p:txBody>
-        </p:sp>
-        <p:sp>
-          <p:nvSpPr>
-            <p:cNvPr id="38" name="Rechteck: obere Ecken abgerundet 4">
-              <a:extLst>
-                <a:ext uri="{FF2B5EF4-FFF2-40B4-BE49-F238E27FC236}">
-                  <a16:creationId xmlns:a16="http://schemas.microsoft.com/office/drawing/2014/main" id="{F5130E03-496D-5E95-BC0A-5256A822DD31}"/>
-                </a:ext>
-              </a:extLst>
-            </p:cNvPr>
-            <p:cNvSpPr txBox="1"/>
-            <p:nvPr/>
-          </p:nvSpPr>
-          <p:spPr>
-            <a:xfrm>
-              <a:off x="616262" y="1551599"/>
-              <a:ext cx="6410474" cy="516645"/>
-            </a:xfrm>
-            <a:prstGeom prst="rect">
-              <a:avLst/>
-            </a:prstGeom>
-          </p:spPr>
-          <p:style>
-            <a:lnRef idx="0">
-              <a:scrgbClr r="0" g="0" b="0"/>
-            </a:lnRef>
-            <a:fillRef idx="0">
-              <a:scrgbClr r="0" g="0" b="0"/>
-            </a:fillRef>
-            <a:effectRef idx="0">
-              <a:scrgbClr r="0" g="0" b="0"/>
-            </a:effectRef>
-            <a:fontRef idx="minor">
-              <a:schemeClr val="dk1">
-                <a:hueOff val="0"/>
-                <a:satOff val="0"/>
-                <a:lumOff val="0"/>
-                <a:alphaOff val="0"/>
-              </a:schemeClr>
-            </a:fontRef>
-          </p:style>
-          <p:txBody>
-            <a:bodyPr spcFirstLastPara="0" vert="horz" wrap="square" lIns="99568" tIns="8890" rIns="8890" bIns="8890" numCol="1" spcCol="1270" anchor="ctr" anchorCtr="0">
-              <a:noAutofit/>
-            </a:bodyPr>
-            <a:lstStyle/>
-            <a:p>
-              <a:pPr marL="114300" lvl="1" indent="-114300" algn="l" defTabSz="622300">
-                <a:lnSpc>
-                  <a:spcPct val="90000"/>
-                </a:lnSpc>
-                <a:spcBef>
-                  <a:spcPct val="0"/>
-                </a:spcBef>
-                <a:spcAft>
-                  <a:spcPct val="15000"/>
-                </a:spcAft>
-                <a:buChar char="•"/>
-              </a:pPr>
-              <a:r>
-                <a:rPr lang="de-DE" sz="1400" kern="1200" dirty="0" err="1">
-                  <a:latin typeface="Arial" panose="020B0604020202020204" pitchFamily="34" charset="0"/>
-                  <a:cs typeface="Arial" panose="020B0604020202020204" pitchFamily="34" charset="0"/>
-                </a:rPr>
-                <a:t>Reduce</a:t>
-              </a:r>
-              <a:r>
-                <a:rPr lang="de-DE" sz="1400" kern="1200" dirty="0">
-                  <a:latin typeface="Arial" panose="020B0604020202020204" pitchFamily="34" charset="0"/>
-                  <a:cs typeface="Arial" panose="020B0604020202020204" pitchFamily="34" charset="0"/>
-                </a:rPr>
-                <a:t> </a:t>
-              </a:r>
-              <a:r>
-                <a:rPr lang="de-DE" sz="1400" kern="1200" dirty="0" err="1">
-                  <a:latin typeface="Arial" panose="020B0604020202020204" pitchFamily="34" charset="0"/>
-                  <a:cs typeface="Arial" panose="020B0604020202020204" pitchFamily="34" charset="0"/>
-                </a:rPr>
-                <a:t>the</a:t>
-              </a:r>
-              <a:r>
-                <a:rPr lang="de-DE" sz="1400" kern="1200" dirty="0">
-                  <a:latin typeface="Arial" panose="020B0604020202020204" pitchFamily="34" charset="0"/>
-                  <a:cs typeface="Arial" panose="020B0604020202020204" pitchFamily="34" charset="0"/>
-                </a:rPr>
-                <a:t> </a:t>
-              </a:r>
-              <a:r>
-                <a:rPr lang="de-DE" sz="1400" kern="1200" dirty="0" err="1">
-                  <a:latin typeface="Arial" panose="020B0604020202020204" pitchFamily="34" charset="0"/>
-                  <a:cs typeface="Arial" panose="020B0604020202020204" pitchFamily="34" charset="0"/>
-                </a:rPr>
-                <a:t>number</a:t>
-              </a:r>
-              <a:r>
-                <a:rPr lang="de-DE" sz="1400" kern="1200" dirty="0">
-                  <a:latin typeface="Arial" panose="020B0604020202020204" pitchFamily="34" charset="0"/>
-                  <a:cs typeface="Arial" panose="020B0604020202020204" pitchFamily="34" charset="0"/>
-                </a:rPr>
-                <a:t> </a:t>
-              </a:r>
-              <a:r>
-                <a:rPr lang="de-DE" sz="1400" kern="1200" dirty="0" err="1">
-                  <a:latin typeface="Arial" panose="020B0604020202020204" pitchFamily="34" charset="0"/>
-                  <a:cs typeface="Arial" panose="020B0604020202020204" pitchFamily="34" charset="0"/>
-                </a:rPr>
-                <a:t>of</a:t>
-              </a:r>
-              <a:r>
-                <a:rPr lang="de-DE" sz="1400" kern="1200" dirty="0">
-                  <a:latin typeface="Arial" panose="020B0604020202020204" pitchFamily="34" charset="0"/>
-                  <a:cs typeface="Arial" panose="020B0604020202020204" pitchFamily="34" charset="0"/>
-                </a:rPr>
-                <a:t> </a:t>
-              </a:r>
-              <a:r>
-                <a:rPr lang="de-DE" sz="1400" kern="1200" dirty="0" err="1">
-                  <a:latin typeface="Arial" panose="020B0604020202020204" pitchFamily="34" charset="0"/>
-                  <a:cs typeface="Arial" panose="020B0604020202020204" pitchFamily="34" charset="0"/>
-                </a:rPr>
-                <a:t>bits</a:t>
-              </a:r>
-              <a:r>
-                <a:rPr lang="de-DE" sz="1400" kern="1200" dirty="0">
-                  <a:latin typeface="Arial" panose="020B0604020202020204" pitchFamily="34" charset="0"/>
-                  <a:cs typeface="Arial" panose="020B0604020202020204" pitchFamily="34" charset="0"/>
-                </a:rPr>
-                <a:t> </a:t>
-              </a:r>
-              <a:r>
-                <a:rPr lang="de-DE" sz="1400" kern="1200" dirty="0" err="1">
-                  <a:latin typeface="Arial" panose="020B0604020202020204" pitchFamily="34" charset="0"/>
-                  <a:cs typeface="Arial" panose="020B0604020202020204" pitchFamily="34" charset="0"/>
-                </a:rPr>
-                <a:t>to</a:t>
-              </a:r>
-              <a:r>
-                <a:rPr lang="de-DE" sz="1400" kern="1200" dirty="0">
-                  <a:latin typeface="Arial" panose="020B0604020202020204" pitchFamily="34" charset="0"/>
-                  <a:cs typeface="Arial" panose="020B0604020202020204" pitchFamily="34" charset="0"/>
-                </a:rPr>
-                <a:t> </a:t>
-              </a:r>
-              <a:r>
-                <a:rPr lang="de-DE" sz="1400" kern="1200" dirty="0" err="1">
-                  <a:latin typeface="Arial" panose="020B0604020202020204" pitchFamily="34" charset="0"/>
-                  <a:cs typeface="Arial" panose="020B0604020202020204" pitchFamily="34" charset="0"/>
-                </a:rPr>
-                <a:t>be</a:t>
-              </a:r>
-              <a:r>
-                <a:rPr lang="de-DE" sz="1400" kern="1200" dirty="0">
-                  <a:latin typeface="Arial" panose="020B0604020202020204" pitchFamily="34" charset="0"/>
-                  <a:cs typeface="Arial" panose="020B0604020202020204" pitchFamily="34" charset="0"/>
-                </a:rPr>
-                <a:t> </a:t>
-              </a:r>
-              <a:r>
-                <a:rPr lang="de-DE" sz="1400" kern="1200" dirty="0" err="1">
-                  <a:latin typeface="Arial" panose="020B0604020202020204" pitchFamily="34" charset="0"/>
-                  <a:cs typeface="Arial" panose="020B0604020202020204" pitchFamily="34" charset="0"/>
-                </a:rPr>
-                <a:t>hidden</a:t>
-              </a:r>
-              <a:endParaRPr lang="en-GB" sz="1400" kern="1200" dirty="0">
-                <a:latin typeface="Arial" panose="020B0604020202020204" pitchFamily="34" charset="0"/>
-                <a:cs typeface="Arial" panose="020B0604020202020204" pitchFamily="34" charset="0"/>
-              </a:endParaRPr>
-            </a:p>
-          </p:txBody>
-        </p:sp>
-      </p:grpSp>
-      <p:grpSp>
-        <p:nvGrpSpPr>
-          <p:cNvPr id="39" name="Gruppieren 38">
-            <a:extLst>
-              <a:ext uri="{FF2B5EF4-FFF2-40B4-BE49-F238E27FC236}">
-                <a16:creationId xmlns:a16="http://schemas.microsoft.com/office/drawing/2014/main" id="{1F2284D2-183E-C9FC-9545-813656AEDABD}"/>
-              </a:ext>
-            </a:extLst>
-          </p:cNvPr>
-          <p:cNvGrpSpPr/>
-          <p:nvPr/>
-        </p:nvGrpSpPr>
-        <p:grpSpPr>
-          <a:xfrm>
-            <a:off x="7360148" y="4866927"/>
-            <a:ext cx="3156827" cy="717437"/>
-            <a:chOff x="616260" y="3044256"/>
-            <a:chExt cx="6438423" cy="572242"/>
-          </a:xfrm>
-        </p:grpSpPr>
-        <p:sp>
-          <p:nvSpPr>
-            <p:cNvPr id="40" name="Rechteck: obere Ecken abgerundet 39">
-              <a:extLst>
-                <a:ext uri="{FF2B5EF4-FFF2-40B4-BE49-F238E27FC236}">
-                  <a16:creationId xmlns:a16="http://schemas.microsoft.com/office/drawing/2014/main" id="{F6F948A3-45F0-2E16-8021-50A9EE7DE561}"/>
-                </a:ext>
-              </a:extLst>
-            </p:cNvPr>
-            <p:cNvSpPr/>
-            <p:nvPr/>
-          </p:nvSpPr>
-          <p:spPr>
-            <a:xfrm rot="5400000">
-              <a:off x="3549351" y="111165"/>
-              <a:ext cx="572242" cy="6438423"/>
-            </a:xfrm>
-            <a:prstGeom prst="round2SameRect">
-              <a:avLst/>
-            </a:prstGeom>
-            <a:solidFill>
-              <a:schemeClr val="accent1">
-                <a:lumMod val="20000"/>
-                <a:lumOff val="80000"/>
-                <a:alpha val="90000"/>
-              </a:schemeClr>
-            </a:solidFill>
-          </p:spPr>
-          <p:style>
-            <a:lnRef idx="2">
-              <a:schemeClr val="accent1">
-                <a:hueOff val="0"/>
-                <a:satOff val="0"/>
-                <a:lumOff val="0"/>
-                <a:alphaOff val="0"/>
-              </a:schemeClr>
-            </a:lnRef>
-            <a:fillRef idx="1">
-              <a:scrgbClr r="0" g="0" b="0"/>
-            </a:fillRef>
-            <a:effectRef idx="0">
-              <a:schemeClr val="lt1">
-                <a:alpha val="90000"/>
-                <a:hueOff val="0"/>
-                <a:satOff val="0"/>
-                <a:lumOff val="0"/>
-                <a:alphaOff val="0"/>
-              </a:schemeClr>
-            </a:effectRef>
-            <a:fontRef idx="minor">
-              <a:schemeClr val="dk1">
-                <a:hueOff val="0"/>
-                <a:satOff val="0"/>
-                <a:lumOff val="0"/>
-                <a:alphaOff val="0"/>
-              </a:schemeClr>
-            </a:fontRef>
-          </p:style>
-          <p:txBody>
-            <a:bodyPr/>
-            <a:lstStyle/>
-            <a:p>
-              <a:endParaRPr lang="de-DE"/>
-            </a:p>
-          </p:txBody>
-        </p:sp>
-        <p:sp>
-          <p:nvSpPr>
-            <p:cNvPr id="41" name="Rechteck: obere Ecken abgerundet 4">
-              <a:extLst>
-                <a:ext uri="{FF2B5EF4-FFF2-40B4-BE49-F238E27FC236}">
-                  <a16:creationId xmlns:a16="http://schemas.microsoft.com/office/drawing/2014/main" id="{B5D2EC61-84EB-BB75-7AC4-0EF95798C9A1}"/>
-                </a:ext>
-              </a:extLst>
-            </p:cNvPr>
-            <p:cNvSpPr txBox="1"/>
-            <p:nvPr/>
-          </p:nvSpPr>
-          <p:spPr>
-            <a:xfrm>
-              <a:off x="616261" y="3072191"/>
-              <a:ext cx="6293338" cy="516372"/>
-            </a:xfrm>
-            <a:prstGeom prst="rect">
-              <a:avLst/>
-            </a:prstGeom>
-          </p:spPr>
-          <p:style>
-            <a:lnRef idx="0">
-              <a:scrgbClr r="0" g="0" b="0"/>
-            </a:lnRef>
-            <a:fillRef idx="0">
-              <a:scrgbClr r="0" g="0" b="0"/>
-            </a:fillRef>
-            <a:effectRef idx="0">
-              <a:scrgbClr r="0" g="0" b="0"/>
-            </a:effectRef>
-            <a:fontRef idx="minor">
-              <a:schemeClr val="dk1">
-                <a:hueOff val="0"/>
-                <a:satOff val="0"/>
-                <a:lumOff val="0"/>
-                <a:alphaOff val="0"/>
-              </a:schemeClr>
-            </a:fontRef>
-          </p:style>
-          <p:txBody>
-            <a:bodyPr spcFirstLastPara="0" vert="horz" wrap="square" lIns="99568" tIns="8890" rIns="8890" bIns="8890" numCol="1" spcCol="1270" anchor="ctr" anchorCtr="0">
-              <a:noAutofit/>
-            </a:bodyPr>
-            <a:lstStyle/>
-            <a:p>
-              <a:pPr marL="114300" lvl="1" indent="-114300" algn="l" defTabSz="622300">
-                <a:lnSpc>
-                  <a:spcPct val="90000"/>
-                </a:lnSpc>
-                <a:spcBef>
-                  <a:spcPct val="0"/>
-                </a:spcBef>
-                <a:spcAft>
-                  <a:spcPct val="15000"/>
-                </a:spcAft>
-                <a:buChar char="•"/>
-              </a:pPr>
-              <a:r>
-                <a:rPr lang="en-DE" sz="1400" kern="1200" dirty="0">
-                  <a:latin typeface="Arial" panose="020B0604020202020204" pitchFamily="34" charset="0"/>
-                  <a:cs typeface="Arial" panose="020B0604020202020204" pitchFamily="34" charset="0"/>
-                </a:rPr>
-                <a:t>News feed with 30 articles, including the secret message</a:t>
-              </a:r>
-            </a:p>
-          </p:txBody>
-        </p:sp>
-      </p:grpSp>
-    </p:spTree>
-    <p:extLst>
-      <p:ext uri="{BB962C8B-B14F-4D97-AF65-F5344CB8AC3E}">
-        <p14:creationId xmlns:p14="http://schemas.microsoft.com/office/powerpoint/2010/main" val="3686179132"/>
-      </p:ext>
-    </p:extLst>
-  </p:cSld>
-  <p:clrMapOvr>
-    <a:masterClrMapping/>
-  </p:clrMapOvr>
-</p:sld>
-</file>
-
-<file path=ppt/slides/slide9.xml><?xml version="1.0" encoding="utf-8"?>
-<p:sld xmlns:a="http://schemas.openxmlformats.org/drawingml/2006/main" xmlns:r="http://schemas.openxmlformats.org/officeDocument/2006/relationships" xmlns:p="http://schemas.openxmlformats.org/presentationml/2006/main">
-  <p:cSld>
-    <p:spTree>
-      <p:nvGrpSpPr>
-        <p:cNvPr id="1" name=""/>
-        <p:cNvGrpSpPr/>
-        <p:nvPr/>
-      </p:nvGrpSpPr>
-      <p:grpSpPr>
-        <a:xfrm>
-          <a:off x="0" y="0"/>
-          <a:ext cx="0" cy="0"/>
-          <a:chOff x="0" y="0"/>
-          <a:chExt cx="0" cy="0"/>
-        </a:xfrm>
-      </p:grpSpPr>
-      <p:sp>
-        <p:nvSpPr>
-          <p:cNvPr id="4" name="Textplatzhalter 3">
-            <a:extLst>
-              <a:ext uri="{FF2B5EF4-FFF2-40B4-BE49-F238E27FC236}">
-                <a16:creationId xmlns:a16="http://schemas.microsoft.com/office/drawing/2014/main" id="{1DDBDE21-4AC1-EB4D-9875-252AE5A899AE}"/>
-              </a:ext>
-            </a:extLst>
-          </p:cNvPr>
-          <p:cNvSpPr>
-            <a:spLocks noGrp="1"/>
-          </p:cNvSpPr>
-          <p:nvPr>
-            <p:ph type="body" sz="quarter" idx="14"/>
-          </p:nvPr>
-        </p:nvSpPr>
-        <p:spPr/>
-        <p:txBody>
-          <a:bodyPr/>
-          <a:lstStyle/>
-          <a:p>
-            <a:r>
-              <a:rPr lang="de-DE" dirty="0" err="1"/>
               <a:t>Restorer</a:t>
             </a:r>
             <a:endParaRPr lang="de-DE" dirty="0"/>
@@ -21182,6 +19256,540 @@
     <p:extLst>
       <p:ext uri="{BB962C8B-B14F-4D97-AF65-F5344CB8AC3E}">
         <p14:creationId xmlns:p14="http://schemas.microsoft.com/office/powerpoint/2010/main" val="2777395804"/>
+      </p:ext>
+    </p:extLst>
+  </p:cSld>
+  <p:clrMapOvr>
+    <a:masterClrMapping/>
+  </p:clrMapOvr>
+</p:sld>
+</file>
+
+<file path=ppt/slides/slide9.xml><?xml version="1.0" encoding="utf-8"?>
+<p:sld xmlns:a="http://schemas.openxmlformats.org/drawingml/2006/main" xmlns:r="http://schemas.openxmlformats.org/officeDocument/2006/relationships" xmlns:p="http://schemas.openxmlformats.org/presentationml/2006/main">
+  <p:cSld>
+    <p:spTree>
+      <p:nvGrpSpPr>
+        <p:cNvPr id="1" name=""/>
+        <p:cNvGrpSpPr/>
+        <p:nvPr/>
+      </p:nvGrpSpPr>
+      <p:grpSpPr>
+        <a:xfrm>
+          <a:off x="0" y="0"/>
+          <a:ext cx="0" cy="0"/>
+          <a:chOff x="0" y="0"/>
+          <a:chExt cx="0" cy="0"/>
+        </a:xfrm>
+      </p:grpSpPr>
+      <p:sp>
+        <p:nvSpPr>
+          <p:cNvPr id="4" name="Textplatzhalter 3">
+            <a:extLst>
+              <a:ext uri="{FF2B5EF4-FFF2-40B4-BE49-F238E27FC236}">
+                <a16:creationId xmlns:a16="http://schemas.microsoft.com/office/drawing/2014/main" id="{1DDBDE21-4AC1-EB4D-9875-252AE5A899AE}"/>
+              </a:ext>
+            </a:extLst>
+          </p:cNvPr>
+          <p:cNvSpPr>
+            <a:spLocks noGrp="1"/>
+          </p:cNvSpPr>
+          <p:nvPr>
+            <p:ph type="body" sz="quarter" idx="14"/>
+          </p:nvPr>
+        </p:nvSpPr>
+        <p:spPr/>
+        <p:txBody>
+          <a:bodyPr/>
+          <a:lstStyle/>
+          <a:p>
+            <a:r>
+              <a:rPr lang="de-DE" dirty="0" err="1"/>
+              <a:t>Restorer</a:t>
+            </a:r>
+            <a:endParaRPr lang="de-DE" dirty="0"/>
+          </a:p>
+        </p:txBody>
+      </p:sp>
+      <p:sp>
+        <p:nvSpPr>
+          <p:cNvPr id="2" name="Rechteck 1">
+            <a:extLst>
+              <a:ext uri="{FF2B5EF4-FFF2-40B4-BE49-F238E27FC236}">
+                <a16:creationId xmlns:a16="http://schemas.microsoft.com/office/drawing/2014/main" id="{EDCDC795-29C0-66CC-D5DD-8F33A26445F1}"/>
+              </a:ext>
+            </a:extLst>
+          </p:cNvPr>
+          <p:cNvSpPr/>
+          <p:nvPr/>
+        </p:nvSpPr>
+        <p:spPr>
+          <a:xfrm>
+            <a:off x="555867" y="4940556"/>
+            <a:ext cx="1470267" cy="717437"/>
+          </a:xfrm>
+          <a:prstGeom prst="rect">
+            <a:avLst/>
+          </a:prstGeom>
+        </p:spPr>
+        <p:style>
+          <a:lnRef idx="2">
+            <a:schemeClr val="accent1">
+              <a:shade val="15000"/>
+            </a:schemeClr>
+          </a:lnRef>
+          <a:fillRef idx="1">
+            <a:schemeClr val="accent1"/>
+          </a:fillRef>
+          <a:effectRef idx="0">
+            <a:schemeClr val="accent1"/>
+          </a:effectRef>
+          <a:fontRef idx="minor">
+            <a:schemeClr val="lt1"/>
+          </a:fontRef>
+        </p:style>
+        <p:txBody>
+          <a:bodyPr rtlCol="0" anchor="ctr"/>
+          <a:lstStyle/>
+          <a:p>
+            <a:pPr algn="ctr"/>
+            <a:r>
+              <a:rPr lang="de-DE" dirty="0"/>
+              <a:t>Input</a:t>
+            </a:r>
+          </a:p>
+        </p:txBody>
+      </p:sp>
+      <p:sp>
+        <p:nvSpPr>
+          <p:cNvPr id="3" name="Rechteck 2">
+            <a:extLst>
+              <a:ext uri="{FF2B5EF4-FFF2-40B4-BE49-F238E27FC236}">
+                <a16:creationId xmlns:a16="http://schemas.microsoft.com/office/drawing/2014/main" id="{DE96BA9B-9CA0-B6FA-D782-7ECFAAB88EAE}"/>
+              </a:ext>
+            </a:extLst>
+          </p:cNvPr>
+          <p:cNvSpPr/>
+          <p:nvPr/>
+        </p:nvSpPr>
+        <p:spPr>
+          <a:xfrm>
+            <a:off x="2026134" y="4115056"/>
+            <a:ext cx="1470267" cy="717437"/>
+          </a:xfrm>
+          <a:prstGeom prst="rect">
+            <a:avLst/>
+          </a:prstGeom>
+        </p:spPr>
+        <p:style>
+          <a:lnRef idx="2">
+            <a:schemeClr val="accent1">
+              <a:shade val="15000"/>
+            </a:schemeClr>
+          </a:lnRef>
+          <a:fillRef idx="1">
+            <a:schemeClr val="accent1"/>
+          </a:fillRef>
+          <a:effectRef idx="0">
+            <a:schemeClr val="accent1"/>
+          </a:effectRef>
+          <a:fontRef idx="minor">
+            <a:schemeClr val="lt1"/>
+          </a:fontRef>
+        </p:style>
+        <p:txBody>
+          <a:bodyPr rtlCol="0" anchor="ctr"/>
+          <a:lstStyle/>
+          <a:p>
+            <a:pPr algn="ctr"/>
+            <a:r>
+              <a:rPr lang="de-DE" dirty="0" err="1"/>
+              <a:t>Restoring</a:t>
+            </a:r>
+            <a:endParaRPr lang="de-DE" dirty="0"/>
+          </a:p>
+        </p:txBody>
+      </p:sp>
+      <p:cxnSp>
+        <p:nvCxnSpPr>
+          <p:cNvPr id="10" name="Verbinder: gewinkelt 9">
+            <a:extLst>
+              <a:ext uri="{FF2B5EF4-FFF2-40B4-BE49-F238E27FC236}">
+                <a16:creationId xmlns:a16="http://schemas.microsoft.com/office/drawing/2014/main" id="{7233A5F4-4007-202D-6660-FDEEF21C24FC}"/>
+              </a:ext>
+            </a:extLst>
+          </p:cNvPr>
+          <p:cNvCxnSpPr>
+            <a:stCxn id="2" idx="0"/>
+            <a:endCxn id="3" idx="1"/>
+          </p:cNvCxnSpPr>
+          <p:nvPr/>
+        </p:nvCxnSpPr>
+        <p:spPr>
+          <a:xfrm rot="5400000" flipH="1" flipV="1">
+            <a:off x="1425177" y="4339600"/>
+            <a:ext cx="466781" cy="735133"/>
+          </a:xfrm>
+          <a:prstGeom prst="bentConnector2">
+            <a:avLst/>
+          </a:prstGeom>
+          <a:ln>
+            <a:tailEnd type="triangle"/>
+          </a:ln>
+        </p:spPr>
+        <p:style>
+          <a:lnRef idx="1">
+            <a:schemeClr val="accent1"/>
+          </a:lnRef>
+          <a:fillRef idx="0">
+            <a:schemeClr val="accent1"/>
+          </a:fillRef>
+          <a:effectRef idx="0">
+            <a:schemeClr val="accent1"/>
+          </a:effectRef>
+          <a:fontRef idx="minor">
+            <a:schemeClr val="tx1"/>
+          </a:fontRef>
+        </p:style>
+      </p:cxnSp>
+      <p:grpSp>
+        <p:nvGrpSpPr>
+          <p:cNvPr id="22" name="Gruppieren 21">
+            <a:extLst>
+              <a:ext uri="{FF2B5EF4-FFF2-40B4-BE49-F238E27FC236}">
+                <a16:creationId xmlns:a16="http://schemas.microsoft.com/office/drawing/2014/main" id="{C6750FF8-9BC5-17FE-FEBA-4ABB65B96887}"/>
+              </a:ext>
+            </a:extLst>
+          </p:cNvPr>
+          <p:cNvGrpSpPr/>
+          <p:nvPr/>
+        </p:nvGrpSpPr>
+        <p:grpSpPr>
+          <a:xfrm>
+            <a:off x="3496401" y="4111943"/>
+            <a:ext cx="2545121" cy="711459"/>
+            <a:chOff x="616261" y="3352483"/>
+            <a:chExt cx="9105588" cy="572242"/>
+          </a:xfrm>
+        </p:grpSpPr>
+        <p:sp>
+          <p:nvSpPr>
+            <p:cNvPr id="23" name="Rechteck: obere Ecken abgerundet 22">
+              <a:extLst>
+                <a:ext uri="{FF2B5EF4-FFF2-40B4-BE49-F238E27FC236}">
+                  <a16:creationId xmlns:a16="http://schemas.microsoft.com/office/drawing/2014/main" id="{3487088E-B273-24DC-4E51-8CA9B87070A4}"/>
+                </a:ext>
+              </a:extLst>
+            </p:cNvPr>
+            <p:cNvSpPr/>
+            <p:nvPr/>
+          </p:nvSpPr>
+          <p:spPr>
+            <a:xfrm rot="5400000">
+              <a:off x="4882934" y="-914190"/>
+              <a:ext cx="572242" cy="9105588"/>
+            </a:xfrm>
+            <a:prstGeom prst="round2SameRect">
+              <a:avLst/>
+            </a:prstGeom>
+            <a:solidFill>
+              <a:srgbClr val="C30D1E">
+                <a:lumMod val="20000"/>
+                <a:lumOff val="80000"/>
+                <a:alpha val="90000"/>
+              </a:srgbClr>
+            </a:solidFill>
+            <a:ln w="12700" cap="flat" cmpd="sng" algn="ctr">
+              <a:solidFill>
+                <a:srgbClr val="C30D1E">
+                  <a:hueOff val="0"/>
+                  <a:satOff val="0"/>
+                  <a:lumOff val="0"/>
+                  <a:alphaOff val="0"/>
+                </a:srgbClr>
+              </a:solidFill>
+              <a:prstDash val="solid"/>
+              <a:miter lim="800000"/>
+            </a:ln>
+            <a:effectLst/>
+          </p:spPr>
+          <p:style>
+            <a:lnRef idx="2">
+              <a:scrgbClr r="0" g="0" b="0"/>
+            </a:lnRef>
+            <a:fillRef idx="1">
+              <a:scrgbClr r="0" g="0" b="0"/>
+            </a:fillRef>
+            <a:effectRef idx="0">
+              <a:scrgbClr r="0" g="0" b="0"/>
+            </a:effectRef>
+            <a:fontRef idx="minor">
+              <a:schemeClr val="dk1">
+                <a:hueOff val="0"/>
+                <a:satOff val="0"/>
+                <a:lumOff val="0"/>
+                <a:alphaOff val="0"/>
+              </a:schemeClr>
+            </a:fontRef>
+          </p:style>
+          <p:txBody>
+            <a:bodyPr/>
+            <a:lstStyle/>
+            <a:p>
+              <a:endParaRPr lang="de-DE"/>
+            </a:p>
+          </p:txBody>
+        </p:sp>
+        <p:sp>
+          <p:nvSpPr>
+            <p:cNvPr id="24" name="Rechteck: obere Ecken abgerundet 4">
+              <a:extLst>
+                <a:ext uri="{FF2B5EF4-FFF2-40B4-BE49-F238E27FC236}">
+                  <a16:creationId xmlns:a16="http://schemas.microsoft.com/office/drawing/2014/main" id="{F8D30C20-B263-1ECB-D7FB-ABD9B8819C71}"/>
+                </a:ext>
+              </a:extLst>
+            </p:cNvPr>
+            <p:cNvSpPr txBox="1"/>
+            <p:nvPr/>
+          </p:nvSpPr>
+          <p:spPr>
+            <a:xfrm>
+              <a:off x="616262" y="3380417"/>
+              <a:ext cx="9077653" cy="516372"/>
+            </a:xfrm>
+            <a:prstGeom prst="rect">
+              <a:avLst/>
+            </a:prstGeom>
+          </p:spPr>
+          <p:style>
+            <a:lnRef idx="0">
+              <a:scrgbClr r="0" g="0" b="0"/>
+            </a:lnRef>
+            <a:fillRef idx="0">
+              <a:scrgbClr r="0" g="0" b="0"/>
+            </a:fillRef>
+            <a:effectRef idx="0">
+              <a:scrgbClr r="0" g="0" b="0"/>
+            </a:effectRef>
+            <a:fontRef idx="minor">
+              <a:schemeClr val="dk1">
+                <a:hueOff val="0"/>
+                <a:satOff val="0"/>
+                <a:lumOff val="0"/>
+                <a:alphaOff val="0"/>
+              </a:schemeClr>
+            </a:fontRef>
+          </p:style>
+          <p:txBody>
+            <a:bodyPr spcFirstLastPara="0" vert="horz" wrap="square" lIns="99568" tIns="8890" rIns="8890" bIns="8890" numCol="1" spcCol="1270" anchor="ctr" anchorCtr="0">
+              <a:noAutofit/>
+            </a:bodyPr>
+            <a:lstStyle/>
+            <a:p>
+              <a:pPr marL="114300" lvl="1" indent="-114300" algn="l" defTabSz="622300">
+                <a:lnSpc>
+                  <a:spcPct val="90000"/>
+                </a:lnSpc>
+                <a:spcBef>
+                  <a:spcPct val="0"/>
+                </a:spcBef>
+                <a:spcAft>
+                  <a:spcPct val="15000"/>
+                </a:spcAft>
+                <a:buFont typeface="Arial" panose="020B0604020202020204" pitchFamily="34" charset="0"/>
+                <a:buChar char="•"/>
+              </a:pPr>
+              <a:r>
+                <a:rPr lang="en-DE" sz="1400" kern="1200" dirty="0">
+                  <a:solidFill>
+                    <a:srgbClr val="434343">
+                      <a:hueOff val="0"/>
+                      <a:satOff val="0"/>
+                      <a:lumOff val="0"/>
+                      <a:alphaOff val="0"/>
+                    </a:srgbClr>
+                  </a:solidFill>
+                  <a:latin typeface="Arial" panose="020B0604020202020204" pitchFamily="34" charset="0"/>
+                  <a:ea typeface="+mn-ea"/>
+                  <a:cs typeface="Arial" panose="020B0604020202020204" pitchFamily="34" charset="0"/>
+                </a:rPr>
+                <a:t>News feed with hidden message</a:t>
+              </a:r>
+            </a:p>
+          </p:txBody>
+        </p:sp>
+      </p:grpSp>
+      <p:grpSp>
+        <p:nvGrpSpPr>
+          <p:cNvPr id="25" name="Gruppieren 24">
+            <a:extLst>
+              <a:ext uri="{FF2B5EF4-FFF2-40B4-BE49-F238E27FC236}">
+                <a16:creationId xmlns:a16="http://schemas.microsoft.com/office/drawing/2014/main" id="{113A8280-F3C0-3D81-77EF-F9736DF03FE1}"/>
+              </a:ext>
+            </a:extLst>
+          </p:cNvPr>
+          <p:cNvGrpSpPr/>
+          <p:nvPr/>
+        </p:nvGrpSpPr>
+        <p:grpSpPr>
+          <a:xfrm>
+            <a:off x="2026868" y="4946533"/>
+            <a:ext cx="2536099" cy="711460"/>
+            <a:chOff x="616261" y="2592181"/>
+            <a:chExt cx="9105588" cy="572242"/>
+          </a:xfrm>
+        </p:grpSpPr>
+        <p:sp>
+          <p:nvSpPr>
+            <p:cNvPr id="26" name="Rechteck: obere Ecken abgerundet 25">
+              <a:extLst>
+                <a:ext uri="{FF2B5EF4-FFF2-40B4-BE49-F238E27FC236}">
+                  <a16:creationId xmlns:a16="http://schemas.microsoft.com/office/drawing/2014/main" id="{49F826AB-F22C-860D-CFDC-09A26EF288CE}"/>
+                </a:ext>
+              </a:extLst>
+            </p:cNvPr>
+            <p:cNvSpPr/>
+            <p:nvPr/>
+          </p:nvSpPr>
+          <p:spPr>
+            <a:xfrm rot="5400000">
+              <a:off x="4882934" y="-1674492"/>
+              <a:ext cx="572242" cy="9105588"/>
+            </a:xfrm>
+            <a:prstGeom prst="round2SameRect">
+              <a:avLst/>
+            </a:prstGeom>
+            <a:solidFill>
+              <a:srgbClr val="C30D1E">
+                <a:lumMod val="20000"/>
+                <a:lumOff val="80000"/>
+                <a:alpha val="90000"/>
+              </a:srgbClr>
+            </a:solidFill>
+            <a:ln w="12700" cap="flat" cmpd="sng" algn="ctr">
+              <a:solidFill>
+                <a:srgbClr val="C30D1E">
+                  <a:hueOff val="0"/>
+                  <a:satOff val="0"/>
+                  <a:lumOff val="0"/>
+                  <a:alphaOff val="0"/>
+                </a:srgbClr>
+              </a:solidFill>
+              <a:prstDash val="solid"/>
+              <a:miter lim="800000"/>
+            </a:ln>
+            <a:effectLst/>
+          </p:spPr>
+          <p:style>
+            <a:lnRef idx="2">
+              <a:scrgbClr r="0" g="0" b="0"/>
+            </a:lnRef>
+            <a:fillRef idx="1">
+              <a:scrgbClr r="0" g="0" b="0"/>
+            </a:fillRef>
+            <a:effectRef idx="0">
+              <a:scrgbClr r="0" g="0" b="0"/>
+            </a:effectRef>
+            <a:fontRef idx="minor">
+              <a:schemeClr val="dk1">
+                <a:hueOff val="0"/>
+                <a:satOff val="0"/>
+                <a:lumOff val="0"/>
+                <a:alphaOff val="0"/>
+              </a:schemeClr>
+            </a:fontRef>
+          </p:style>
+          <p:txBody>
+            <a:bodyPr/>
+            <a:lstStyle/>
+            <a:p>
+              <a:endParaRPr lang="de-DE"/>
+            </a:p>
+          </p:txBody>
+        </p:sp>
+        <p:sp>
+          <p:nvSpPr>
+            <p:cNvPr id="27" name="Rechteck: obere Ecken abgerundet 4">
+              <a:extLst>
+                <a:ext uri="{FF2B5EF4-FFF2-40B4-BE49-F238E27FC236}">
+                  <a16:creationId xmlns:a16="http://schemas.microsoft.com/office/drawing/2014/main" id="{A7321AA4-1C23-6FC4-0FB7-96E9674E445A}"/>
+                </a:ext>
+              </a:extLst>
+            </p:cNvPr>
+            <p:cNvSpPr txBox="1"/>
+            <p:nvPr/>
+          </p:nvSpPr>
+          <p:spPr>
+            <a:xfrm>
+              <a:off x="616262" y="2620115"/>
+              <a:ext cx="9077653" cy="516372"/>
+            </a:xfrm>
+            <a:prstGeom prst="rect">
+              <a:avLst/>
+            </a:prstGeom>
+          </p:spPr>
+          <p:style>
+            <a:lnRef idx="0">
+              <a:scrgbClr r="0" g="0" b="0"/>
+            </a:lnRef>
+            <a:fillRef idx="0">
+              <a:scrgbClr r="0" g="0" b="0"/>
+            </a:fillRef>
+            <a:effectRef idx="0">
+              <a:scrgbClr r="0" g="0" b="0"/>
+            </a:effectRef>
+            <a:fontRef idx="minor">
+              <a:schemeClr val="dk1">
+                <a:hueOff val="0"/>
+                <a:satOff val="0"/>
+                <a:lumOff val="0"/>
+                <a:alphaOff val="0"/>
+              </a:schemeClr>
+            </a:fontRef>
+          </p:style>
+          <p:txBody>
+            <a:bodyPr spcFirstLastPara="0" vert="horz" wrap="square" lIns="99568" tIns="8890" rIns="8890" bIns="8890" numCol="1" spcCol="1270" anchor="ctr" anchorCtr="0">
+              <a:noAutofit/>
+            </a:bodyPr>
+            <a:lstStyle/>
+            <a:p>
+              <a:pPr marL="114300" lvl="1" indent="-114300" algn="l" defTabSz="622300">
+                <a:lnSpc>
+                  <a:spcPct val="90000"/>
+                </a:lnSpc>
+                <a:spcBef>
+                  <a:spcPct val="0"/>
+                </a:spcBef>
+                <a:spcAft>
+                  <a:spcPct val="15000"/>
+                </a:spcAft>
+                <a:buFont typeface="Arial" panose="020B0604020202020204" pitchFamily="34" charset="0"/>
+                <a:buChar char="•"/>
+              </a:pPr>
+              <a:r>
+                <a:rPr lang="en-DE" sz="1400" kern="1200" dirty="0">
+                  <a:solidFill>
+                    <a:srgbClr val="434343">
+                      <a:hueOff val="0"/>
+                      <a:satOff val="0"/>
+                      <a:lumOff val="0"/>
+                      <a:alphaOff val="0"/>
+                    </a:srgbClr>
+                  </a:solidFill>
+                  <a:latin typeface="Arial" panose="020B0604020202020204" pitchFamily="34" charset="0"/>
+                  <a:ea typeface="+mn-ea"/>
+                  <a:cs typeface="Arial" panose="020B0604020202020204" pitchFamily="34" charset="0"/>
+                </a:rPr>
+                <a:t>Hide secret in articles</a:t>
+              </a:r>
+            </a:p>
+          </p:txBody>
+        </p:sp>
+      </p:grpSp>
+    </p:spTree>
+    <p:extLst>
+      <p:ext uri="{BB962C8B-B14F-4D97-AF65-F5344CB8AC3E}">
+        <p14:creationId xmlns:p14="http://schemas.microsoft.com/office/powerpoint/2010/main" val="1106828226"/>
       </p:ext>
     </p:extLst>
   </p:cSld>

--- a/documentation/20231114_stemo_midterm.pptx
+++ b/documentation/20231114_stemo_midterm.pptx
@@ -10,7 +10,7 @@
   </p:notesMasterIdLst>
   <p:sldIdLst>
     <p:sldId id="358" r:id="rId3"/>
-    <p:sldId id="371" r:id="rId4"/>
+    <p:sldId id="404" r:id="rId4"/>
     <p:sldId id="390" r:id="rId5"/>
     <p:sldId id="391" r:id="rId6"/>
     <p:sldId id="392" r:id="rId7"/>
@@ -134,7 +134,7 @@
         </p14:section>
         <p14:section name="Outline" id="{436197D4-F59F-0640-A885-2015334A74FC}">
           <p14:sldIdLst>
-            <p14:sldId id="371"/>
+            <p14:sldId id="404"/>
           </p14:sldIdLst>
         </p14:section>
         <p14:section name="Hider" id="{64BA9AB4-C98F-034F-9CE6-91271C7B74C4}">
@@ -2655,7 +2655,7 @@
     </p:spTree>
     <p:extLst>
       <p:ext uri="{BB962C8B-B14F-4D97-AF65-F5344CB8AC3E}">
-        <p14:creationId xmlns:p14="http://schemas.microsoft.com/office/powerpoint/2010/main" val="1908063536"/>
+        <p14:creationId xmlns:p14="http://schemas.microsoft.com/office/powerpoint/2010/main" val="3202365532"/>
       </p:ext>
     </p:extLst>
   </p:cSld>
@@ -6497,42 +6497,8 @@
                 <a:latin typeface="Arial" panose="020B0604020202020204" pitchFamily="34" charset="0"/>
                 <a:cs typeface="Arial" panose="020B0604020202020204" pitchFamily="34" charset="0"/>
               </a:rPr>
-              <a:t> | STEMO Project | Wave 1 | </a:t>
-            </a:r>
-            <a:fld id="{8AB8AE3C-4F02-BE49-87A2-4A6516160ED6}" type="datetime4">
-              <a:rPr lang="de-DE" sz="1200" smtClean="0">
-                <a:solidFill>
-                  <a:schemeClr val="bg1"/>
-                </a:solidFill>
-                <a:latin typeface="Arial" panose="020B0604020202020204" pitchFamily="34" charset="0"/>
-                <a:cs typeface="Arial" panose="020B0604020202020204" pitchFamily="34" charset="0"/>
-              </a:rPr>
-              <a:pPr marL="0" marR="0" lvl="0" indent="0" algn="l" defTabSz="914400" rtl="0" eaLnBrk="1" fontAlgn="auto" latinLnBrk="0" hangingPunct="1">
-                <a:lnSpc>
-                  <a:spcPct val="100000"/>
-                </a:lnSpc>
-                <a:spcBef>
-                  <a:spcPts val="0"/>
-                </a:spcBef>
-                <a:spcAft>
-                  <a:spcPts val="0"/>
-                </a:spcAft>
-                <a:buClrTx/>
-                <a:buSzTx/>
-                <a:buFontTx/>
-                <a:buNone/>
-                <a:tabLst/>
-                <a:defRPr/>
-              </a:pPr>
-              <a:t>12. Dezember 2023</a:t>
-            </a:fld>
-            <a:endParaRPr lang="de-DE" sz="1200" dirty="0">
-              <a:solidFill>
-                <a:schemeClr val="bg1"/>
-              </a:solidFill>
-              <a:latin typeface="Arial" panose="020B0604020202020204" pitchFamily="34" charset="0"/>
-              <a:cs typeface="Arial" panose="020B0604020202020204" pitchFamily="34" charset="0"/>
-            </a:endParaRPr>
+              <a:t> | STEMO Project | Wave 2 | 13. Dezember 2023</a:t>
+            </a:r>
           </a:p>
         </p:txBody>
       </p:sp>
@@ -7030,7 +6996,7 @@
         </p:blipFill>
         <p:spPr>
           <a:xfrm>
-            <a:off x="0" y="1800000"/>
+            <a:off x="0" y="1769943"/>
             <a:ext cx="8748000" cy="3204000"/>
           </a:xfrm>
         </p:spPr>
@@ -14188,6 +14154,69 @@
       </p:grpSpPr>
       <p:sp>
         <p:nvSpPr>
+          <p:cNvPr id="7" name="Textplatzhalter 6">
+            <a:extLst>
+              <a:ext uri="{FF2B5EF4-FFF2-40B4-BE49-F238E27FC236}">
+                <a16:creationId xmlns:a16="http://schemas.microsoft.com/office/drawing/2014/main" id="{8595BF13-B648-487A-6245-55BE60E1B041}"/>
+              </a:ext>
+            </a:extLst>
+          </p:cNvPr>
+          <p:cNvSpPr>
+            <a:spLocks noGrp="1"/>
+          </p:cNvSpPr>
+          <p:nvPr>
+            <p:ph type="body" sz="quarter" idx="17"/>
+          </p:nvPr>
+        </p:nvSpPr>
+        <p:spPr>
+          <a:xfrm>
+            <a:off x="1095374" y="1371600"/>
+            <a:ext cx="9177275" cy="4356100"/>
+          </a:xfrm>
+        </p:spPr>
+        <p:txBody>
+          <a:bodyPr/>
+          <a:lstStyle/>
+          <a:p>
+            <a:endParaRPr lang="de-DE" dirty="0"/>
+          </a:p>
+          <a:p>
+            <a:r>
+              <a:rPr lang="de-DE" dirty="0" err="1"/>
+              <a:t>Hider</a:t>
+            </a:r>
+            <a:endParaRPr lang="de-DE" dirty="0"/>
+          </a:p>
+          <a:p>
+            <a:pPr marL="342900" indent="-342900">
+              <a:buAutoNum type="arabicPeriod"/>
+            </a:pPr>
+            <a:endParaRPr lang="de-DE" dirty="0"/>
+          </a:p>
+          <a:p>
+            <a:r>
+              <a:rPr lang="de-DE" dirty="0" err="1"/>
+              <a:t>Restorer</a:t>
+            </a:r>
+            <a:endParaRPr lang="de-DE" dirty="0"/>
+          </a:p>
+          <a:p>
+            <a:pPr marL="342900" indent="-342900">
+              <a:buAutoNum type="arabicPeriod"/>
+            </a:pPr>
+            <a:endParaRPr lang="de-DE" dirty="0"/>
+          </a:p>
+          <a:p>
+            <a:r>
+              <a:rPr lang="de-DE" dirty="0" err="1"/>
+              <a:t>Detector</a:t>
+            </a:r>
+            <a:endParaRPr lang="de-DE" dirty="0"/>
+          </a:p>
+        </p:txBody>
+      </p:sp>
+      <p:sp>
+        <p:nvSpPr>
           <p:cNvPr id="4" name="Text Placeholder 3">
             <a:extLst>
               <a:ext uri="{FF2B5EF4-FFF2-40B4-BE49-F238E27FC236}">
@@ -14216,219 +14245,141 @@
       </p:sp>
       <p:sp>
         <p:nvSpPr>
-          <p:cNvPr id="2" name="Rechteck 1">
+          <p:cNvPr id="5" name="Textfeld 4">
             <a:extLst>
               <a:ext uri="{FF2B5EF4-FFF2-40B4-BE49-F238E27FC236}">
-                <a16:creationId xmlns:a16="http://schemas.microsoft.com/office/drawing/2014/main" id="{57EB7525-AB63-71E6-4AC3-84C1E556B7F3}"/>
+                <a16:creationId xmlns:a16="http://schemas.microsoft.com/office/drawing/2014/main" id="{31776BA1-5616-17C0-6E57-349A19308ECD}"/>
               </a:ext>
             </a:extLst>
           </p:cNvPr>
-          <p:cNvSpPr/>
+          <p:cNvSpPr txBox="1"/>
           <p:nvPr/>
         </p:nvSpPr>
         <p:spPr>
           <a:xfrm>
-            <a:off x="1028821" y="2191183"/>
-            <a:ext cx="3251200" cy="2272434"/>
+            <a:off x="368300" y="1270000"/>
+            <a:ext cx="11455400" cy="369332"/>
           </a:xfrm>
           <a:prstGeom prst="rect">
             <a:avLst/>
           </a:prstGeom>
+          <a:noFill/>
         </p:spPr>
-        <p:style>
-          <a:lnRef idx="2">
-            <a:schemeClr val="accent1">
-              <a:shade val="15000"/>
-            </a:schemeClr>
-          </a:lnRef>
-          <a:fillRef idx="1">
-            <a:schemeClr val="accent1"/>
-          </a:fillRef>
-          <a:effectRef idx="0">
-            <a:schemeClr val="accent1"/>
-          </a:effectRef>
-          <a:fontRef idx="minor">
-            <a:schemeClr val="lt1"/>
-          </a:fontRef>
-        </p:style>
         <p:txBody>
-          <a:bodyPr rtlCol="0" anchor="ctr"/>
+          <a:bodyPr wrap="square" rtlCol="0">
+            <a:spAutoFit/>
+          </a:bodyPr>
           <a:lstStyle/>
           <a:p>
-            <a:pPr algn="ctr"/>
-            <a:r>
-              <a:rPr lang="de-DE" sz="4100" dirty="0" err="1"/>
-              <a:t>Hider</a:t>
-            </a:r>
-            <a:endParaRPr lang="de-DE" sz="4100" dirty="0"/>
+            <a:pPr marL="285750" indent="-285750">
+              <a:buFont typeface="Arial" panose="020B0604020202020204" pitchFamily="34" charset="0"/>
+              <a:buChar char="•"/>
+            </a:pPr>
+            <a:endParaRPr lang="de-DE" dirty="0"/>
           </a:p>
         </p:txBody>
       </p:sp>
       <p:sp>
         <p:nvSpPr>
-          <p:cNvPr id="3" name="Rechteck 2">
+          <p:cNvPr id="13" name="Textfeld 12">
             <a:extLst>
               <a:ext uri="{FF2B5EF4-FFF2-40B4-BE49-F238E27FC236}">
-                <a16:creationId xmlns:a16="http://schemas.microsoft.com/office/drawing/2014/main" id="{7FC94A19-481E-75BF-4C61-5A67ECB11E75}"/>
+                <a16:creationId xmlns:a16="http://schemas.microsoft.com/office/drawing/2014/main" id="{F895FBDA-5C7A-4D03-8365-A444F5ADD7CC}"/>
               </a:ext>
             </a:extLst>
           </p:cNvPr>
-          <p:cNvSpPr/>
+          <p:cNvSpPr txBox="1"/>
           <p:nvPr/>
         </p:nvSpPr>
         <p:spPr>
           <a:xfrm>
-            <a:off x="4435142" y="2191183"/>
-            <a:ext cx="3251200" cy="2272434"/>
+            <a:off x="567908" y="2215522"/>
+            <a:ext cx="485775" cy="369332"/>
           </a:xfrm>
           <a:prstGeom prst="rect">
             <a:avLst/>
           </a:prstGeom>
+          <a:noFill/>
         </p:spPr>
-        <p:style>
-          <a:lnRef idx="2">
-            <a:schemeClr val="accent1">
-              <a:shade val="15000"/>
-            </a:schemeClr>
-          </a:lnRef>
-          <a:fillRef idx="1">
-            <a:schemeClr val="accent1"/>
-          </a:fillRef>
-          <a:effectRef idx="0">
-            <a:schemeClr val="accent1"/>
-          </a:effectRef>
-          <a:fontRef idx="minor">
-            <a:schemeClr val="lt1"/>
-          </a:fontRef>
-        </p:style>
         <p:txBody>
-          <a:bodyPr rtlCol="0" anchor="ctr"/>
+          <a:bodyPr wrap="square">
+            <a:spAutoFit/>
+          </a:bodyPr>
           <a:lstStyle/>
           <a:p>
-            <a:pPr algn="ctr"/>
-            <a:r>
-              <a:rPr lang="de-DE" sz="4100" dirty="0" err="1"/>
-              <a:t>Restorer</a:t>
-            </a:r>
-            <a:endParaRPr lang="de-DE" sz="4100" dirty="0"/>
+            <a:r>
+              <a:rPr lang="de-DE" dirty="0"/>
+              <a:t>📥</a:t>
+            </a:r>
           </a:p>
         </p:txBody>
       </p:sp>
       <p:sp>
         <p:nvSpPr>
-          <p:cNvPr id="6" name="Rechteck 5">
+          <p:cNvPr id="19" name="Textfeld 18">
             <a:extLst>
               <a:ext uri="{FF2B5EF4-FFF2-40B4-BE49-F238E27FC236}">
-                <a16:creationId xmlns:a16="http://schemas.microsoft.com/office/drawing/2014/main" id="{49FA7759-99FC-F34F-F69E-A636FE70E70E}"/>
+                <a16:creationId xmlns:a16="http://schemas.microsoft.com/office/drawing/2014/main" id="{055E3A72-C3EB-F970-E19C-574FA3C9ABFD}"/>
               </a:ext>
             </a:extLst>
           </p:cNvPr>
-          <p:cNvSpPr/>
+          <p:cNvSpPr txBox="1"/>
           <p:nvPr/>
         </p:nvSpPr>
         <p:spPr>
           <a:xfrm>
-            <a:off x="7841463" y="2191183"/>
-            <a:ext cx="3251200" cy="2272434"/>
+            <a:off x="548722" y="2857502"/>
+            <a:ext cx="587931" cy="369332"/>
           </a:xfrm>
           <a:prstGeom prst="rect">
             <a:avLst/>
           </a:prstGeom>
+          <a:noFill/>
         </p:spPr>
-        <p:style>
-          <a:lnRef idx="2">
-            <a:schemeClr val="accent1">
-              <a:shade val="15000"/>
-            </a:schemeClr>
-          </a:lnRef>
-          <a:fillRef idx="1">
-            <a:schemeClr val="accent1"/>
-          </a:fillRef>
-          <a:effectRef idx="0">
-            <a:schemeClr val="accent1"/>
-          </a:effectRef>
-          <a:fontRef idx="minor">
-            <a:schemeClr val="lt1"/>
-          </a:fontRef>
-        </p:style>
         <p:txBody>
-          <a:bodyPr rtlCol="0" anchor="ctr"/>
+          <a:bodyPr wrap="square">
+            <a:spAutoFit/>
+          </a:bodyPr>
           <a:lstStyle/>
           <a:p>
-            <a:pPr algn="ctr"/>
-            <a:r>
-              <a:rPr lang="de-DE" sz="4100" dirty="0" err="1"/>
-              <a:t>Detector</a:t>
-            </a:r>
-            <a:endParaRPr lang="de-DE" sz="4100" dirty="0"/>
+            <a:r>
+              <a:rPr lang="de-DE" dirty="0"/>
+              <a:t>🔎</a:t>
+            </a:r>
           </a:p>
         </p:txBody>
       </p:sp>
       <p:sp>
         <p:nvSpPr>
-          <p:cNvPr id="9" name="Pfeil: nach links und rechts 8">
+          <p:cNvPr id="31" name="Textfeld 30">
             <a:extLst>
               <a:ext uri="{FF2B5EF4-FFF2-40B4-BE49-F238E27FC236}">
-                <a16:creationId xmlns:a16="http://schemas.microsoft.com/office/drawing/2014/main" id="{82C51888-2E5F-6851-5A10-678AE445E094}"/>
+                <a16:creationId xmlns:a16="http://schemas.microsoft.com/office/drawing/2014/main" id="{9672C858-3C51-2203-1504-7363DB2E9FFB}"/>
               </a:ext>
             </a:extLst>
           </p:cNvPr>
-          <p:cNvSpPr/>
+          <p:cNvSpPr txBox="1"/>
           <p:nvPr/>
         </p:nvSpPr>
         <p:spPr>
           <a:xfrm>
-            <a:off x="2248142" y="3765983"/>
-            <a:ext cx="4114800" cy="596034"/>
+            <a:off x="567908" y="1610724"/>
+            <a:ext cx="543722" cy="369332"/>
           </a:xfrm>
-          <a:prstGeom prst="leftRightArrow">
+          <a:prstGeom prst="rect">
             <a:avLst/>
           </a:prstGeom>
+          <a:noFill/>
         </p:spPr>
-        <p:style>
-          <a:lnRef idx="2">
-            <a:schemeClr val="accent2">
-              <a:shade val="15000"/>
-            </a:schemeClr>
-          </a:lnRef>
-          <a:fillRef idx="1">
-            <a:schemeClr val="accent2"/>
-          </a:fillRef>
-          <a:effectRef idx="0">
-            <a:schemeClr val="accent2"/>
-          </a:effectRef>
-          <a:fontRef idx="minor">
-            <a:schemeClr val="lt1"/>
-          </a:fontRef>
-        </p:style>
         <p:txBody>
-          <a:bodyPr rtlCol="0" anchor="ctr"/>
+          <a:bodyPr wrap="square">
+            <a:spAutoFit/>
+          </a:bodyPr>
           <a:lstStyle/>
           <a:p>
-            <a:pPr algn="ctr"/>
-            <a:r>
-              <a:rPr lang="de-DE" dirty="0">
-                <a:solidFill>
-                  <a:schemeClr val="tx1"/>
-                </a:solidFill>
-              </a:rPr>
-              <a:t>Dynamic </a:t>
-            </a:r>
-            <a:r>
-              <a:rPr lang="de-DE" dirty="0" err="1">
-                <a:solidFill>
-                  <a:schemeClr val="tx1"/>
-                </a:solidFill>
-              </a:rPr>
-              <a:t>Arithmetic</a:t>
-            </a:r>
-            <a:r>
-              <a:rPr lang="de-DE" dirty="0">
-                <a:solidFill>
-                  <a:schemeClr val="tx1"/>
-                </a:solidFill>
-              </a:rPr>
-              <a:t> Encoding</a:t>
+            <a:r>
+              <a:rPr lang="de-DE" dirty="0"/>
+              <a:t>📤 </a:t>
             </a:r>
           </a:p>
         </p:txBody>
@@ -14436,7 +14387,7 @@
     </p:spTree>
     <p:extLst>
       <p:ext uri="{BB962C8B-B14F-4D97-AF65-F5344CB8AC3E}">
-        <p14:creationId xmlns:p14="http://schemas.microsoft.com/office/powerpoint/2010/main" val="4076600297"/>
+        <p14:creationId xmlns:p14="http://schemas.microsoft.com/office/powerpoint/2010/main" val="663230976"/>
       </p:ext>
     </p:extLst>
   </p:cSld>
@@ -17458,21 +17409,7 @@
                   <a:latin typeface="Arial" panose="020B0604020202020204" pitchFamily="34" charset="0"/>
                   <a:cs typeface="Arial" panose="020B0604020202020204" pitchFamily="34" charset="0"/>
                 </a:rPr>
-                <a:t> </a:t>
-              </a:r>
-              <a:r>
-                <a:rPr lang="de-DE" sz="1400" kern="1200" dirty="0" err="1">
-                  <a:latin typeface="Arial" panose="020B0604020202020204" pitchFamily="34" charset="0"/>
-                  <a:cs typeface="Arial" panose="020B0604020202020204" pitchFamily="34" charset="0"/>
-                </a:rPr>
-                <a:t>of</a:t>
-              </a:r>
-              <a:r>
-                <a:rPr lang="de-DE" sz="1400" kern="1200" dirty="0">
-                  <a:latin typeface="Arial" panose="020B0604020202020204" pitchFamily="34" charset="0"/>
-                  <a:cs typeface="Arial" panose="020B0604020202020204" pitchFamily="34" charset="0"/>
-                </a:rPr>
-                <a:t> </a:t>
+                <a:t> of </a:t>
               </a:r>
               <a:r>
                 <a:rPr lang="de-DE" sz="1400" kern="1200" dirty="0" err="1">
@@ -17486,21 +17423,7 @@
                   <a:latin typeface="Arial" panose="020B0604020202020204" pitchFamily="34" charset="0"/>
                   <a:cs typeface="Arial" panose="020B0604020202020204" pitchFamily="34" charset="0"/>
                 </a:rPr>
-                <a:t> </a:t>
-              </a:r>
-              <a:r>
-                <a:rPr lang="de-DE" sz="1400" kern="1200" dirty="0" err="1">
-                  <a:latin typeface="Arial" panose="020B0604020202020204" pitchFamily="34" charset="0"/>
-                  <a:cs typeface="Arial" panose="020B0604020202020204" pitchFamily="34" charset="0"/>
-                </a:rPr>
-                <a:t>to</a:t>
-              </a:r>
-              <a:r>
-                <a:rPr lang="de-DE" sz="1400" kern="1200" dirty="0">
-                  <a:latin typeface="Arial" panose="020B0604020202020204" pitchFamily="34" charset="0"/>
-                  <a:cs typeface="Arial" panose="020B0604020202020204" pitchFamily="34" charset="0"/>
-                </a:rPr>
-                <a:t> </a:t>
+                <a:t> to </a:t>
               </a:r>
               <a:r>
                 <a:rPr lang="de-DE" sz="1400" kern="1200" dirty="0" err="1">
@@ -17522,6 +17445,34 @@
                   <a:cs typeface="Arial" panose="020B0604020202020204" pitchFamily="34" charset="0"/>
                 </a:rPr>
                 <a:t>hidden</a:t>
+              </a:r>
+              <a:r>
+                <a:rPr lang="de-DE" sz="1400" kern="1200" dirty="0">
+                  <a:latin typeface="Arial" panose="020B0604020202020204" pitchFamily="34" charset="0"/>
+                  <a:cs typeface="Arial" panose="020B0604020202020204" pitchFamily="34" charset="0"/>
+                </a:rPr>
+                <a:t> with Dy</a:t>
+              </a:r>
+              <a:r>
+                <a:rPr lang="de-DE" sz="1400" dirty="0">
+                  <a:latin typeface="Arial" panose="020B0604020202020204" pitchFamily="34" charset="0"/>
+                  <a:cs typeface="Arial" panose="020B0604020202020204" pitchFamily="34" charset="0"/>
+                </a:rPr>
+                <a:t>namic </a:t>
+              </a:r>
+              <a:r>
+                <a:rPr lang="de-DE" sz="1400" dirty="0" err="1">
+                  <a:latin typeface="Arial" panose="020B0604020202020204" pitchFamily="34" charset="0"/>
+                  <a:cs typeface="Arial" panose="020B0604020202020204" pitchFamily="34" charset="0"/>
+                </a:rPr>
+                <a:t>Arithmetic</a:t>
+              </a:r>
+              <a:r>
+                <a:rPr lang="de-DE" sz="1400" dirty="0">
+                  <a:latin typeface="Arial" panose="020B0604020202020204" pitchFamily="34" charset="0"/>
+                  <a:cs typeface="Arial" panose="020B0604020202020204" pitchFamily="34" charset="0"/>
+                </a:rPr>
+                <a:t> Encoding</a:t>
               </a:r>
               <a:endParaRPr lang="en-GB" sz="1400" kern="1200" dirty="0">
                 <a:latin typeface="Arial" panose="020B0604020202020204" pitchFamily="34" charset="0"/>
